--- a/lci_nutrition.pptx
+++ b/lci_nutrition.pptx
@@ -13,12 +13,6 @@
     <p:sldId id="261" r:id="rId7"/>
     <p:sldId id="262" r:id="rId8"/>
     <p:sldId id="263" r:id="rId9"/>
-    <p:sldId id="264" r:id="rId10"/>
-    <p:sldId id="265" r:id="rId11"/>
-    <p:sldId id="266" r:id="rId12"/>
-    <p:sldId id="267" r:id="rId13"/>
-    <p:sldId id="268" r:id="rId14"/>
-    <p:sldId id="269" r:id="rId15"/>
   </p:sldIdLst>
   <p:sldSz cx="9144000" cy="5143500" type="screen16x9"/>
   <p:notesSz cx="6858000" cy="9144000"/>
@@ -3166,316 +3160,6 @@
 </p:sld>
 </file>
 
-<file path=ppt/slides/slide10.xml><?xml version="1.0" encoding="utf-8"?>
-<p:sld xmlns:a="http://schemas.openxmlformats.org/drawingml/2006/main" xmlns:r="http://schemas.openxmlformats.org/officeDocument/2006/relationships" xmlns:p="http://schemas.openxmlformats.org/presentationml/2006/main">
-  <p:cSld>
-    <p:spTree>
-      <p:nvGrpSpPr>
-        <p:cNvPr id="1" name=""/>
-        <p:cNvGrpSpPr/>
-        <p:nvPr/>
-      </p:nvGrpSpPr>
-      <p:grpSpPr>
-        <a:xfrm>
-          <a:off x="0" y="0"/>
-          <a:ext cx="0" cy="0"/>
-          <a:chOff x="0" y="0"/>
-          <a:chExt cx="0" cy="0"/>
-        </a:xfrm>
-      </p:grpSpPr>
-      <p:sp>
-        <p:nvSpPr>
-          <p:cNvPr id="3" name="Content Placeholder 2"/>
-          <p:cNvSpPr>
-            <a:spLocks noGrp="1"/>
-          </p:cNvSpPr>
-          <p:nvPr>
-            <p:ph idx="1"/>
-          </p:nvPr>
-        </p:nvSpPr>
-        <p:spPr/>
-        <p:txBody>
-          <a:bodyPr/>
-          <a:lstStyle/>
-          <a:p>
-            <a:pPr lvl="0" indent="0" marL="0">
-              <a:buNone/>
-            </a:pPr>
-            <a:r>
-              <a:rPr/>
-              <a:t>A gastrostomy tube is generally placed as an outpatient, which means you can go home the same day.</a:t>
-            </a:r>
-          </a:p>
-          <a:p>
-            <a:pPr lvl="0" indent="0" marL="0">
-              <a:buNone/>
-            </a:pPr>
-            <a:r>
-              <a:rPr/>
-              <a:t>In some cases, a central venous port for chemotherapy is placed at the same time as a gastrostomy tube.</a:t>
-            </a:r>
-          </a:p>
-        </p:txBody>
-      </p:sp>
-    </p:spTree>
-  </p:cSld>
-</p:sld>
-</file>
-
-<file path=ppt/slides/slide11.xml><?xml version="1.0" encoding="utf-8"?>
-<p:sld xmlns:a="http://schemas.openxmlformats.org/drawingml/2006/main" xmlns:r="http://schemas.openxmlformats.org/officeDocument/2006/relationships" xmlns:p="http://schemas.openxmlformats.org/presentationml/2006/main">
-  <p:cSld>
-    <p:spTree>
-      <p:nvGrpSpPr>
-        <p:cNvPr id="1" name=""/>
-        <p:cNvGrpSpPr/>
-        <p:nvPr/>
-      </p:nvGrpSpPr>
-      <p:grpSpPr>
-        <a:xfrm>
-          <a:off x="0" y="0"/>
-          <a:ext cx="0" cy="0"/>
-          <a:chOff x="0" y="0"/>
-          <a:chExt cx="0" cy="0"/>
-        </a:xfrm>
-      </p:grpSpPr>
-      <p:sp>
-        <p:nvSpPr>
-          <p:cNvPr id="3" name="Content Placeholder 2"/>
-          <p:cNvSpPr>
-            <a:spLocks noGrp="1"/>
-          </p:cNvSpPr>
-          <p:nvPr>
-            <p:ph idx="1"/>
-          </p:nvPr>
-        </p:nvSpPr>
-        <p:spPr/>
-        <p:txBody>
-          <a:bodyPr/>
-          <a:lstStyle/>
-          <a:p>
-            <a:pPr lvl="0" indent="0" marL="0">
-              <a:buNone/>
-            </a:pPr>
-            <a:r>
-              <a:rPr/>
-              <a:t>The other type of feeding tube is a jejunostomy.</a:t>
-            </a:r>
-          </a:p>
-          <a:p>
-            <a:pPr lvl="0" indent="0" marL="0">
-              <a:buNone/>
-            </a:pPr>
-            <a:r>
-              <a:rPr/>
-              <a:t>A jejunostomy tube tube is placed into the small intestines. Because the small intestine is used to receiving food in small quantities, a jejunostomy tube requires the use of a pump to deliver feedings gradually over a matter of hours.</a:t>
-            </a:r>
-          </a:p>
-          <a:p>
-            <a:pPr lvl="0" indent="0" marL="0">
-              <a:buNone/>
-            </a:pPr>
-            <a:r>
-              <a:rPr/>
-              <a:t>In general, feedings are done at night in order to allow you to be active during the day</a:t>
-            </a:r>
-          </a:p>
-        </p:txBody>
-      </p:sp>
-    </p:spTree>
-  </p:cSld>
-</p:sld>
-</file>
-
-<file path=ppt/slides/slide12.xml><?xml version="1.0" encoding="utf-8"?>
-<p:sld xmlns:a="http://schemas.openxmlformats.org/drawingml/2006/main" xmlns:r="http://schemas.openxmlformats.org/officeDocument/2006/relationships" xmlns:p="http://schemas.openxmlformats.org/presentationml/2006/main">
-  <p:cSld>
-    <p:spTree>
-      <p:nvGrpSpPr>
-        <p:cNvPr id="1" name=""/>
-        <p:cNvGrpSpPr/>
-        <p:nvPr/>
-      </p:nvGrpSpPr>
-      <p:grpSpPr>
-        <a:xfrm>
-          <a:off x="0" y="0"/>
-          <a:ext cx="0" cy="0"/>
-          <a:chOff x="0" y="0"/>
-          <a:chExt cx="0" cy="0"/>
-        </a:xfrm>
-      </p:grpSpPr>
-      <p:sp>
-        <p:nvSpPr>
-          <p:cNvPr id="3" name="Content Placeholder 2"/>
-          <p:cNvSpPr>
-            <a:spLocks noGrp="1"/>
-          </p:cNvSpPr>
-          <p:nvPr>
-            <p:ph idx="1"/>
-          </p:nvPr>
-        </p:nvSpPr>
-        <p:spPr/>
-        <p:txBody>
-          <a:bodyPr/>
-          <a:lstStyle/>
-          <a:p>
-            <a:pPr lvl="0" indent="0" marL="0">
-              <a:buNone/>
-            </a:pPr>
-            <a:r>
-              <a:rPr/>
-              <a:t>A jejunostomy tube is used in cases where it’s not possible to place a gastrostomy tube, such as when there is a tumor in the stomach. A jejunostomy tube is routinely used after esophageal surgery, so in patients who need help with nutrition prior to surgery, it makes sense to put in a jejunostomy tube before surgery. The same tube can then be used for nutrition both before and after surgery.</a:t>
-            </a:r>
-          </a:p>
-        </p:txBody>
-      </p:sp>
-    </p:spTree>
-  </p:cSld>
-</p:sld>
-</file>
-
-<file path=ppt/slides/slide13.xml><?xml version="1.0" encoding="utf-8"?>
-<p:sld xmlns:a="http://schemas.openxmlformats.org/drawingml/2006/main" xmlns:r="http://schemas.openxmlformats.org/officeDocument/2006/relationships" xmlns:p="http://schemas.openxmlformats.org/presentationml/2006/main">
-  <p:cSld>
-    <p:spTree>
-      <p:nvGrpSpPr>
-        <p:cNvPr id="1" name=""/>
-        <p:cNvGrpSpPr/>
-        <p:nvPr/>
-      </p:nvGrpSpPr>
-      <p:grpSpPr>
-        <a:xfrm>
-          <a:off x="0" y="0"/>
-          <a:ext cx="0" cy="0"/>
-          <a:chOff x="0" y="0"/>
-          <a:chExt cx="0" cy="0"/>
-        </a:xfrm>
-      </p:grpSpPr>
-      <p:sp>
-        <p:nvSpPr>
-          <p:cNvPr id="3" name="Content Placeholder 2"/>
-          <p:cNvSpPr>
-            <a:spLocks noGrp="1"/>
-          </p:cNvSpPr>
-          <p:nvPr>
-            <p:ph idx="1"/>
-          </p:nvPr>
-        </p:nvSpPr>
-        <p:spPr/>
-        <p:txBody>
-          <a:bodyPr/>
-          <a:lstStyle/>
-          <a:p>
-            <a:pPr lvl="0" indent="0" marL="0">
-              <a:buNone/>
-            </a:pPr>
-            <a:r>
-              <a:rPr/>
-              <a:t>We have a link here to a video that explains more</a:t>
-            </a:r>
-          </a:p>
-          <a:p>
-            <a:pPr lvl="0" indent="0" marL="0">
-              <a:buNone/>
-            </a:pPr>
-            <a:r>
-              <a:rPr/>
-              <a:t>about the jejunostomy tube</a:t>
-            </a:r>
-          </a:p>
-        </p:txBody>
-      </p:sp>
-    </p:spTree>
-  </p:cSld>
-</p:sld>
-</file>
-
-<file path=ppt/slides/slide14.xml><?xml version="1.0" encoding="utf-8"?>
-<p:sld xmlns:a="http://schemas.openxmlformats.org/drawingml/2006/main" xmlns:r="http://schemas.openxmlformats.org/officeDocument/2006/relationships" xmlns:p="http://schemas.openxmlformats.org/presentationml/2006/main">
-  <p:cSld>
-    <p:spTree>
-      <p:nvGrpSpPr>
-        <p:cNvPr id="1" name=""/>
-        <p:cNvGrpSpPr/>
-        <p:nvPr/>
-      </p:nvGrpSpPr>
-      <p:grpSpPr>
-        <a:xfrm>
-          <a:off x="0" y="0"/>
-          <a:ext cx="0" cy="0"/>
-          <a:chOff x="0" y="0"/>
-          <a:chExt cx="0" cy="0"/>
-        </a:xfrm>
-      </p:grpSpPr>
-      <p:sp>
-        <p:nvSpPr>
-          <p:cNvPr id="3" name="Content Placeholder 2"/>
-          <p:cNvSpPr>
-            <a:spLocks noGrp="1"/>
-          </p:cNvSpPr>
-          <p:nvPr>
-            <p:ph idx="1"/>
-          </p:nvPr>
-        </p:nvSpPr>
-        <p:spPr/>
-        <p:txBody>
-          <a:bodyPr/>
-          <a:lstStyle/>
-          <a:p>
-            <a:pPr lvl="0" indent="0" marL="0">
-              <a:buNone/>
-            </a:pPr>
-            <a:r>
-              <a:rPr/>
-              <a:t>I hope this video has been helpful.</a:t>
-            </a:r>
-          </a:p>
-          <a:p>
-            <a:pPr lvl="0" indent="0" marL="0">
-              <a:buNone/>
-            </a:pPr>
-            <a:r>
-              <a:rPr/>
-              <a:t>Here are links to other videos you may find helpful.</a:t>
-            </a:r>
-          </a:p>
-          <a:p>
-            <a:pPr lvl="0" indent="0" marL="0">
-              <a:buNone/>
-            </a:pPr>
-            <a:r>
-              <a:rPr/>
-              <a:t>Feel free to subscribe in order to be notified about new videos</a:t>
-            </a:r>
-          </a:p>
-          <a:p>
-            <a:pPr lvl="0" indent="0" marL="0">
-              <a:buNone/>
-            </a:pPr>
-            <a:r>
-              <a:rPr>
-                <a:hlinkClick r:id="rId2"/>
-              </a:rPr>
-              <a:t>Gastrostomy</a:t>
-            </a:r>
-            <a:r>
-              <a:rPr/>
-              <a:t> </a:t>
-            </a:r>
-            <a:r>
-              <a:rPr>
-                <a:hlinkClick r:id="rId3"/>
-              </a:rPr>
-              <a:t>Jejunostomy</a:t>
-            </a:r>
-          </a:p>
-        </p:txBody>
-      </p:sp>
-    </p:spTree>
-  </p:cSld>
-</p:sld>
-</file>
-
 <file path=ppt/slides/slide2.xml><?xml version="1.0" encoding="utf-8"?>
 <p:sld xmlns:a="http://schemas.openxmlformats.org/drawingml/2006/main" xmlns:r="http://schemas.openxmlformats.org/officeDocument/2006/relationships" xmlns:p="http://schemas.openxmlformats.org/presentationml/2006/main">
   <p:cSld>
@@ -3518,65 +3202,6 @@
           </a:p>
         </p:txBody>
       </p:sp>
-      <p:sp>
-        <p:nvSpPr>
-          <p:cNvPr id="3" name="Content Placeholder 2"/>
-          <p:cNvSpPr>
-            <a:spLocks noGrp="1"/>
-          </p:cNvSpPr>
-          <p:nvPr>
-            <p:ph idx="1"/>
-          </p:nvPr>
-        </p:nvSpPr>
-        <p:spPr/>
-        <p:txBody>
-          <a:bodyPr/>
-          <a:lstStyle/>
-          <a:p>
-            <a:pPr lvl="0" indent="0" marL="0">
-              <a:buNone/>
-            </a:pPr>
-            <a:r>
-              <a:rPr/>
-              <a:t>Normally, food passes from the mouth into the esophagus, and then into the stomach. The stomach serves as a reservoir for food, to allow you to eat a big Thanksgiving. The stomach starts digestion, and then after the meal slowly allows small portions of food to pass into the small intestines, where most of the digestion occurs.</a:t>
-            </a:r>
-          </a:p>
-          <a:p>
-            <a:pPr lvl="0" indent="0" marL="0">
-              <a:spcBef>
-                <a:spcPts val="3000"/>
-              </a:spcBef>
-              <a:buNone/>
-            </a:pPr>
-            <a:r>
-              <a:rPr b="1"/>
-              <a:t>Anatomy</a:t>
-            </a:r>
-          </a:p>
-        </p:txBody>
-      </p:sp>
-    </p:spTree>
-  </p:cSld>
-</p:sld>
-</file>
-
-<file path=ppt/slides/slide3.xml><?xml version="1.0" encoding="utf-8"?>
-<p:sld xmlns:a="http://schemas.openxmlformats.org/drawingml/2006/main" xmlns:r="http://schemas.openxmlformats.org/officeDocument/2006/relationships" xmlns:p="http://schemas.openxmlformats.org/presentationml/2006/main">
-  <p:cSld>
-    <p:spTree>
-      <p:nvGrpSpPr>
-        <p:cNvPr id="1" name=""/>
-        <p:cNvGrpSpPr/>
-        <p:nvPr/>
-      </p:nvGrpSpPr>
-      <p:grpSpPr>
-        <a:xfrm>
-          <a:off x="0" y="0"/>
-          <a:ext cx="0" cy="0"/>
-          <a:chOff x="0" y="0"/>
-          <a:chExt cx="0" cy="0"/>
-        </a:xfrm>
-      </p:grpSpPr>
       <p:sp>
         <p:nvSpPr>
           <p:cNvPr id="3" name="Content Placeholder 2"/>
@@ -3649,6 +3274,103 @@
 </p:sld>
 </file>
 
+<file path=ppt/slides/slide3.xml><?xml version="1.0" encoding="utf-8"?>
+<p:sld xmlns:a="http://schemas.openxmlformats.org/drawingml/2006/main" xmlns:r="http://schemas.openxmlformats.org/officeDocument/2006/relationships" xmlns:p="http://schemas.openxmlformats.org/presentationml/2006/main">
+  <p:cSld>
+    <p:spTree>
+      <p:nvGrpSpPr>
+        <p:cNvPr id="1" name=""/>
+        <p:cNvGrpSpPr/>
+        <p:nvPr/>
+      </p:nvGrpSpPr>
+      <p:grpSpPr>
+        <a:xfrm>
+          <a:off x="0" y="0"/>
+          <a:ext cx="0" cy="0"/>
+          <a:chOff x="0" y="0"/>
+          <a:chExt cx="0" cy="0"/>
+        </a:xfrm>
+      </p:grpSpPr>
+      <p:sp>
+        <p:nvSpPr>
+          <p:cNvPr id="2" name="Title 1"/>
+          <p:cNvSpPr>
+            <a:spLocks noGrp="1"/>
+          </p:cNvSpPr>
+          <p:nvPr>
+            <p:ph type="title"/>
+          </p:nvPr>
+        </p:nvSpPr>
+        <p:spPr/>
+        <p:txBody>
+          <a:bodyPr/>
+          <a:lstStyle/>
+          <a:p>
+            <a:pPr lvl="0" indent="0" marL="0">
+              <a:buNone/>
+            </a:pPr>
+            <a:r>
+              <a:rPr/>
+              <a:t>Feeding Tubes</a:t>
+            </a:r>
+          </a:p>
+        </p:txBody>
+      </p:sp>
+      <p:sp>
+        <p:nvSpPr>
+          <p:cNvPr id="3" name="Content Placeholder 2"/>
+          <p:cNvSpPr>
+            <a:spLocks noGrp="1"/>
+          </p:cNvSpPr>
+          <p:nvPr>
+            <p:ph idx="1" sz="half"/>
+          </p:nvPr>
+        </p:nvSpPr>
+        <p:spPr/>
+        <p:txBody>
+          <a:bodyPr/>
+          <a:lstStyle/>
+          <a:p>
+            <a:pPr lvl="0" indent="0" marL="0">
+              <a:buNone/>
+            </a:pPr>
+            <a:r>
+              <a:rPr/>
+              <a:t>Jejunostomy = J Tube Tube in Small Intestine </a:t>
+            </a:r>
+          </a:p>
+        </p:txBody>
+      </p:sp>
+      <p:sp>
+        <p:nvSpPr>
+          <p:cNvPr id="4" name="Content Placeholder 3"/>
+          <p:cNvSpPr>
+            <a:spLocks noGrp="1"/>
+          </p:cNvSpPr>
+          <p:nvPr>
+            <p:ph idx="2" sz="half"/>
+          </p:nvPr>
+        </p:nvSpPr>
+        <p:spPr/>
+        <p:txBody>
+          <a:bodyPr/>
+          <a:lstStyle/>
+          <a:p>
+            <a:pPr lvl="0" indent="0" marL="0">
+              <a:buNone/>
+            </a:pPr>
+            <a:r>
+              <a:rPr/>
+              <a:t>Gastrostomy = G Tube Tube in Stomach </a:t>
+            </a:r>
+          </a:p>
+        </p:txBody>
+      </p:sp>
+    </p:spTree>
+  </p:cSld>
+</p:sld>
+</file>
+
 <file path=ppt/slides/slide4.xml><?xml version="1.0" encoding="utf-8"?>
 <p:sld xmlns:a="http://schemas.openxmlformats.org/drawingml/2006/main" xmlns:r="http://schemas.openxmlformats.org/officeDocument/2006/relationships" xmlns:p="http://schemas.openxmlformats.org/presentationml/2006/main">
   <p:cSld>
@@ -3668,6 +3390,31 @@
       </p:grpSpPr>
       <p:sp>
         <p:nvSpPr>
+          <p:cNvPr id="2" name="Title 1"/>
+          <p:cNvSpPr>
+            <a:spLocks noGrp="1"/>
+          </p:cNvSpPr>
+          <p:nvPr>
+            <p:ph type="title"/>
+          </p:nvPr>
+        </p:nvSpPr>
+        <p:spPr/>
+        <p:txBody>
+          <a:bodyPr/>
+          <a:lstStyle/>
+          <a:p>
+            <a:pPr lvl="0" indent="0" marL="0">
+              <a:buNone/>
+            </a:pPr>
+            <a:r>
+              <a:rPr/>
+              <a:t>Gastrostomy Tube</a:t>
+            </a:r>
+          </a:p>
+        </p:txBody>
+      </p:sp>
+      <p:sp>
+        <p:nvSpPr>
           <p:cNvPr id="3" name="Content Placeholder 2"/>
           <p:cNvSpPr>
             <a:spLocks noGrp="1"/>
@@ -3682,14 +3429,56 @@
           <a:lstStyle/>
           <a:p>
             <a:pPr lvl="0" indent="0" marL="0">
-              <a:spcBef>
-                <a:spcPts val="3000"/>
-              </a:spcBef>
               <a:buNone/>
             </a:pPr>
             <a:r>
-              <a:rPr b="1"/>
-              <a:t>Nutrition Building Blocks</a:t>
+              <a:rPr/>
+              <a:t>Feeding Gastrostomy</a:t>
+            </a:r>
+          </a:p>
+          <a:p>
+            <a:pPr lvl="0" indent="0" marL="0">
+              <a:buNone/>
+            </a:pPr>
+            <a:r>
+              <a:rPr/>
+              <a:t>A gastrostomy tube allows feeding with a syringe, which can be done several times per day.</a:t>
+            </a:r>
+          </a:p>
+          <a:p>
+            <a:pPr lvl="0" indent="0" marL="0">
+              <a:buNone/>
+            </a:pPr>
+            <a:r>
+              <a:rPr/>
+              <a:t>When it’s not being used, the gastrostomy tube can be hidden underneath clothing.</a:t>
+            </a:r>
+          </a:p>
+          <a:p>
+            <a:pPr lvl="0" indent="0" marL="0">
+              <a:buNone/>
+            </a:pPr>
+            <a:r>
+              <a:rPr/>
+              <a:t>For patient who later need surgery on the esophagus, it will be necessary to remove the</a:t>
+            </a:r>
+          </a:p>
+          <a:p>
+            <a:pPr lvl="0" indent="0" marL="0">
+              <a:buNone/>
+            </a:pPr>
+            <a:r>
+              <a:rPr/>
+              <a:t>gastrostomy tube and place a jejunostomy tube, as the stomach frequently used to create a new</a:t>
+            </a:r>
+          </a:p>
+          <a:p>
+            <a:pPr lvl="0" indent="0" marL="0">
+              <a:buNone/>
+            </a:pPr>
+            <a:r>
+              <a:rPr/>
+              <a:t>esophagus</a:t>
             </a:r>
           </a:p>
         </p:txBody>
@@ -3718,6 +3507,31 @@
       </p:grpSpPr>
       <p:sp>
         <p:nvSpPr>
+          <p:cNvPr id="2" name="Title 1"/>
+          <p:cNvSpPr>
+            <a:spLocks noGrp="1"/>
+          </p:cNvSpPr>
+          <p:nvPr>
+            <p:ph type="title"/>
+          </p:nvPr>
+        </p:nvSpPr>
+        <p:spPr/>
+        <p:txBody>
+          <a:bodyPr/>
+          <a:lstStyle/>
+          <a:p>
+            <a:pPr lvl="0" indent="0" marL="0">
+              <a:buNone/>
+            </a:pPr>
+            <a:r>
+              <a:rPr/>
+              <a:t>Gastrostomy Tube Methods</a:t>
+            </a:r>
+          </a:p>
+        </p:txBody>
+      </p:sp>
+      <p:sp>
+        <p:nvSpPr>
           <p:cNvPr id="3" name="Content Placeholder 2"/>
           <p:cNvSpPr>
             <a:spLocks noGrp="1"/>
@@ -3736,7 +3550,25 @@
             </a:pPr>
             <a:r>
               <a:rPr/>
-              <a:t>For patients with cancer of the esophagus or stomach, the most common feeding tube is a jejunostomy tube</a:t>
+              <a:t>A gastrostomy tube can be placed either by endoscopy, which is called a PEG tube</a:t>
+            </a:r>
+          </a:p>
+          <a:p>
+            <a:pPr lvl="0" indent="0" marL="0">
+              <a:buNone/>
+            </a:pPr>
+            <a:r>
+              <a:rPr/>
+              <a:t>A gastrostomy tube can also be placed by laparoscopy, which is usually preferred if surgery on the esophagus is planned in the future.</a:t>
+            </a:r>
+          </a:p>
+          <a:p>
+            <a:pPr lvl="0" indent="0" marL="0">
+              <a:buNone/>
+            </a:pPr>
+            <a:r>
+              <a:rPr/>
+              <a:t>Your surgeon will help you decide which kind of tube is best for you. This is especially important if you will need esophageal surgery in the future, as the stomach is frequently used to make a new esophagus</a:t>
             </a:r>
           </a:p>
         </p:txBody>
@@ -3765,6 +3597,31 @@
       </p:grpSpPr>
       <p:sp>
         <p:nvSpPr>
+          <p:cNvPr id="2" name="Title 1"/>
+          <p:cNvSpPr>
+            <a:spLocks noGrp="1"/>
+          </p:cNvSpPr>
+          <p:nvPr>
+            <p:ph type="title"/>
+          </p:nvPr>
+        </p:nvSpPr>
+        <p:spPr/>
+        <p:txBody>
+          <a:bodyPr/>
+          <a:lstStyle/>
+          <a:p>
+            <a:pPr lvl="0" indent="0" marL="0">
+              <a:buNone/>
+            </a:pPr>
+            <a:r>
+              <a:rPr/>
+              <a:t>Gastrostomy Tube</a:t>
+            </a:r>
+          </a:p>
+        </p:txBody>
+      </p:sp>
+      <p:sp>
+        <p:nvSpPr>
           <p:cNvPr id="3" name="Content Placeholder 2"/>
           <p:cNvSpPr>
             <a:spLocks noGrp="1"/>
@@ -3778,39 +3635,17 @@
           <a:bodyPr/>
           <a:lstStyle/>
           <a:p>
-            <a:pPr lvl="0" indent="0" marL="0">
-              <a:buNone/>
-            </a:pPr>
+            <a:pPr lvl="0"/>
             <a:r>
               <a:rPr/>
-              <a:t>For patients with cancer of the esophagus, there are two different kinds of feeding tube which can be used:</a:t>
-            </a:r>
-          </a:p>
-          <a:p>
-            <a:pPr lvl="0" indent="0" marL="0">
-              <a:buNone/>
-            </a:pPr>
+              <a:t>Outpatient Placement (go home the same day)</a:t>
+            </a:r>
+          </a:p>
+          <a:p>
+            <a:pPr lvl="0"/>
             <a:r>
               <a:rPr/>
-              <a:t>A gastrostomy tube is placed into the stomach</a:t>
-            </a:r>
-          </a:p>
-          <a:p>
-            <a:pPr lvl="0" indent="0" marL="0">
-              <a:buNone/>
-            </a:pPr>
-            <a:r>
-              <a:rPr/>
-              <a:t>A jejunostomy tube is placed in the small intestines</a:t>
-            </a:r>
-          </a:p>
-          <a:p>
-            <a:pPr lvl="0" indent="0" marL="0">
-              <a:buNone/>
-            </a:pPr>
-            <a:r>
-              <a:rPr/>
-              <a:t>Your dietitian and physician will help you decide which tube is best for your situation</a:t>
+              <a:t>Central venous port can be placed at the same time (if needed)</a:t>
             </a:r>
           </a:p>
         </p:txBody>
@@ -3839,36 +3674,18 @@
       </p:grpSpPr>
       <p:sp>
         <p:nvSpPr>
-          <p:cNvPr id="3" name="Content Placeholder 2"/>
-          <p:cNvSpPr>
-            <a:spLocks noGrp="1"/>
-          </p:cNvSpPr>
-          <p:nvPr>
-            <p:ph idx="1"/>
-          </p:nvPr>
-        </p:nvSpPr>
-        <p:spPr/>
-        <p:txBody>
-          <a:bodyPr/>
-          <a:lstStyle/>
-          <a:p>
-            <a:pPr lvl="0" indent="0" marL="0">
-              <a:buNone/>
-            </a:pPr>
-            <a:r>
-              <a:rPr/>
-              <a:t>Gastrostomy tube</a:t>
-            </a:r>
-          </a:p>
-          <a:p>
-            <a:pPr lvl="0" indent="0" marL="0">
-              <a:buNone/>
-            </a:pPr>
-            <a:r>
-              <a:rPr/>
-              <a:t>• Placed into stomach</a:t>
-            </a:r>
-          </a:p>
+          <p:cNvPr id="2" name="Title 1"/>
+          <p:cNvSpPr>
+            <a:spLocks noGrp="1"/>
+          </p:cNvSpPr>
+          <p:nvPr>
+            <p:ph type="title"/>
+          </p:nvPr>
+        </p:nvSpPr>
+        <p:spPr/>
+        <p:txBody>
+          <a:bodyPr/>
+          <a:lstStyle/>
           <a:p>
             <a:pPr lvl="0" indent="0" marL="0">
               <a:buNone/>
@@ -3878,13 +3695,47 @@
               <a:t>Jejunostomy tube</a:t>
             </a:r>
           </a:p>
+        </p:txBody>
+      </p:sp>
+      <p:sp>
+        <p:nvSpPr>
+          <p:cNvPr id="3" name="Content Placeholder 2"/>
+          <p:cNvSpPr>
+            <a:spLocks noGrp="1"/>
+          </p:cNvSpPr>
+          <p:nvPr>
+            <p:ph idx="1"/>
+          </p:nvPr>
+        </p:nvSpPr>
+        <p:spPr/>
+        <p:txBody>
+          <a:bodyPr/>
+          <a:lstStyle/>
           <a:p>
             <a:pPr lvl="0" indent="0" marL="0">
               <a:buNone/>
             </a:pPr>
             <a:r>
               <a:rPr/>
-              <a:t>• Placed into small intestine</a:t>
+              <a:t>The other type of feeding tube is a jejunostomy.</a:t>
+            </a:r>
+          </a:p>
+          <a:p>
+            <a:pPr lvl="0" indent="0" marL="0">
+              <a:buNone/>
+            </a:pPr>
+            <a:r>
+              <a:rPr/>
+              <a:t>A jejunostomy tube tube is placed into the small intestines. Because the small intestine is used to receiving food in small quantities, a jejunostomy tube requires the use of a pump to deliver feedings gradually over a matter of hours.</a:t>
+            </a:r>
+          </a:p>
+          <a:p>
+            <a:pPr lvl="0" indent="0" marL="0">
+              <a:buNone/>
+            </a:pPr>
+            <a:r>
+              <a:rPr/>
+              <a:t>In general, feedings are done at night in order to allow you to be active during the day</a:t>
             </a:r>
           </a:p>
         </p:txBody>
@@ -3913,6 +3764,31 @@
       </p:grpSpPr>
       <p:sp>
         <p:nvSpPr>
+          <p:cNvPr id="2" name="Title 1"/>
+          <p:cNvSpPr>
+            <a:spLocks noGrp="1"/>
+          </p:cNvSpPr>
+          <p:nvPr>
+            <p:ph type="title"/>
+          </p:nvPr>
+        </p:nvSpPr>
+        <p:spPr/>
+        <p:txBody>
+          <a:bodyPr/>
+          <a:lstStyle/>
+          <a:p>
+            <a:pPr lvl="0" indent="0" marL="0">
+              <a:buNone/>
+            </a:pPr>
+            <a:r>
+              <a:rPr/>
+              <a:t>Jejunostomy</a:t>
+            </a:r>
+          </a:p>
+        </p:txBody>
+      </p:sp>
+      <p:sp>
+        <p:nvSpPr>
           <p:cNvPr id="3" name="Content Placeholder 2"/>
           <p:cNvSpPr>
             <a:spLocks noGrp="1"/>
@@ -3931,126 +3807,7 @@
             </a:pPr>
             <a:r>
               <a:rPr/>
-              <a:t>Feeding Gastrostomy</a:t>
-            </a:r>
-          </a:p>
-          <a:p>
-            <a:pPr lvl="0" indent="0" marL="0">
-              <a:buNone/>
-            </a:pPr>
-            <a:r>
-              <a:rPr/>
-              <a:t>A gastrostomy tube allows feeding with a syringe, which can be done several times per day.</a:t>
-            </a:r>
-          </a:p>
-          <a:p>
-            <a:pPr lvl="0" indent="0" marL="0">
-              <a:buNone/>
-            </a:pPr>
-            <a:r>
-              <a:rPr/>
-              <a:t>When it’s not being used, the gastrostomy tube can be hidden underneath clothing.</a:t>
-            </a:r>
-          </a:p>
-          <a:p>
-            <a:pPr lvl="0" indent="0" marL="0">
-              <a:buNone/>
-            </a:pPr>
-            <a:r>
-              <a:rPr/>
-              <a:t>For patient who later need surgery on the esophagus, it will be necessary to remove the</a:t>
-            </a:r>
-          </a:p>
-          <a:p>
-            <a:pPr lvl="0" indent="0" marL="0">
-              <a:buNone/>
-            </a:pPr>
-            <a:r>
-              <a:rPr/>
-              <a:t>gastrostomy tube and place a jejunostomy tube, as the stomach frequently used to create a new</a:t>
-            </a:r>
-          </a:p>
-          <a:p>
-            <a:pPr lvl="0" indent="0" marL="0">
-              <a:buNone/>
-            </a:pPr>
-            <a:r>
-              <a:rPr/>
-              <a:t>esophagus</a:t>
-            </a:r>
-          </a:p>
-        </p:txBody>
-      </p:sp>
-    </p:spTree>
-  </p:cSld>
-</p:sld>
-</file>
-
-<file path=ppt/slides/slide9.xml><?xml version="1.0" encoding="utf-8"?>
-<p:sld xmlns:a="http://schemas.openxmlformats.org/drawingml/2006/main" xmlns:r="http://schemas.openxmlformats.org/officeDocument/2006/relationships" xmlns:p="http://schemas.openxmlformats.org/presentationml/2006/main">
-  <p:cSld>
-    <p:spTree>
-      <p:nvGrpSpPr>
-        <p:cNvPr id="1" name=""/>
-        <p:cNvGrpSpPr/>
-        <p:nvPr/>
-      </p:nvGrpSpPr>
-      <p:grpSpPr>
-        <a:xfrm>
-          <a:off x="0" y="0"/>
-          <a:ext cx="0" cy="0"/>
-          <a:chOff x="0" y="0"/>
-          <a:chExt cx="0" cy="0"/>
-        </a:xfrm>
-      </p:grpSpPr>
-      <p:sp>
-        <p:nvSpPr>
-          <p:cNvPr id="3" name="Content Placeholder 2"/>
-          <p:cNvSpPr>
-            <a:spLocks noGrp="1"/>
-          </p:cNvSpPr>
-          <p:nvPr>
-            <p:ph idx="1"/>
-          </p:nvPr>
-        </p:nvSpPr>
-        <p:spPr/>
-        <p:txBody>
-          <a:bodyPr/>
-          <a:lstStyle/>
-          <a:p>
-            <a:pPr lvl="0" indent="0" marL="0">
-              <a:buNone/>
-            </a:pPr>
-            <a:r>
-              <a:rPr/>
-              <a:t>A gastrostomy tube can be placed either by endoscopy, which is called a PEG tube</a:t>
-            </a:r>
-          </a:p>
-          <a:p>
-            <a:pPr lvl="0" indent="0" marL="0">
-              <a:buNone/>
-            </a:pPr>
-            <a:r>
-              <a:rPr/>
-              <a:t>A gastrostomy tube can also be placed by laparoscopy, which is usually preferred if</a:t>
-            </a:r>
-          </a:p>
-          <a:p>
-            <a:pPr lvl="0" indent="0" marL="0">
-              <a:buNone/>
-            </a:pPr>
-            <a:r>
-              <a:rPr/>
-              <a:t>surgery on the esophagus is planned in the future.</a:t>
-            </a:r>
-          </a:p>
-          <a:p>
-            <a:pPr lvl="0" indent="0" marL="0">
-              <a:buNone/>
-            </a:pPr>
-            <a:r>
-              <a:rPr/>
-              <a:t>Your surgeon will help you decide which kind of tube is best for you. This is especially important if you will need esophageal surgery in the future, as the stomach is frequently used to make a new esophagus</a:t>
+              <a:t>A jejunostomy tube is used in cases where it’s not possible to place a gastrostomy tube, such as when there is a tumor in the stomach. A jejunostomy tube is routinely used after esophageal surgery, so in patients who need help with nutrition prior to surgery, it makes sense to put in a jejunostomy tube before surgery. The same tube can then be used for nutrition both before and after surgery.</a:t>
             </a:r>
           </a:p>
         </p:txBody>

--- a/lci_nutrition.pptx
+++ b/lci_nutrition.pptx
@@ -309,7 +309,7 @@
           <a:p>
             <a:fld id="{241EB5C9-1307-BA42-ABA2-0BC069CD8E7F}" type="datetimeFigureOut">
               <a:rPr lang="en-US" smtClean="0"/>
-              <a:t>1/2/22</a:t>
+              <a:t>11/14/24</a:t>
             </a:fld>
             <a:endParaRPr lang="en-US"/>
           </a:p>
@@ -477,7 +477,7 @@
           <a:p>
             <a:fld id="{241EB5C9-1307-BA42-ABA2-0BC069CD8E7F}" type="datetimeFigureOut">
               <a:rPr lang="en-US" smtClean="0"/>
-              <a:t>1/2/22</a:t>
+              <a:t>11/14/24</a:t>
             </a:fld>
             <a:endParaRPr lang="en-US"/>
           </a:p>
@@ -655,7 +655,7 @@
           <a:p>
             <a:fld id="{241EB5C9-1307-BA42-ABA2-0BC069CD8E7F}" type="datetimeFigureOut">
               <a:rPr lang="en-US" smtClean="0"/>
-              <a:t>1/2/22</a:t>
+              <a:t>11/14/24</a:t>
             </a:fld>
             <a:endParaRPr lang="en-US"/>
           </a:p>
@@ -707,6 +707,315 @@
     <p:extLst>
       <p:ext uri="{BB962C8B-B14F-4D97-AF65-F5344CB8AC3E}">
         <p14:creationId xmlns:p14="http://schemas.microsoft.com/office/powerpoint/2010/main" val="2581529045"/>
+      </p:ext>
+    </p:extLst>
+  </p:cSld>
+  <p:clrMapOvr>
+    <a:masterClrMapping/>
+  </p:clrMapOvr>
+</p:sldLayout>
+</file>
+
+<file path=ppt/slideLayouts/slideLayout12.xml><?xml version="1.0" encoding="utf-8"?>
+<p:sldLayout xmlns:a="http://schemas.openxmlformats.org/drawingml/2006/main" xmlns:r="http://schemas.openxmlformats.org/officeDocument/2006/relationships" xmlns:p="http://schemas.openxmlformats.org/presentationml/2006/main" type="vertTitleAndTx" preserve="1">
+  <p:cSld name="1_Vertical Title and Text">
+    <p:spTree>
+      <p:nvGrpSpPr>
+        <p:cNvPr id="1" name=""/>
+        <p:cNvGrpSpPr/>
+        <p:nvPr/>
+      </p:nvGrpSpPr>
+      <p:grpSpPr>
+        <a:xfrm>
+          <a:off x="0" y="0"/>
+          <a:ext cx="0" cy="0"/>
+          <a:chOff x="0" y="0"/>
+          <a:chExt cx="0" cy="0"/>
+        </a:xfrm>
+      </p:grpSpPr>
+      <p:sp>
+        <p:nvSpPr>
+          <p:cNvPr id="2" name="Vertical Title 1"/>
+          <p:cNvSpPr>
+            <a:spLocks noGrp="1"/>
+          </p:cNvSpPr>
+          <p:nvPr>
+            <p:ph type="title" orient="vert"/>
+          </p:nvPr>
+        </p:nvSpPr>
+        <p:spPr>
+          <a:xfrm>
+            <a:off x="6629400" y="205979"/>
+            <a:ext cx="2057400" cy="4388644"/>
+          </a:xfrm>
+        </p:spPr>
+        <p:txBody>
+          <a:bodyPr vert="eaVert"/>
+          <a:lstStyle/>
+          <a:p>
+            <a:r>
+              <a:rPr lang="en-US"/>
+              <a:t>Click to edit Master title style</a:t>
+            </a:r>
+          </a:p>
+        </p:txBody>
+      </p:sp>
+      <p:sp>
+        <p:nvSpPr>
+          <p:cNvPr id="3" name="Vertical Text Placeholder 2"/>
+          <p:cNvSpPr>
+            <a:spLocks noGrp="1"/>
+          </p:cNvSpPr>
+          <p:nvPr>
+            <p:ph type="body" orient="vert" idx="1"/>
+          </p:nvPr>
+        </p:nvSpPr>
+        <p:spPr>
+          <a:xfrm>
+            <a:off x="457200" y="205979"/>
+            <a:ext cx="6019800" cy="4388644"/>
+          </a:xfrm>
+        </p:spPr>
+        <p:txBody>
+          <a:bodyPr vert="eaVert"/>
+          <a:lstStyle/>
+          <a:p>
+            <a:pPr lvl="0"/>
+            <a:r>
+              <a:rPr lang="en-US"/>
+              <a:t>Click to edit Master text styles</a:t>
+            </a:r>
+          </a:p>
+          <a:p>
+            <a:pPr lvl="1"/>
+            <a:r>
+              <a:rPr lang="en-US"/>
+              <a:t>Second level</a:t>
+            </a:r>
+          </a:p>
+          <a:p>
+            <a:pPr lvl="2"/>
+            <a:r>
+              <a:rPr lang="en-US"/>
+              <a:t>Third level</a:t>
+            </a:r>
+          </a:p>
+          <a:p>
+            <a:pPr lvl="3"/>
+            <a:r>
+              <a:rPr lang="en-US"/>
+              <a:t>Fourth level</a:t>
+            </a:r>
+          </a:p>
+          <a:p>
+            <a:pPr lvl="4"/>
+            <a:r>
+              <a:rPr lang="en-US"/>
+              <a:t>Fifth level</a:t>
+            </a:r>
+          </a:p>
+        </p:txBody>
+      </p:sp>
+      <p:sp>
+        <p:nvSpPr>
+          <p:cNvPr id="4" name="Date Placeholder 3"/>
+          <p:cNvSpPr>
+            <a:spLocks noGrp="1"/>
+          </p:cNvSpPr>
+          <p:nvPr>
+            <p:ph type="dt" sz="half" idx="10"/>
+          </p:nvPr>
+        </p:nvSpPr>
+        <p:spPr/>
+        <p:txBody>
+          <a:bodyPr/>
+          <a:lstStyle/>
+          <a:p>
+            <a:fld id="{241EB5C9-1307-BA42-ABA2-0BC069CD8E7F}" type="datetimeFigureOut">
+              <a:rPr lang="en-US" smtClean="0"/>
+              <a:t>11/14/24</a:t>
+            </a:fld>
+            <a:endParaRPr lang="en-US"/>
+          </a:p>
+        </p:txBody>
+      </p:sp>
+      <p:sp>
+        <p:nvSpPr>
+          <p:cNvPr id="5" name="Footer Placeholder 4"/>
+          <p:cNvSpPr>
+            <a:spLocks noGrp="1"/>
+          </p:cNvSpPr>
+          <p:nvPr>
+            <p:ph type="ftr" sz="quarter" idx="11"/>
+          </p:nvPr>
+        </p:nvSpPr>
+        <p:spPr/>
+        <p:txBody>
+          <a:bodyPr/>
+          <a:lstStyle/>
+          <a:p>
+            <a:endParaRPr lang="en-US"/>
+          </a:p>
+        </p:txBody>
+      </p:sp>
+      <p:sp>
+        <p:nvSpPr>
+          <p:cNvPr id="6" name="Slide Number Placeholder 5"/>
+          <p:cNvSpPr>
+            <a:spLocks noGrp="1"/>
+          </p:cNvSpPr>
+          <p:nvPr>
+            <p:ph type="sldNum" sz="quarter" idx="12"/>
+          </p:nvPr>
+        </p:nvSpPr>
+        <p:spPr/>
+        <p:txBody>
+          <a:bodyPr/>
+          <a:lstStyle/>
+          <a:p>
+            <a:fld id="{C5EF2332-01BF-834F-8236-50238282D533}" type="slidenum">
+              <a:rPr lang="en-US" smtClean="0"/>
+              <a:t>‹#›</a:t>
+            </a:fld>
+            <a:endParaRPr lang="en-US"/>
+          </a:p>
+        </p:txBody>
+      </p:sp>
+      <p:graphicFrame>
+        <p:nvGraphicFramePr>
+          <p:cNvPr id="7" name="Table 6">
+            <a:extLst>
+              <a:ext uri="{FF2B5EF4-FFF2-40B4-BE49-F238E27FC236}">
+                <a16:creationId xmlns:a16="http://schemas.microsoft.com/office/drawing/2014/main" id="{40E5F148-B214-9ED5-96D2-C8C952B333EC}"/>
+              </a:ext>
+            </a:extLst>
+          </p:cNvPr>
+          <p:cNvGraphicFramePr>
+            <a:graphicFrameLocks noGrp="1"/>
+          </p:cNvGraphicFramePr>
+          <p:nvPr userDrawn="1">
+            <p:extLst>
+              <p:ext uri="{D42A27DB-BD31-4B8C-83A1-F6EECF244321}">
+                <p14:modId xmlns:p14="http://schemas.microsoft.com/office/powerpoint/2010/main" val="1121345573"/>
+              </p:ext>
+            </p:extLst>
+          </p:nvPr>
+        </p:nvGraphicFramePr>
+        <p:xfrm>
+          <a:off x="1524000" y="539750"/>
+          <a:ext cx="6096000" cy="914400"/>
+        </p:xfrm>
+        <a:graphic>
+          <a:graphicData uri="http://schemas.openxmlformats.org/drawingml/2006/table">
+            <a:tbl>
+              <a:tblPr firstRow="1" bandRow="1">
+                <a:tableStyleId>{69012ECD-51FC-41F1-AA8D-1B2483CD663E}</a:tableStyleId>
+              </a:tblPr>
+              <a:tblGrid>
+                <a:gridCol w="2032000">
+                  <a:extLst>
+                    <a:ext uri="{9D8B030D-6E8A-4147-A177-3AD203B41FA5}">
+                      <a16:colId xmlns:a16="http://schemas.microsoft.com/office/drawing/2014/main" val="271011269"/>
+                    </a:ext>
+                  </a:extLst>
+                </a:gridCol>
+                <a:gridCol w="2032000">
+                  <a:extLst>
+                    <a:ext uri="{9D8B030D-6E8A-4147-A177-3AD203B41FA5}">
+                      <a16:colId xmlns:a16="http://schemas.microsoft.com/office/drawing/2014/main" val="2080703046"/>
+                    </a:ext>
+                  </a:extLst>
+                </a:gridCol>
+                <a:gridCol w="2032000">
+                  <a:extLst>
+                    <a:ext uri="{9D8B030D-6E8A-4147-A177-3AD203B41FA5}">
+                      <a16:colId xmlns:a16="http://schemas.microsoft.com/office/drawing/2014/main" val="1138284043"/>
+                    </a:ext>
+                  </a:extLst>
+                </a:gridCol>
+              </a:tblGrid>
+              <a:tr h="370840">
+                <a:tc>
+                  <a:txBody>
+                    <a:bodyPr/>
+                    <a:lstStyle/>
+                    <a:p>
+                      <a:endParaRPr lang="en-US" sz="2400" dirty="0"/>
+                    </a:p>
+                  </a:txBody>
+                  <a:tcPr/>
+                </a:tc>
+                <a:tc>
+                  <a:txBody>
+                    <a:bodyPr/>
+                    <a:lstStyle/>
+                    <a:p>
+                      <a:endParaRPr lang="en-US" sz="2400" dirty="0"/>
+                    </a:p>
+                  </a:txBody>
+                  <a:tcPr/>
+                </a:tc>
+                <a:tc>
+                  <a:txBody>
+                    <a:bodyPr/>
+                    <a:lstStyle/>
+                    <a:p>
+                      <a:endParaRPr lang="en-US" sz="2400"/>
+                    </a:p>
+                  </a:txBody>
+                  <a:tcPr/>
+                </a:tc>
+                <a:extLst>
+                  <a:ext uri="{0D108BD9-81ED-4DB2-BD59-A6C34878D82A}">
+                    <a16:rowId xmlns:a16="http://schemas.microsoft.com/office/drawing/2014/main" val="769229322"/>
+                  </a:ext>
+                </a:extLst>
+              </a:tr>
+              <a:tr h="370840">
+                <a:tc>
+                  <a:txBody>
+                    <a:bodyPr/>
+                    <a:lstStyle/>
+                    <a:p>
+                      <a:endParaRPr lang="en-US" sz="2400"/>
+                    </a:p>
+                  </a:txBody>
+                  <a:tcPr/>
+                </a:tc>
+                <a:tc>
+                  <a:txBody>
+                    <a:bodyPr/>
+                    <a:lstStyle/>
+                    <a:p>
+                      <a:endParaRPr lang="en-US" sz="2400" dirty="0"/>
+                    </a:p>
+                  </a:txBody>
+                  <a:tcPr/>
+                </a:tc>
+                <a:tc>
+                  <a:txBody>
+                    <a:bodyPr/>
+                    <a:lstStyle/>
+                    <a:p>
+                      <a:endParaRPr lang="en-US" sz="2400" dirty="0"/>
+                    </a:p>
+                  </a:txBody>
+                  <a:tcPr/>
+                </a:tc>
+                <a:extLst>
+                  <a:ext uri="{0D108BD9-81ED-4DB2-BD59-A6C34878D82A}">
+                    <a16:rowId xmlns:a16="http://schemas.microsoft.com/office/drawing/2014/main" val="184196425"/>
+                  </a:ext>
+                </a:extLst>
+              </a:tr>
+            </a:tbl>
+          </a:graphicData>
+        </a:graphic>
+      </p:graphicFrame>
+    </p:spTree>
+    <p:extLst>
+      <p:ext uri="{BB962C8B-B14F-4D97-AF65-F5344CB8AC3E}">
+        <p14:creationId xmlns:p14="http://schemas.microsoft.com/office/powerpoint/2010/main" val="2939788966"/>
       </p:ext>
     </p:extLst>
   </p:cSld>
@@ -768,39 +1077,49 @@
         <p:spPr/>
         <p:txBody>
           <a:bodyPr/>
-          <a:lstStyle/>
+          <a:lstStyle>
+            <a:lvl1pPr>
+              <a:defRPr sz="2800"/>
+            </a:lvl1pPr>
+            <a:lvl2pPr>
+              <a:defRPr sz="2800"/>
+            </a:lvl2pPr>
+            <a:lvl3pPr>
+              <a:defRPr sz="2400"/>
+            </a:lvl3pPr>
+          </a:lstStyle>
           <a:p>
             <a:pPr lvl="0"/>
             <a:r>
-              <a:rPr lang="en-US"/>
+              <a:rPr lang="en-US" dirty="0"/>
               <a:t>Click to edit Master text styles</a:t>
             </a:r>
           </a:p>
           <a:p>
             <a:pPr lvl="1"/>
             <a:r>
-              <a:rPr lang="en-US"/>
+              <a:rPr lang="en-US" dirty="0"/>
               <a:t>Second level</a:t>
             </a:r>
           </a:p>
           <a:p>
             <a:pPr lvl="2"/>
             <a:r>
-              <a:rPr lang="en-US"/>
+              <a:rPr lang="en-US" dirty="0"/>
               <a:t>Third level</a:t>
             </a:r>
           </a:p>
           <a:p>
             <a:pPr lvl="3"/>
             <a:r>
-              <a:rPr lang="en-US"/>
+              <a:rPr lang="en-US" dirty="0"/>
               <a:t>Fourth level</a:t>
             </a:r>
           </a:p>
           <a:p>
             <a:pPr lvl="4"/>
             <a:r>
-              <a:rPr lang="en-US"/>
+              <a:rPr lang="en-US" dirty="0"/>
               <a:t>Fifth level</a:t>
             </a:r>
           </a:p>
@@ -823,7 +1142,7 @@
           <a:p>
             <a:fld id="{241EB5C9-1307-BA42-ABA2-0BC069CD8E7F}" type="datetimeFigureOut">
               <a:rPr lang="en-US" smtClean="0"/>
-              <a:t>1/2/22</a:t>
+              <a:t>11/14/24</a:t>
             </a:fld>
             <a:endParaRPr lang="en-US"/>
           </a:p>
@@ -881,6 +1200,22 @@
   <p:clrMapOvr>
     <a:masterClrMapping/>
   </p:clrMapOvr>
+  <p:extLst>
+    <p:ext uri="{DCECCB84-F9BA-43D5-87BE-67443E8EF086}">
+      <p15:sldGuideLst xmlns:p15="http://schemas.microsoft.com/office/powerpoint/2012/main">
+        <p15:guide id="1" orient="horz" pos="1620" userDrawn="1">
+          <p15:clr>
+            <a:srgbClr val="FBAE40"/>
+          </p15:clr>
+        </p15:guide>
+        <p15:guide id="2" pos="2880" userDrawn="1">
+          <p15:clr>
+            <a:srgbClr val="FBAE40"/>
+          </p15:clr>
+        </p15:guide>
+      </p15:sldGuideLst>
+    </p:ext>
+  </p:extLst>
 </p:sldLayout>
 </file>
 
@@ -1068,7 +1403,7 @@
           <a:p>
             <a:fld id="{241EB5C9-1307-BA42-ABA2-0BC069CD8E7F}" type="datetimeFigureOut">
               <a:rPr lang="en-US" smtClean="0"/>
-              <a:t>1/2/22</a:t>
+              <a:t>11/14/24</a:t>
             </a:fld>
             <a:endParaRPr lang="en-US"/>
           </a:p>
@@ -1188,7 +1523,7 @@
           <a:bodyPr/>
           <a:lstStyle>
             <a:lvl1pPr>
-              <a:defRPr sz="2100"/>
+              <a:defRPr sz="2400"/>
             </a:lvl1pPr>
             <a:lvl2pPr>
               <a:defRPr sz="1800"/>
@@ -1218,35 +1553,35 @@
           <a:p>
             <a:pPr lvl="0"/>
             <a:r>
-              <a:rPr lang="en-US"/>
+              <a:rPr lang="en-US" dirty="0"/>
               <a:t>Click to edit Master text styles</a:t>
             </a:r>
           </a:p>
           <a:p>
             <a:pPr lvl="1"/>
             <a:r>
-              <a:rPr lang="en-US"/>
+              <a:rPr lang="en-US" dirty="0"/>
               <a:t>Second level</a:t>
             </a:r>
           </a:p>
           <a:p>
             <a:pPr lvl="2"/>
             <a:r>
-              <a:rPr lang="en-US"/>
+              <a:rPr lang="en-US" dirty="0"/>
               <a:t>Third level</a:t>
             </a:r>
           </a:p>
           <a:p>
             <a:pPr lvl="3"/>
             <a:r>
-              <a:rPr lang="en-US"/>
+              <a:rPr lang="en-US" dirty="0"/>
               <a:t>Fourth level</a:t>
             </a:r>
           </a:p>
           <a:p>
             <a:pPr lvl="4"/>
             <a:r>
-              <a:rPr lang="en-US"/>
+              <a:rPr lang="en-US" dirty="0"/>
               <a:t>Fifth level</a:t>
             </a:r>
           </a:p>
@@ -1272,7 +1607,7 @@
           <a:bodyPr/>
           <a:lstStyle>
             <a:lvl1pPr>
-              <a:defRPr sz="2100"/>
+              <a:defRPr sz="2400"/>
             </a:lvl1pPr>
             <a:lvl2pPr>
               <a:defRPr sz="1800"/>
@@ -1302,35 +1637,35 @@
           <a:p>
             <a:pPr lvl="0"/>
             <a:r>
-              <a:rPr lang="en-US"/>
+              <a:rPr lang="en-US" dirty="0"/>
               <a:t>Click to edit Master text styles</a:t>
             </a:r>
           </a:p>
           <a:p>
             <a:pPr lvl="1"/>
             <a:r>
-              <a:rPr lang="en-US"/>
+              <a:rPr lang="en-US" dirty="0"/>
               <a:t>Second level</a:t>
             </a:r>
           </a:p>
           <a:p>
             <a:pPr lvl="2"/>
             <a:r>
-              <a:rPr lang="en-US"/>
+              <a:rPr lang="en-US" dirty="0"/>
               <a:t>Third level</a:t>
             </a:r>
           </a:p>
           <a:p>
             <a:pPr lvl="3"/>
             <a:r>
-              <a:rPr lang="en-US"/>
+              <a:rPr lang="en-US" dirty="0"/>
               <a:t>Fourth level</a:t>
             </a:r>
           </a:p>
           <a:p>
             <a:pPr lvl="4"/>
             <a:r>
-              <a:rPr lang="en-US"/>
+              <a:rPr lang="en-US" dirty="0"/>
               <a:t>Fifth level</a:t>
             </a:r>
           </a:p>
@@ -1353,7 +1688,7 @@
           <a:p>
             <a:fld id="{241EB5C9-1307-BA42-ABA2-0BC069CD8E7F}" type="datetimeFigureOut">
               <a:rPr lang="en-US" smtClean="0"/>
-              <a:t>1/2/22</a:t>
+              <a:t>11/14/24</a:t>
             </a:fld>
             <a:endParaRPr lang="en-US"/>
           </a:p>
@@ -1772,7 +2107,7 @@
           <a:p>
             <a:fld id="{241EB5C9-1307-BA42-ABA2-0BC069CD8E7F}" type="datetimeFigureOut">
               <a:rPr lang="en-US" smtClean="0"/>
-              <a:t>1/2/22</a:t>
+              <a:t>11/14/24</a:t>
             </a:fld>
             <a:endParaRPr lang="en-US"/>
           </a:p>
@@ -1889,7 +2224,7 @@
           <a:p>
             <a:fld id="{241EB5C9-1307-BA42-ABA2-0BC069CD8E7F}" type="datetimeFigureOut">
               <a:rPr lang="en-US" smtClean="0"/>
-              <a:t>1/2/22</a:t>
+              <a:t>11/14/24</a:t>
             </a:fld>
             <a:endParaRPr lang="en-US"/>
           </a:p>
@@ -1984,7 +2319,7 @@
           <a:p>
             <a:fld id="{241EB5C9-1307-BA42-ABA2-0BC069CD8E7F}" type="datetimeFigureOut">
               <a:rPr lang="en-US" smtClean="0"/>
-              <a:t>1/2/22</a:t>
+              <a:t>11/14/24</a:t>
             </a:fld>
             <a:endParaRPr lang="en-US"/>
           </a:p>
@@ -2259,7 +2594,7 @@
           <a:p>
             <a:fld id="{241EB5C9-1307-BA42-ABA2-0BC069CD8E7F}" type="datetimeFigureOut">
               <a:rPr lang="en-US" smtClean="0"/>
-              <a:t>1/2/22</a:t>
+              <a:t>11/14/24</a:t>
             </a:fld>
             <a:endParaRPr lang="en-US"/>
           </a:p>
@@ -2511,7 +2846,7 @@
           <a:p>
             <a:fld id="{241EB5C9-1307-BA42-ABA2-0BC069CD8E7F}" type="datetimeFigureOut">
               <a:rPr lang="en-US" smtClean="0"/>
-              <a:t>1/2/22</a:t>
+              <a:t>11/14/24</a:t>
             </a:fld>
             <a:endParaRPr lang="en-US"/>
           </a:p>
@@ -2722,7 +3057,7 @@
           <a:p>
             <a:fld id="{241EB5C9-1307-BA42-ABA2-0BC069CD8E7F}" type="datetimeFigureOut">
               <a:rPr lang="en-US" smtClean="0"/>
-              <a:t>1/2/22</a:t>
+              <a:t>11/14/24</a:t>
             </a:fld>
             <a:endParaRPr lang="en-US"/>
           </a:p>
@@ -2826,6 +3161,7 @@
     <p:sldLayoutId id="2147483657" r:id="rId9"/>
     <p:sldLayoutId id="2147483658" r:id="rId10"/>
     <p:sldLayoutId id="2147483659" r:id="rId11"/>
+    <p:sldLayoutId id="2147483660" r:id="rId12"/>
   </p:sldLayoutIdLst>
   <p:txStyles>
     <p:titleStyle>

--- a/lci_nutrition.pptx
+++ b/lci_nutrition.pptx
@@ -3672,7 +3672,7 @@
             </a:pPr>
             <a:r>
               <a:rPr/>
-              <a:t>Jejunostomy = J Tube Tube in Small Intestine </a:t>
+              <a:t>Jejunostomy = Small Intestine </a:t>
             </a:r>
           </a:p>
         </p:txBody>
@@ -3697,7 +3697,7 @@
             </a:pPr>
             <a:r>
               <a:rPr/>
-              <a:t>Gastrostomy = G Tube Tube in Stomach </a:t>
+              <a:t>Gastrostomy = Stomach </a:t>
             </a:r>
           </a:p>
         </p:txBody>

--- a/lci_nutrition.pptx
+++ b/lci_nutrition.pptx
@@ -13,6 +13,7 @@
     <p:sldId id="261" r:id="rId7"/>
     <p:sldId id="262" r:id="rId8"/>
     <p:sldId id="263" r:id="rId9"/>
+    <p:sldId id="264" r:id="rId10"/>
   </p:sldIdLst>
   <p:sldSz cx="9144000" cy="5143500" type="screen16x9"/>
   <p:notesSz cx="6858000" cy="9144000"/>
@@ -3647,7 +3648,7 @@
             </a:pPr>
             <a:r>
               <a:rPr/>
-              <a:t>Feeding Tubes</a:t>
+              <a:t>Protein Shakes</a:t>
             </a:r>
           </a:p>
         </p:txBody>
@@ -3672,7 +3673,7 @@
             </a:pPr>
             <a:r>
               <a:rPr/>
-              <a:t>Jejunostomy = Small Intestine </a:t>
+              <a:t>Protein Shakes can provide protein with minimal sugar</a:t>
             </a:r>
           </a:p>
         </p:txBody>
@@ -3697,7 +3698,7 @@
             </a:pPr>
             <a:r>
               <a:rPr/>
-              <a:t>Gastrostomy = Stomach </a:t>
+              <a:t>Portein Shakes </a:t>
             </a:r>
           </a:p>
         </p:txBody>
@@ -3744,7 +3745,7 @@
             </a:pPr>
             <a:r>
               <a:rPr/>
-              <a:t>Gastrostomy Tube</a:t>
+              <a:t>Feeding Tubes</a:t>
             </a:r>
           </a:p>
         </p:txBody>
@@ -3756,7 +3757,7 @@
             <a:spLocks noGrp="1"/>
           </p:cNvSpPr>
           <p:nvPr>
-            <p:ph idx="1"/>
+            <p:ph idx="1" sz="half"/>
           </p:nvPr>
         </p:nvSpPr>
         <p:spPr/>
@@ -3769,52 +3770,32 @@
             </a:pPr>
             <a:r>
               <a:rPr/>
-              <a:t>Feeding Gastrostomy</a:t>
-            </a:r>
-          </a:p>
+              <a:t>Jejunostomy = Small Intestine </a:t>
+            </a:r>
+          </a:p>
+        </p:txBody>
+      </p:sp>
+      <p:sp>
+        <p:nvSpPr>
+          <p:cNvPr id="4" name="Content Placeholder 3"/>
+          <p:cNvSpPr>
+            <a:spLocks noGrp="1"/>
+          </p:cNvSpPr>
+          <p:nvPr>
+            <p:ph idx="2" sz="half"/>
+          </p:nvPr>
+        </p:nvSpPr>
+        <p:spPr/>
+        <p:txBody>
+          <a:bodyPr/>
+          <a:lstStyle/>
           <a:p>
             <a:pPr lvl="0" indent="0" marL="0">
               <a:buNone/>
             </a:pPr>
             <a:r>
               <a:rPr/>
-              <a:t>A gastrostomy tube allows feeding with a syringe, which can be done several times per day.</a:t>
-            </a:r>
-          </a:p>
-          <a:p>
-            <a:pPr lvl="0" indent="0" marL="0">
-              <a:buNone/>
-            </a:pPr>
-            <a:r>
-              <a:rPr/>
-              <a:t>When it’s not being used, the gastrostomy tube can be hidden underneath clothing.</a:t>
-            </a:r>
-          </a:p>
-          <a:p>
-            <a:pPr lvl="0" indent="0" marL="0">
-              <a:buNone/>
-            </a:pPr>
-            <a:r>
-              <a:rPr/>
-              <a:t>For patient who later need surgery on the esophagus, it will be necessary to remove the</a:t>
-            </a:r>
-          </a:p>
-          <a:p>
-            <a:pPr lvl="0" indent="0" marL="0">
-              <a:buNone/>
-            </a:pPr>
-            <a:r>
-              <a:rPr/>
-              <a:t>gastrostomy tube and place a jejunostomy tube, as the stomach frequently used to create a new</a:t>
-            </a:r>
-          </a:p>
-          <a:p>
-            <a:pPr lvl="0" indent="0" marL="0">
-              <a:buNone/>
-            </a:pPr>
-            <a:r>
-              <a:rPr/>
-              <a:t>esophagus</a:t>
+              <a:t>Gastrostomy = Stomach </a:t>
             </a:r>
           </a:p>
         </p:txBody>
@@ -3861,7 +3842,7 @@
             </a:pPr>
             <a:r>
               <a:rPr/>
-              <a:t>Gastrostomy Tube Methods</a:t>
+              <a:t>Gastrostomy Tube</a:t>
             </a:r>
           </a:p>
         </p:txBody>
@@ -3886,7 +3867,7 @@
             </a:pPr>
             <a:r>
               <a:rPr/>
-              <a:t>A gastrostomy tube can be placed either by endoscopy, which is called a PEG tube</a:t>
+              <a:t>Feeding Gastrostomy</a:t>
             </a:r>
           </a:p>
           <a:p>
@@ -3895,7 +3876,7 @@
             </a:pPr>
             <a:r>
               <a:rPr/>
-              <a:t>A gastrostomy tube can also be placed by laparoscopy, which is usually preferred if surgery on the esophagus is planned in the future.</a:t>
+              <a:t>A gastrostomy tube allows feeding with a syringe, which can be done several times per day.</a:t>
             </a:r>
           </a:p>
           <a:p>
@@ -3904,7 +3885,34 @@
             </a:pPr>
             <a:r>
               <a:rPr/>
-              <a:t>Your surgeon will help you decide which kind of tube is best for you. This is especially important if you will need esophageal surgery in the future, as the stomach is frequently used to make a new esophagus</a:t>
+              <a:t>When it’s not being used, the gastrostomy tube can be hidden underneath clothing.</a:t>
+            </a:r>
+          </a:p>
+          <a:p>
+            <a:pPr lvl="0" indent="0" marL="0">
+              <a:buNone/>
+            </a:pPr>
+            <a:r>
+              <a:rPr/>
+              <a:t>For patient who later need surgery on the esophagus, it will be necessary to remove the</a:t>
+            </a:r>
+          </a:p>
+          <a:p>
+            <a:pPr lvl="0" indent="0" marL="0">
+              <a:buNone/>
+            </a:pPr>
+            <a:r>
+              <a:rPr/>
+              <a:t>gastrostomy tube and place a jejunostomy tube, as the stomach frequently used to create a new</a:t>
+            </a:r>
+          </a:p>
+          <a:p>
+            <a:pPr lvl="0" indent="0" marL="0">
+              <a:buNone/>
+            </a:pPr>
+            <a:r>
+              <a:rPr/>
+              <a:t>esophagus</a:t>
             </a:r>
           </a:p>
         </p:txBody>
@@ -3951,7 +3959,7 @@
             </a:pPr>
             <a:r>
               <a:rPr/>
-              <a:t>Gastrostomy Tube</a:t>
+              <a:t>Gastrostomy Tube Methods</a:t>
             </a:r>
           </a:p>
         </p:txBody>
@@ -3971,17 +3979,30 @@
           <a:bodyPr/>
           <a:lstStyle/>
           <a:p>
-            <a:pPr lvl="0"/>
+            <a:pPr lvl="0" indent="0" marL="0">
+              <a:buNone/>
+            </a:pPr>
             <a:r>
               <a:rPr/>
-              <a:t>Outpatient Placement (go home the same day)</a:t>
-            </a:r>
-          </a:p>
-          <a:p>
-            <a:pPr lvl="0"/>
+              <a:t>A gastrostomy tube can be placed either by endoscopy, which is called a PEG tube</a:t>
+            </a:r>
+          </a:p>
+          <a:p>
+            <a:pPr lvl="0" indent="0" marL="0">
+              <a:buNone/>
+            </a:pPr>
             <a:r>
               <a:rPr/>
-              <a:t>Central venous port can be placed at the same time (if needed)</a:t>
+              <a:t>A gastrostomy tube can also be placed by laparoscopy, which is usually preferred if surgery on the esophagus is planned in the future.</a:t>
+            </a:r>
+          </a:p>
+          <a:p>
+            <a:pPr lvl="0" indent="0" marL="0">
+              <a:buNone/>
+            </a:pPr>
+            <a:r>
+              <a:rPr/>
+              <a:t>Your surgeon will help you decide which kind of tube is best for you. This is especially important if you will need esophageal surgery in the future, as the stomach is frequently used to make a new esophagus</a:t>
             </a:r>
           </a:p>
         </p:txBody>
@@ -4028,7 +4049,7 @@
             </a:pPr>
             <a:r>
               <a:rPr/>
-              <a:t>Jejunostomy tube</a:t>
+              <a:t>Gastrostomy Tube</a:t>
             </a:r>
           </a:p>
         </p:txBody>
@@ -4048,30 +4069,17 @@
           <a:bodyPr/>
           <a:lstStyle/>
           <a:p>
-            <a:pPr lvl="0" indent="0" marL="0">
-              <a:buNone/>
-            </a:pPr>
+            <a:pPr lvl="0"/>
             <a:r>
               <a:rPr/>
-              <a:t>The other type of feeding tube is a jejunostomy.</a:t>
-            </a:r>
-          </a:p>
-          <a:p>
-            <a:pPr lvl="0" indent="0" marL="0">
-              <a:buNone/>
-            </a:pPr>
+              <a:t>Outpatient Placement (go home the same day)</a:t>
+            </a:r>
+          </a:p>
+          <a:p>
+            <a:pPr lvl="0"/>
             <a:r>
               <a:rPr/>
-              <a:t>A jejunostomy tube tube is placed into the small intestines. Because the small intestine is used to receiving food in small quantities, a jejunostomy tube requires the use of a pump to deliver feedings gradually over a matter of hours.</a:t>
-            </a:r>
-          </a:p>
-          <a:p>
-            <a:pPr lvl="0" indent="0" marL="0">
-              <a:buNone/>
-            </a:pPr>
-            <a:r>
-              <a:rPr/>
-              <a:t>In general, feedings are done at night in order to allow you to be active during the day</a:t>
+              <a:t>Central venous port can be placed at the same time (if needed)</a:t>
             </a:r>
           </a:p>
         </p:txBody>
@@ -4082,6 +4090,96 @@
 </file>
 
 <file path=ppt/slides/slide8.xml><?xml version="1.0" encoding="utf-8"?>
+<p:sld xmlns:a="http://schemas.openxmlformats.org/drawingml/2006/main" xmlns:r="http://schemas.openxmlformats.org/officeDocument/2006/relationships" xmlns:p="http://schemas.openxmlformats.org/presentationml/2006/main">
+  <p:cSld>
+    <p:spTree>
+      <p:nvGrpSpPr>
+        <p:cNvPr id="1" name=""/>
+        <p:cNvGrpSpPr/>
+        <p:nvPr/>
+      </p:nvGrpSpPr>
+      <p:grpSpPr>
+        <a:xfrm>
+          <a:off x="0" y="0"/>
+          <a:ext cx="0" cy="0"/>
+          <a:chOff x="0" y="0"/>
+          <a:chExt cx="0" cy="0"/>
+        </a:xfrm>
+      </p:grpSpPr>
+      <p:sp>
+        <p:nvSpPr>
+          <p:cNvPr id="2" name="Title 1"/>
+          <p:cNvSpPr>
+            <a:spLocks noGrp="1"/>
+          </p:cNvSpPr>
+          <p:nvPr>
+            <p:ph type="title"/>
+          </p:nvPr>
+        </p:nvSpPr>
+        <p:spPr/>
+        <p:txBody>
+          <a:bodyPr/>
+          <a:lstStyle/>
+          <a:p>
+            <a:pPr lvl="0" indent="0" marL="0">
+              <a:buNone/>
+            </a:pPr>
+            <a:r>
+              <a:rPr/>
+              <a:t>Jejunostomy tube</a:t>
+            </a:r>
+          </a:p>
+        </p:txBody>
+      </p:sp>
+      <p:sp>
+        <p:nvSpPr>
+          <p:cNvPr id="3" name="Content Placeholder 2"/>
+          <p:cNvSpPr>
+            <a:spLocks noGrp="1"/>
+          </p:cNvSpPr>
+          <p:nvPr>
+            <p:ph idx="1"/>
+          </p:nvPr>
+        </p:nvSpPr>
+        <p:spPr/>
+        <p:txBody>
+          <a:bodyPr/>
+          <a:lstStyle/>
+          <a:p>
+            <a:pPr lvl="0" indent="0" marL="0">
+              <a:buNone/>
+            </a:pPr>
+            <a:r>
+              <a:rPr/>
+              <a:t>The other type of feeding tube is a jejunostomy.</a:t>
+            </a:r>
+          </a:p>
+          <a:p>
+            <a:pPr lvl="0" indent="0" marL="0">
+              <a:buNone/>
+            </a:pPr>
+            <a:r>
+              <a:rPr/>
+              <a:t>A jejunostomy tube tube is placed into the small intestines. Because the small intestine is used to receiving food in small quantities, a jejunostomy tube requires the use of a pump to deliver feedings gradually over a matter of hours.</a:t>
+            </a:r>
+          </a:p>
+          <a:p>
+            <a:pPr lvl="0" indent="0" marL="0">
+              <a:buNone/>
+            </a:pPr>
+            <a:r>
+              <a:rPr/>
+              <a:t>In general, feedings are done at night in order to allow you to be active during the day</a:t>
+            </a:r>
+          </a:p>
+        </p:txBody>
+      </p:sp>
+    </p:spTree>
+  </p:cSld>
+</p:sld>
+</file>
+
+<file path=ppt/slides/slide9.xml><?xml version="1.0" encoding="utf-8"?>
 <p:sld xmlns:a="http://schemas.openxmlformats.org/drawingml/2006/main" xmlns:r="http://schemas.openxmlformats.org/officeDocument/2006/relationships" xmlns:p="http://schemas.openxmlformats.org/presentationml/2006/main">
   <p:cSld>
     <p:spTree>

--- a/lci_nutrition.pptx
+++ b/lci_nutrition.pptx
@@ -14,6 +14,7 @@
     <p:sldId id="262" r:id="rId8"/>
     <p:sldId id="263" r:id="rId9"/>
     <p:sldId id="264" r:id="rId10"/>
+    <p:sldId id="265" r:id="rId11"/>
   </p:sldIdLst>
   <p:sldSz cx="9144000" cy="5143500" type="screen16x9"/>
   <p:notesSz cx="6858000" cy="9144000"/>
@@ -3497,6 +3498,78 @@
 </p:sld>
 </file>
 
+<file path=ppt/slides/slide10.xml><?xml version="1.0" encoding="utf-8"?>
+<p:sld xmlns:a="http://schemas.openxmlformats.org/drawingml/2006/main" xmlns:r="http://schemas.openxmlformats.org/officeDocument/2006/relationships" xmlns:p="http://schemas.openxmlformats.org/presentationml/2006/main">
+  <p:cSld>
+    <p:spTree>
+      <p:nvGrpSpPr>
+        <p:cNvPr id="1" name=""/>
+        <p:cNvGrpSpPr/>
+        <p:nvPr/>
+      </p:nvGrpSpPr>
+      <p:grpSpPr>
+        <a:xfrm>
+          <a:off x="0" y="0"/>
+          <a:ext cx="0" cy="0"/>
+          <a:chOff x="0" y="0"/>
+          <a:chExt cx="0" cy="0"/>
+        </a:xfrm>
+      </p:grpSpPr>
+      <p:sp>
+        <p:nvSpPr>
+          <p:cNvPr id="2" name="Title 1"/>
+          <p:cNvSpPr>
+            <a:spLocks noGrp="1"/>
+          </p:cNvSpPr>
+          <p:nvPr>
+            <p:ph type="title"/>
+          </p:nvPr>
+        </p:nvSpPr>
+        <p:spPr/>
+        <p:txBody>
+          <a:bodyPr/>
+          <a:lstStyle/>
+          <a:p>
+            <a:pPr lvl="0" indent="0" marL="0">
+              <a:buNone/>
+            </a:pPr>
+            <a:r>
+              <a:rPr/>
+              <a:t>Jejunostomy</a:t>
+            </a:r>
+          </a:p>
+        </p:txBody>
+      </p:sp>
+      <p:sp>
+        <p:nvSpPr>
+          <p:cNvPr id="3" name="Content Placeholder 2"/>
+          <p:cNvSpPr>
+            <a:spLocks noGrp="1"/>
+          </p:cNvSpPr>
+          <p:nvPr>
+            <p:ph idx="1"/>
+          </p:nvPr>
+        </p:nvSpPr>
+        <p:spPr/>
+        <p:txBody>
+          <a:bodyPr/>
+          <a:lstStyle/>
+          <a:p>
+            <a:pPr lvl="0" indent="0" marL="0">
+              <a:buNone/>
+            </a:pPr>
+            <a:r>
+              <a:rPr/>
+              <a:t>A jejunostomy tube is used in cases where it’s not possible to place a gastrostomy tube, such as when there is a tumor in the stomach. A jejunostomy tube is routinely used after esophageal surgery, so in patients who need help with nutrition prior to surgery, it makes sense to put in a jejunostomy tube before surgery. The same tube can then be used for nutrition both before and after surgery.</a:t>
+            </a:r>
+          </a:p>
+        </p:txBody>
+      </p:sp>
+    </p:spTree>
+  </p:cSld>
+</p:sld>
+</file>
+
 <file path=ppt/slides/slide2.xml><?xml version="1.0" encoding="utf-8"?>
 <p:sld xmlns:a="http://schemas.openxmlformats.org/drawingml/2006/main" xmlns:r="http://schemas.openxmlformats.org/officeDocument/2006/relationships" xmlns:p="http://schemas.openxmlformats.org/presentationml/2006/main">
   <p:cSld>
@@ -3648,7 +3721,7 @@
             </a:pPr>
             <a:r>
               <a:rPr/>
-              <a:t>Protein Shakes</a:t>
+              <a:t>Protein Needs</a:t>
             </a:r>
           </a:p>
         </p:txBody>
@@ -3660,45 +3733,25 @@
             <a:spLocks noGrp="1"/>
           </p:cNvSpPr>
           <p:nvPr>
-            <p:ph idx="1" sz="half"/>
-          </p:nvPr>
-        </p:nvSpPr>
-        <p:spPr/>
-        <p:txBody>
-          <a:bodyPr/>
-          <a:lstStyle/>
-          <a:p>
-            <a:pPr lvl="0" indent="0" marL="0">
-              <a:buNone/>
-            </a:pPr>
+            <p:ph idx="1"/>
+          </p:nvPr>
+        </p:nvSpPr>
+        <p:spPr/>
+        <p:txBody>
+          <a:bodyPr/>
+          <a:lstStyle/>
+          <a:p>
+            <a:pPr lvl="0"/>
             <a:r>
               <a:rPr/>
-              <a:t>Protein Shakes can provide protein with minimal sugar</a:t>
-            </a:r>
-          </a:p>
-        </p:txBody>
-      </p:sp>
-      <p:sp>
-        <p:nvSpPr>
-          <p:cNvPr id="4" name="Content Placeholder 3"/>
-          <p:cNvSpPr>
-            <a:spLocks noGrp="1"/>
-          </p:cNvSpPr>
-          <p:nvPr>
-            <p:ph idx="2" sz="half"/>
-          </p:nvPr>
-        </p:nvSpPr>
-        <p:spPr/>
-        <p:txBody>
-          <a:bodyPr/>
-          <a:lstStyle/>
-          <a:p>
-            <a:pPr lvl="0" indent="0" marL="0">
-              <a:buNone/>
-            </a:pPr>
+              <a:t>Men: Average 75 grams/day</a:t>
+            </a:r>
+          </a:p>
+          <a:p>
+            <a:pPr lvl="0"/>
             <a:r>
               <a:rPr/>
-              <a:t>Portein Shakes </a:t>
+              <a:t>Women: Average 60 grams/day</a:t>
             </a:r>
           </a:p>
         </p:txBody>
@@ -3745,7 +3798,7 @@
             </a:pPr>
             <a:r>
               <a:rPr/>
-              <a:t>Feeding Tubes</a:t>
+              <a:t>Protein Shakes</a:t>
             </a:r>
           </a:p>
         </p:txBody>
@@ -3770,7 +3823,7 @@
             </a:pPr>
             <a:r>
               <a:rPr/>
-              <a:t>Jejunostomy = Small Intestine </a:t>
+              <a:t>Protein Shakes can provide protein with minimal sugar</a:t>
             </a:r>
           </a:p>
         </p:txBody>
@@ -3795,7 +3848,7 @@
             </a:pPr>
             <a:r>
               <a:rPr/>
-              <a:t>Gastrostomy = Stomach </a:t>
+              <a:t>Protein Shakes </a:t>
             </a:r>
           </a:p>
         </p:txBody>
@@ -3842,7 +3895,7 @@
             </a:pPr>
             <a:r>
               <a:rPr/>
-              <a:t>Gastrostomy Tube</a:t>
+              <a:t>Feeding Tubes</a:t>
             </a:r>
           </a:p>
         </p:txBody>
@@ -3854,7 +3907,7 @@
             <a:spLocks noGrp="1"/>
           </p:cNvSpPr>
           <p:nvPr>
-            <p:ph idx="1"/>
+            <p:ph idx="1" sz="half"/>
           </p:nvPr>
         </p:nvSpPr>
         <p:spPr/>
@@ -3867,52 +3920,32 @@
             </a:pPr>
             <a:r>
               <a:rPr/>
-              <a:t>Feeding Gastrostomy</a:t>
-            </a:r>
-          </a:p>
+              <a:t>Jejunostomy = Small Intestine </a:t>
+            </a:r>
+          </a:p>
+        </p:txBody>
+      </p:sp>
+      <p:sp>
+        <p:nvSpPr>
+          <p:cNvPr id="4" name="Content Placeholder 3"/>
+          <p:cNvSpPr>
+            <a:spLocks noGrp="1"/>
+          </p:cNvSpPr>
+          <p:nvPr>
+            <p:ph idx="2" sz="half"/>
+          </p:nvPr>
+        </p:nvSpPr>
+        <p:spPr/>
+        <p:txBody>
+          <a:bodyPr/>
+          <a:lstStyle/>
           <a:p>
             <a:pPr lvl="0" indent="0" marL="0">
               <a:buNone/>
             </a:pPr>
             <a:r>
               <a:rPr/>
-              <a:t>A gastrostomy tube allows feeding with a syringe, which can be done several times per day.</a:t>
-            </a:r>
-          </a:p>
-          <a:p>
-            <a:pPr lvl="0" indent="0" marL="0">
-              <a:buNone/>
-            </a:pPr>
-            <a:r>
-              <a:rPr/>
-              <a:t>When it’s not being used, the gastrostomy tube can be hidden underneath clothing.</a:t>
-            </a:r>
-          </a:p>
-          <a:p>
-            <a:pPr lvl="0" indent="0" marL="0">
-              <a:buNone/>
-            </a:pPr>
-            <a:r>
-              <a:rPr/>
-              <a:t>For patient who later need surgery on the esophagus, it will be necessary to remove the</a:t>
-            </a:r>
-          </a:p>
-          <a:p>
-            <a:pPr lvl="0" indent="0" marL="0">
-              <a:buNone/>
-            </a:pPr>
-            <a:r>
-              <a:rPr/>
-              <a:t>gastrostomy tube and place a jejunostomy tube, as the stomach frequently used to create a new</a:t>
-            </a:r>
-          </a:p>
-          <a:p>
-            <a:pPr lvl="0" indent="0" marL="0">
-              <a:buNone/>
-            </a:pPr>
-            <a:r>
-              <a:rPr/>
-              <a:t>esophagus</a:t>
+              <a:t>Gastrostomy = Stomach </a:t>
             </a:r>
           </a:p>
         </p:txBody>
@@ -3959,7 +3992,7 @@
             </a:pPr>
             <a:r>
               <a:rPr/>
-              <a:t>Gastrostomy Tube Methods</a:t>
+              <a:t>Gastrostomy Tube</a:t>
             </a:r>
           </a:p>
         </p:txBody>
@@ -3984,7 +4017,7 @@
             </a:pPr>
             <a:r>
               <a:rPr/>
-              <a:t>A gastrostomy tube can be placed either by endoscopy, which is called a PEG tube</a:t>
+              <a:t>Feeding Gastrostomy</a:t>
             </a:r>
           </a:p>
           <a:p>
@@ -3993,7 +4026,7 @@
             </a:pPr>
             <a:r>
               <a:rPr/>
-              <a:t>A gastrostomy tube can also be placed by laparoscopy, which is usually preferred if surgery on the esophagus is planned in the future.</a:t>
+              <a:t>A gastrostomy tube allows feeding with a syringe, which can be done several times per day.</a:t>
             </a:r>
           </a:p>
           <a:p>
@@ -4002,7 +4035,34 @@
             </a:pPr>
             <a:r>
               <a:rPr/>
-              <a:t>Your surgeon will help you decide which kind of tube is best for you. This is especially important if you will need esophageal surgery in the future, as the stomach is frequently used to make a new esophagus</a:t>
+              <a:t>When it’s not being used, the gastrostomy tube can be hidden underneath clothing.</a:t>
+            </a:r>
+          </a:p>
+          <a:p>
+            <a:pPr lvl="0" indent="0" marL="0">
+              <a:buNone/>
+            </a:pPr>
+            <a:r>
+              <a:rPr/>
+              <a:t>For patient who later need surgery on the esophagus, it will be necessary to remove the</a:t>
+            </a:r>
+          </a:p>
+          <a:p>
+            <a:pPr lvl="0" indent="0" marL="0">
+              <a:buNone/>
+            </a:pPr>
+            <a:r>
+              <a:rPr/>
+              <a:t>gastrostomy tube and place a jejunostomy tube, as the stomach frequently used to create a new</a:t>
+            </a:r>
+          </a:p>
+          <a:p>
+            <a:pPr lvl="0" indent="0" marL="0">
+              <a:buNone/>
+            </a:pPr>
+            <a:r>
+              <a:rPr/>
+              <a:t>esophagus</a:t>
             </a:r>
           </a:p>
         </p:txBody>
@@ -4049,7 +4109,7 @@
             </a:pPr>
             <a:r>
               <a:rPr/>
-              <a:t>Gastrostomy Tube</a:t>
+              <a:t>Gastrostomy Tube Methods</a:t>
             </a:r>
           </a:p>
         </p:txBody>
@@ -4069,17 +4129,30 @@
           <a:bodyPr/>
           <a:lstStyle/>
           <a:p>
-            <a:pPr lvl="0"/>
+            <a:pPr lvl="0" indent="0" marL="0">
+              <a:buNone/>
+            </a:pPr>
             <a:r>
               <a:rPr/>
-              <a:t>Outpatient Placement (go home the same day)</a:t>
-            </a:r>
-          </a:p>
-          <a:p>
-            <a:pPr lvl="0"/>
+              <a:t>A gastrostomy tube can be placed either by endoscopy, which is called a PEG tube</a:t>
+            </a:r>
+          </a:p>
+          <a:p>
+            <a:pPr lvl="0" indent="0" marL="0">
+              <a:buNone/>
+            </a:pPr>
             <a:r>
               <a:rPr/>
-              <a:t>Central venous port can be placed at the same time (if needed)</a:t>
+              <a:t>A gastrostomy tube can also be placed by laparoscopy, which is usually preferred if surgery on the esophagus is planned in the future.</a:t>
+            </a:r>
+          </a:p>
+          <a:p>
+            <a:pPr lvl="0" indent="0" marL="0">
+              <a:buNone/>
+            </a:pPr>
+            <a:r>
+              <a:rPr/>
+              <a:t>Your surgeon will help you decide which kind of tube is best for you. This is especially important if you will need esophageal surgery in the future, as the stomach is frequently used to make a new esophagus</a:t>
             </a:r>
           </a:p>
         </p:txBody>
@@ -4126,7 +4199,7 @@
             </a:pPr>
             <a:r>
               <a:rPr/>
-              <a:t>Jejunostomy tube</a:t>
+              <a:t>Gastrostomy Tube</a:t>
             </a:r>
           </a:p>
         </p:txBody>
@@ -4146,30 +4219,17 @@
           <a:bodyPr/>
           <a:lstStyle/>
           <a:p>
-            <a:pPr lvl="0" indent="0" marL="0">
-              <a:buNone/>
-            </a:pPr>
+            <a:pPr lvl="0"/>
             <a:r>
               <a:rPr/>
-              <a:t>The other type of feeding tube is a jejunostomy.</a:t>
-            </a:r>
-          </a:p>
-          <a:p>
-            <a:pPr lvl="0" indent="0" marL="0">
-              <a:buNone/>
-            </a:pPr>
+              <a:t>Outpatient Placement (go home the same day)</a:t>
+            </a:r>
+          </a:p>
+          <a:p>
+            <a:pPr lvl="0"/>
             <a:r>
               <a:rPr/>
-              <a:t>A jejunostomy tube tube is placed into the small intestines. Because the small intestine is used to receiving food in small quantities, a jejunostomy tube requires the use of a pump to deliver feedings gradually over a matter of hours.</a:t>
-            </a:r>
-          </a:p>
-          <a:p>
-            <a:pPr lvl="0" indent="0" marL="0">
-              <a:buNone/>
-            </a:pPr>
-            <a:r>
-              <a:rPr/>
-              <a:t>In general, feedings are done at night in order to allow you to be active during the day</a:t>
+              <a:t>Central venous port can be placed at the same time (if needed)</a:t>
             </a:r>
           </a:p>
         </p:txBody>
@@ -4216,7 +4276,7 @@
             </a:pPr>
             <a:r>
               <a:rPr/>
-              <a:t>Jejunostomy</a:t>
+              <a:t>Jejunostomy tube</a:t>
             </a:r>
           </a:p>
         </p:txBody>
@@ -4241,7 +4301,25 @@
             </a:pPr>
             <a:r>
               <a:rPr/>
-              <a:t>A jejunostomy tube is used in cases where it’s not possible to place a gastrostomy tube, such as when there is a tumor in the stomach. A jejunostomy tube is routinely used after esophageal surgery, so in patients who need help with nutrition prior to surgery, it makes sense to put in a jejunostomy tube before surgery. The same tube can then be used for nutrition both before and after surgery.</a:t>
+              <a:t>The other type of feeding tube is a jejunostomy.</a:t>
+            </a:r>
+          </a:p>
+          <a:p>
+            <a:pPr lvl="0" indent="0" marL="0">
+              <a:buNone/>
+            </a:pPr>
+            <a:r>
+              <a:rPr/>
+              <a:t>A jejunostomy tube tube is placed into the small intestines. Because the small intestine is used to receiving food in small quantities, a jejunostomy tube requires the use of a pump to deliver feedings gradually over a matter of hours.</a:t>
+            </a:r>
+          </a:p>
+          <a:p>
+            <a:pPr lvl="0" indent="0" marL="0">
+              <a:buNone/>
+            </a:pPr>
+            <a:r>
+              <a:rPr/>
+              <a:t>In general, feedings are done at night in order to allow you to be active during the day</a:t>
             </a:r>
           </a:p>
         </p:txBody>

--- a/lci_nutrition.pptx
+++ b/lci_nutrition.pptx
@@ -311,7 +311,7 @@
           <a:p>
             <a:fld id="{241EB5C9-1307-BA42-ABA2-0BC069CD8E7F}" type="datetimeFigureOut">
               <a:rPr lang="en-US" smtClean="0"/>
-              <a:t>11/14/24</a:t>
+              <a:t>1/8/25</a:t>
             </a:fld>
             <a:endParaRPr lang="en-US"/>
           </a:p>
@@ -479,7 +479,7 @@
           <a:p>
             <a:fld id="{241EB5C9-1307-BA42-ABA2-0BC069CD8E7F}" type="datetimeFigureOut">
               <a:rPr lang="en-US" smtClean="0"/>
-              <a:t>11/14/24</a:t>
+              <a:t>1/8/25</a:t>
             </a:fld>
             <a:endParaRPr lang="en-US"/>
           </a:p>
@@ -657,7 +657,7 @@
           <a:p>
             <a:fld id="{241EB5C9-1307-BA42-ABA2-0BC069CD8E7F}" type="datetimeFigureOut">
               <a:rPr lang="en-US" smtClean="0"/>
-              <a:t>11/14/24</a:t>
+              <a:t>1/8/25</a:t>
             </a:fld>
             <a:endParaRPr lang="en-US"/>
           </a:p>
@@ -835,7 +835,7 @@
           <a:p>
             <a:fld id="{241EB5C9-1307-BA42-ABA2-0BC069CD8E7F}" type="datetimeFigureOut">
               <a:rPr lang="en-US" smtClean="0"/>
-              <a:t>11/14/24</a:t>
+              <a:t>1/8/25</a:t>
             </a:fld>
             <a:endParaRPr lang="en-US"/>
           </a:p>
@@ -1080,7 +1080,8 @@
         <p:txBody>
           <a:bodyPr/>
           <a:lstStyle>
-            <a:lvl1pPr>
+            <a:lvl1pPr marL="228600" indent="-228600">
+              <a:tabLst/>
               <a:defRPr sz="2800"/>
             </a:lvl1pPr>
             <a:lvl2pPr>
@@ -1144,7 +1145,7 @@
           <a:p>
             <a:fld id="{241EB5C9-1307-BA42-ABA2-0BC069CD8E7F}" type="datetimeFigureOut">
               <a:rPr lang="en-US" smtClean="0"/>
-              <a:t>11/14/24</a:t>
+              <a:t>1/8/25</a:t>
             </a:fld>
             <a:endParaRPr lang="en-US"/>
           </a:p>
@@ -1405,7 +1406,7 @@
           <a:p>
             <a:fld id="{241EB5C9-1307-BA42-ABA2-0BC069CD8E7F}" type="datetimeFigureOut">
               <a:rPr lang="en-US" smtClean="0"/>
-              <a:t>11/14/24</a:t>
+              <a:t>1/8/25</a:t>
             </a:fld>
             <a:endParaRPr lang="en-US"/>
           </a:p>
@@ -1524,8 +1525,9 @@
         <p:txBody>
           <a:bodyPr/>
           <a:lstStyle>
-            <a:lvl1pPr>
-              <a:defRPr sz="2400"/>
+            <a:lvl1pPr marL="174625" indent="-174625">
+              <a:tabLst/>
+              <a:defRPr sz="2800"/>
             </a:lvl1pPr>
             <a:lvl2pPr>
               <a:defRPr sz="1800"/>
@@ -1608,8 +1610,9 @@
         <p:txBody>
           <a:bodyPr/>
           <a:lstStyle>
-            <a:lvl1pPr>
-              <a:defRPr sz="2400"/>
+            <a:lvl1pPr marL="174625" indent="-174625">
+              <a:tabLst/>
+              <a:defRPr sz="2800"/>
             </a:lvl1pPr>
             <a:lvl2pPr>
               <a:defRPr sz="1800"/>
@@ -1690,7 +1693,7 @@
           <a:p>
             <a:fld id="{241EB5C9-1307-BA42-ABA2-0BC069CD8E7F}" type="datetimeFigureOut">
               <a:rPr lang="en-US" smtClean="0"/>
-              <a:t>11/14/24</a:t>
+              <a:t>1/8/25</a:t>
             </a:fld>
             <a:endParaRPr lang="en-US"/>
           </a:p>
@@ -2109,7 +2112,7 @@
           <a:p>
             <a:fld id="{241EB5C9-1307-BA42-ABA2-0BC069CD8E7F}" type="datetimeFigureOut">
               <a:rPr lang="en-US" smtClean="0"/>
-              <a:t>11/14/24</a:t>
+              <a:t>1/8/25</a:t>
             </a:fld>
             <a:endParaRPr lang="en-US"/>
           </a:p>
@@ -2226,7 +2229,7 @@
           <a:p>
             <a:fld id="{241EB5C9-1307-BA42-ABA2-0BC069CD8E7F}" type="datetimeFigureOut">
               <a:rPr lang="en-US" smtClean="0"/>
-              <a:t>11/14/24</a:t>
+              <a:t>1/8/25</a:t>
             </a:fld>
             <a:endParaRPr lang="en-US"/>
           </a:p>
@@ -2321,7 +2324,7 @@
           <a:p>
             <a:fld id="{241EB5C9-1307-BA42-ABA2-0BC069CD8E7F}" type="datetimeFigureOut">
               <a:rPr lang="en-US" smtClean="0"/>
-              <a:t>11/14/24</a:t>
+              <a:t>1/8/25</a:t>
             </a:fld>
             <a:endParaRPr lang="en-US"/>
           </a:p>
@@ -2596,7 +2599,7 @@
           <a:p>
             <a:fld id="{241EB5C9-1307-BA42-ABA2-0BC069CD8E7F}" type="datetimeFigureOut">
               <a:rPr lang="en-US" smtClean="0"/>
-              <a:t>11/14/24</a:t>
+              <a:t>1/8/25</a:t>
             </a:fld>
             <a:endParaRPr lang="en-US"/>
           </a:p>
@@ -2848,7 +2851,7 @@
           <a:p>
             <a:fld id="{241EB5C9-1307-BA42-ABA2-0BC069CD8E7F}" type="datetimeFigureOut">
               <a:rPr lang="en-US" smtClean="0"/>
-              <a:t>11/14/24</a:t>
+              <a:t>1/8/25</a:t>
             </a:fld>
             <a:endParaRPr lang="en-US"/>
           </a:p>
@@ -3059,7 +3062,7 @@
           <a:p>
             <a:fld id="{241EB5C9-1307-BA42-ABA2-0BC069CD8E7F}" type="datetimeFigureOut">
               <a:rPr lang="en-US" smtClean="0"/>
-              <a:t>11/14/24</a:t>
+              <a:t>1/8/25</a:t>
             </a:fld>
             <a:endParaRPr lang="en-US"/>
           </a:p>
@@ -3415,6 +3418,22 @@
       </a:lvl9pPr>
     </p:otherStyle>
   </p:txStyles>
+  <p:extLst>
+    <p:ext uri="{27BBF7A9-308A-43DC-89C8-2F10F3537804}">
+      <p15:sldGuideLst xmlns:p15="http://schemas.microsoft.com/office/powerpoint/2012/main">
+        <p15:guide id="1" orient="horz" pos="1620" userDrawn="1">
+          <p15:clr>
+            <a:srgbClr val="F26B43"/>
+          </p15:clr>
+        </p15:guide>
+        <p15:guide id="2" pos="2880" userDrawn="1">
+          <p15:clr>
+            <a:srgbClr val="F26B43"/>
+          </p15:clr>
+        </p15:guide>
+      </p15:sldGuideLst>
+    </p:ext>
+  </p:extLst>
 </p:sldMaster>
 </file>
 

--- a/lci_nutrition.pptx
+++ b/lci_nutrition.pptx
@@ -7,14 +7,6 @@
   <p:sldIdLst>
     <p:sldId id="256" r:id="rId2"/>
     <p:sldId id="257" r:id="rId3"/>
-    <p:sldId id="258" r:id="rId4"/>
-    <p:sldId id="259" r:id="rId5"/>
-    <p:sldId id="260" r:id="rId6"/>
-    <p:sldId id="261" r:id="rId7"/>
-    <p:sldId id="262" r:id="rId8"/>
-    <p:sldId id="263" r:id="rId9"/>
-    <p:sldId id="264" r:id="rId10"/>
-    <p:sldId id="265" r:id="rId11"/>
   </p:sldIdLst>
   <p:sldSz cx="9144000" cy="5143500" type="screen16x9"/>
   <p:notesSz cx="6858000" cy="9144000"/>
@@ -3517,78 +3509,6 @@
 </p:sld>
 </file>
 
-<file path=ppt/slides/slide10.xml><?xml version="1.0" encoding="utf-8"?>
-<p:sld xmlns:a="http://schemas.openxmlformats.org/drawingml/2006/main" xmlns:r="http://schemas.openxmlformats.org/officeDocument/2006/relationships" xmlns:p="http://schemas.openxmlformats.org/presentationml/2006/main">
-  <p:cSld>
-    <p:spTree>
-      <p:nvGrpSpPr>
-        <p:cNvPr id="1" name=""/>
-        <p:cNvGrpSpPr/>
-        <p:nvPr/>
-      </p:nvGrpSpPr>
-      <p:grpSpPr>
-        <a:xfrm>
-          <a:off x="0" y="0"/>
-          <a:ext cx="0" cy="0"/>
-          <a:chOff x="0" y="0"/>
-          <a:chExt cx="0" cy="0"/>
-        </a:xfrm>
-      </p:grpSpPr>
-      <p:sp>
-        <p:nvSpPr>
-          <p:cNvPr id="2" name="Title 1"/>
-          <p:cNvSpPr>
-            <a:spLocks noGrp="1"/>
-          </p:cNvSpPr>
-          <p:nvPr>
-            <p:ph type="title"/>
-          </p:nvPr>
-        </p:nvSpPr>
-        <p:spPr/>
-        <p:txBody>
-          <a:bodyPr/>
-          <a:lstStyle/>
-          <a:p>
-            <a:pPr lvl="0" indent="0" marL="0">
-              <a:buNone/>
-            </a:pPr>
-            <a:r>
-              <a:rPr/>
-              <a:t>Jejunostomy</a:t>
-            </a:r>
-          </a:p>
-        </p:txBody>
-      </p:sp>
-      <p:sp>
-        <p:nvSpPr>
-          <p:cNvPr id="3" name="Content Placeholder 2"/>
-          <p:cNvSpPr>
-            <a:spLocks noGrp="1"/>
-          </p:cNvSpPr>
-          <p:nvPr>
-            <p:ph idx="1"/>
-          </p:nvPr>
-        </p:nvSpPr>
-        <p:spPr/>
-        <p:txBody>
-          <a:bodyPr/>
-          <a:lstStyle/>
-          <a:p>
-            <a:pPr lvl="0" indent="0" marL="0">
-              <a:buNone/>
-            </a:pPr>
-            <a:r>
-              <a:rPr/>
-              <a:t>A jejunostomy tube is used in cases where it’s not possible to place a gastrostomy tube, such as when there is a tumor in the stomach. A jejunostomy tube is routinely used after esophageal surgery, so in patients who need help with nutrition prior to surgery, it makes sense to put in a jejunostomy tube before surgery. The same tube can then be used for nutrition both before and after surgery.</a:t>
-            </a:r>
-          </a:p>
-        </p:txBody>
-      </p:sp>
-    </p:spTree>
-  </p:cSld>
-</p:sld>
-</file>
-
 <file path=ppt/slides/slide2.xml><?xml version="1.0" encoding="utf-8"?>
 <p:sld xmlns:a="http://schemas.openxmlformats.org/drawingml/2006/main" xmlns:r="http://schemas.openxmlformats.org/officeDocument/2006/relationships" xmlns:p="http://schemas.openxmlformats.org/presentationml/2006/main">
   <p:cSld>
@@ -3608,12 +3528,12 @@
       </p:grpSpPr>
       <p:sp>
         <p:nvSpPr>
-          <p:cNvPr id="2" name="Title 1"/>
-          <p:cNvSpPr>
-            <a:spLocks noGrp="1"/>
-          </p:cNvSpPr>
-          <p:nvPr>
-            <p:ph type="title"/>
+          <p:cNvPr id="3" name="Content Placeholder 2"/>
+          <p:cNvSpPr>
+            <a:spLocks noGrp="1"/>
+          </p:cNvSpPr>
+          <p:nvPr>
+            <p:ph idx="1"/>
           </p:nvPr>
         </p:nvSpPr>
         <p:spPr/>
@@ -3626,719 +3546,7 @@
             </a:pPr>
             <a:r>
               <a:rPr/>
-              <a:t>GI Tract Anatomy</a:t>
-            </a:r>
-          </a:p>
-        </p:txBody>
-      </p:sp>
-      <p:sp>
-        <p:nvSpPr>
-          <p:cNvPr id="3" name="Content Placeholder 2"/>
-          <p:cNvSpPr>
-            <a:spLocks noGrp="1"/>
-          </p:cNvSpPr>
-          <p:nvPr>
-            <p:ph idx="1" sz="half"/>
-          </p:nvPr>
-        </p:nvSpPr>
-        <p:spPr/>
-        <p:txBody>
-          <a:bodyPr/>
-          <a:lstStyle/>
-          <a:p>
-            <a:pPr lvl="0"/>
-            <a:r>
-              <a:rPr/>
-              <a:t>Esophagus delivers food to the stomach</a:t>
-            </a:r>
-          </a:p>
-          <a:p>
-            <a:pPr lvl="0"/>
-            <a:r>
-              <a:rPr/>
-              <a:t>Stomach stores food and delivers it in small quantities to the jejunum</a:t>
-            </a:r>
-          </a:p>
-          <a:p>
-            <a:pPr lvl="0"/>
-            <a:r>
-              <a:rPr/>
-              <a:t>Jejunum begins digestion in the small intestines</a:t>
-            </a:r>
-          </a:p>
-        </p:txBody>
-      </p:sp>
-      <p:pic>
-        <p:nvPicPr>
-          <p:cNvPr descr="https://deidt7p41jzcy.cloudfront.net/Eso_Anatomy_Labels.png" id="0" name="Picture 1"/>
-          <p:cNvPicPr>
-            <a:picLocks noGrp="1" noChangeAspect="1"/>
-          </p:cNvPicPr>
-          <p:nvPr/>
-        </p:nvPicPr>
-        <p:blipFill>
-          <a:blip r:embed="rId2"/>
-          <a:stretch>
-            <a:fillRect/>
-          </a:stretch>
-        </p:blipFill>
-        <p:spPr bwMode="auto">
-          <a:xfrm>
-            <a:off x="5016500" y="1193800"/>
-            <a:ext cx="3302000" cy="3390900"/>
-          </a:xfrm>
-          <a:prstGeom prst="rect">
-            <a:avLst/>
-          </a:prstGeom>
-          <a:noFill/>
-          <a:ln w="9525">
-            <a:noFill/>
-            <a:headEnd/>
-            <a:tailEnd/>
-          </a:ln>
-        </p:spPr>
-      </p:pic>
-    </p:spTree>
-  </p:cSld>
-</p:sld>
-</file>
-
-<file path=ppt/slides/slide3.xml><?xml version="1.0" encoding="utf-8"?>
-<p:sld xmlns:a="http://schemas.openxmlformats.org/drawingml/2006/main" xmlns:r="http://schemas.openxmlformats.org/officeDocument/2006/relationships" xmlns:p="http://schemas.openxmlformats.org/presentationml/2006/main">
-  <p:cSld>
-    <p:spTree>
-      <p:nvGrpSpPr>
-        <p:cNvPr id="1" name=""/>
-        <p:cNvGrpSpPr/>
-        <p:nvPr/>
-      </p:nvGrpSpPr>
-      <p:grpSpPr>
-        <a:xfrm>
-          <a:off x="0" y="0"/>
-          <a:ext cx="0" cy="0"/>
-          <a:chOff x="0" y="0"/>
-          <a:chExt cx="0" cy="0"/>
-        </a:xfrm>
-      </p:grpSpPr>
-      <p:sp>
-        <p:nvSpPr>
-          <p:cNvPr id="2" name="Title 1"/>
-          <p:cNvSpPr>
-            <a:spLocks noGrp="1"/>
-          </p:cNvSpPr>
-          <p:nvPr>
-            <p:ph type="title"/>
-          </p:nvPr>
-        </p:nvSpPr>
-        <p:spPr/>
-        <p:txBody>
-          <a:bodyPr/>
-          <a:lstStyle/>
-          <a:p>
-            <a:pPr lvl="0" indent="0" marL="0">
-              <a:buNone/>
-            </a:pPr>
-            <a:r>
-              <a:rPr/>
-              <a:t>Protein Needs</a:t>
-            </a:r>
-          </a:p>
-        </p:txBody>
-      </p:sp>
-      <p:sp>
-        <p:nvSpPr>
-          <p:cNvPr id="3" name="Content Placeholder 2"/>
-          <p:cNvSpPr>
-            <a:spLocks noGrp="1"/>
-          </p:cNvSpPr>
-          <p:nvPr>
-            <p:ph idx="1"/>
-          </p:nvPr>
-        </p:nvSpPr>
-        <p:spPr/>
-        <p:txBody>
-          <a:bodyPr/>
-          <a:lstStyle/>
-          <a:p>
-            <a:pPr lvl="0"/>
-            <a:r>
-              <a:rPr/>
-              <a:t>Men: Average 75 grams/day</a:t>
-            </a:r>
-          </a:p>
-          <a:p>
-            <a:pPr lvl="0"/>
-            <a:r>
-              <a:rPr/>
-              <a:t>Women: Average 60 grams/day</a:t>
-            </a:r>
-          </a:p>
-        </p:txBody>
-      </p:sp>
-    </p:spTree>
-  </p:cSld>
-</p:sld>
-</file>
-
-<file path=ppt/slides/slide4.xml><?xml version="1.0" encoding="utf-8"?>
-<p:sld xmlns:a="http://schemas.openxmlformats.org/drawingml/2006/main" xmlns:r="http://schemas.openxmlformats.org/officeDocument/2006/relationships" xmlns:p="http://schemas.openxmlformats.org/presentationml/2006/main">
-  <p:cSld>
-    <p:spTree>
-      <p:nvGrpSpPr>
-        <p:cNvPr id="1" name=""/>
-        <p:cNvGrpSpPr/>
-        <p:nvPr/>
-      </p:nvGrpSpPr>
-      <p:grpSpPr>
-        <a:xfrm>
-          <a:off x="0" y="0"/>
-          <a:ext cx="0" cy="0"/>
-          <a:chOff x="0" y="0"/>
-          <a:chExt cx="0" cy="0"/>
-        </a:xfrm>
-      </p:grpSpPr>
-      <p:sp>
-        <p:nvSpPr>
-          <p:cNvPr id="2" name="Title 1"/>
-          <p:cNvSpPr>
-            <a:spLocks noGrp="1"/>
-          </p:cNvSpPr>
-          <p:nvPr>
-            <p:ph type="title"/>
-          </p:nvPr>
-        </p:nvSpPr>
-        <p:spPr/>
-        <p:txBody>
-          <a:bodyPr/>
-          <a:lstStyle/>
-          <a:p>
-            <a:pPr lvl="0" indent="0" marL="0">
-              <a:buNone/>
-            </a:pPr>
-            <a:r>
-              <a:rPr/>
-              <a:t>Protein Shakes</a:t>
-            </a:r>
-          </a:p>
-        </p:txBody>
-      </p:sp>
-      <p:sp>
-        <p:nvSpPr>
-          <p:cNvPr id="3" name="Content Placeholder 2"/>
-          <p:cNvSpPr>
-            <a:spLocks noGrp="1"/>
-          </p:cNvSpPr>
-          <p:nvPr>
-            <p:ph idx="1" sz="half"/>
-          </p:nvPr>
-        </p:nvSpPr>
-        <p:spPr/>
-        <p:txBody>
-          <a:bodyPr/>
-          <a:lstStyle/>
-          <a:p>
-            <a:pPr lvl="0" indent="0" marL="0">
-              <a:buNone/>
-            </a:pPr>
-            <a:r>
-              <a:rPr/>
-              <a:t>Protein Shakes can provide protein with minimal sugar</a:t>
-            </a:r>
-          </a:p>
-        </p:txBody>
-      </p:sp>
-      <p:sp>
-        <p:nvSpPr>
-          <p:cNvPr id="4" name="Content Placeholder 3"/>
-          <p:cNvSpPr>
-            <a:spLocks noGrp="1"/>
-          </p:cNvSpPr>
-          <p:nvPr>
-            <p:ph idx="2" sz="half"/>
-          </p:nvPr>
-        </p:nvSpPr>
-        <p:spPr/>
-        <p:txBody>
-          <a:bodyPr/>
-          <a:lstStyle/>
-          <a:p>
-            <a:pPr lvl="0" indent="0" marL="0">
-              <a:buNone/>
-            </a:pPr>
-            <a:r>
-              <a:rPr/>
-              <a:t>Protein Shakes </a:t>
-            </a:r>
-          </a:p>
-        </p:txBody>
-      </p:sp>
-    </p:spTree>
-  </p:cSld>
-</p:sld>
-</file>
-
-<file path=ppt/slides/slide5.xml><?xml version="1.0" encoding="utf-8"?>
-<p:sld xmlns:a="http://schemas.openxmlformats.org/drawingml/2006/main" xmlns:r="http://schemas.openxmlformats.org/officeDocument/2006/relationships" xmlns:p="http://schemas.openxmlformats.org/presentationml/2006/main">
-  <p:cSld>
-    <p:spTree>
-      <p:nvGrpSpPr>
-        <p:cNvPr id="1" name=""/>
-        <p:cNvGrpSpPr/>
-        <p:nvPr/>
-      </p:nvGrpSpPr>
-      <p:grpSpPr>
-        <a:xfrm>
-          <a:off x="0" y="0"/>
-          <a:ext cx="0" cy="0"/>
-          <a:chOff x="0" y="0"/>
-          <a:chExt cx="0" cy="0"/>
-        </a:xfrm>
-      </p:grpSpPr>
-      <p:sp>
-        <p:nvSpPr>
-          <p:cNvPr id="2" name="Title 1"/>
-          <p:cNvSpPr>
-            <a:spLocks noGrp="1"/>
-          </p:cNvSpPr>
-          <p:nvPr>
-            <p:ph type="title"/>
-          </p:nvPr>
-        </p:nvSpPr>
-        <p:spPr/>
-        <p:txBody>
-          <a:bodyPr/>
-          <a:lstStyle/>
-          <a:p>
-            <a:pPr lvl="0" indent="0" marL="0">
-              <a:buNone/>
-            </a:pPr>
-            <a:r>
-              <a:rPr/>
-              <a:t>Feeding Tubes</a:t>
-            </a:r>
-          </a:p>
-        </p:txBody>
-      </p:sp>
-      <p:sp>
-        <p:nvSpPr>
-          <p:cNvPr id="3" name="Content Placeholder 2"/>
-          <p:cNvSpPr>
-            <a:spLocks noGrp="1"/>
-          </p:cNvSpPr>
-          <p:nvPr>
-            <p:ph idx="1" sz="half"/>
-          </p:nvPr>
-        </p:nvSpPr>
-        <p:spPr/>
-        <p:txBody>
-          <a:bodyPr/>
-          <a:lstStyle/>
-          <a:p>
-            <a:pPr lvl="0" indent="0" marL="0">
-              <a:buNone/>
-            </a:pPr>
-            <a:r>
-              <a:rPr/>
-              <a:t>Jejunostomy = Small Intestine </a:t>
-            </a:r>
-          </a:p>
-        </p:txBody>
-      </p:sp>
-      <p:sp>
-        <p:nvSpPr>
-          <p:cNvPr id="4" name="Content Placeholder 3"/>
-          <p:cNvSpPr>
-            <a:spLocks noGrp="1"/>
-          </p:cNvSpPr>
-          <p:nvPr>
-            <p:ph idx="2" sz="half"/>
-          </p:nvPr>
-        </p:nvSpPr>
-        <p:spPr/>
-        <p:txBody>
-          <a:bodyPr/>
-          <a:lstStyle/>
-          <a:p>
-            <a:pPr lvl="0" indent="0" marL="0">
-              <a:buNone/>
-            </a:pPr>
-            <a:r>
-              <a:rPr/>
-              <a:t>Gastrostomy = Stomach </a:t>
-            </a:r>
-          </a:p>
-        </p:txBody>
-      </p:sp>
-    </p:spTree>
-  </p:cSld>
-</p:sld>
-</file>
-
-<file path=ppt/slides/slide6.xml><?xml version="1.0" encoding="utf-8"?>
-<p:sld xmlns:a="http://schemas.openxmlformats.org/drawingml/2006/main" xmlns:r="http://schemas.openxmlformats.org/officeDocument/2006/relationships" xmlns:p="http://schemas.openxmlformats.org/presentationml/2006/main">
-  <p:cSld>
-    <p:spTree>
-      <p:nvGrpSpPr>
-        <p:cNvPr id="1" name=""/>
-        <p:cNvGrpSpPr/>
-        <p:nvPr/>
-      </p:nvGrpSpPr>
-      <p:grpSpPr>
-        <a:xfrm>
-          <a:off x="0" y="0"/>
-          <a:ext cx="0" cy="0"/>
-          <a:chOff x="0" y="0"/>
-          <a:chExt cx="0" cy="0"/>
-        </a:xfrm>
-      </p:grpSpPr>
-      <p:sp>
-        <p:nvSpPr>
-          <p:cNvPr id="2" name="Title 1"/>
-          <p:cNvSpPr>
-            <a:spLocks noGrp="1"/>
-          </p:cNvSpPr>
-          <p:nvPr>
-            <p:ph type="title"/>
-          </p:nvPr>
-        </p:nvSpPr>
-        <p:spPr/>
-        <p:txBody>
-          <a:bodyPr/>
-          <a:lstStyle/>
-          <a:p>
-            <a:pPr lvl="0" indent="0" marL="0">
-              <a:buNone/>
-            </a:pPr>
-            <a:r>
-              <a:rPr/>
-              <a:t>Gastrostomy Tube</a:t>
-            </a:r>
-          </a:p>
-        </p:txBody>
-      </p:sp>
-      <p:sp>
-        <p:nvSpPr>
-          <p:cNvPr id="3" name="Content Placeholder 2"/>
-          <p:cNvSpPr>
-            <a:spLocks noGrp="1"/>
-          </p:cNvSpPr>
-          <p:nvPr>
-            <p:ph idx="1"/>
-          </p:nvPr>
-        </p:nvSpPr>
-        <p:spPr/>
-        <p:txBody>
-          <a:bodyPr/>
-          <a:lstStyle/>
-          <a:p>
-            <a:pPr lvl="0" indent="0" marL="0">
-              <a:buNone/>
-            </a:pPr>
-            <a:r>
-              <a:rPr/>
-              <a:t>Feeding Gastrostomy</a:t>
-            </a:r>
-          </a:p>
-          <a:p>
-            <a:pPr lvl="0" indent="0" marL="0">
-              <a:buNone/>
-            </a:pPr>
-            <a:r>
-              <a:rPr/>
-              <a:t>A gastrostomy tube allows feeding with a syringe, which can be done several times per day.</a:t>
-            </a:r>
-          </a:p>
-          <a:p>
-            <a:pPr lvl="0" indent="0" marL="0">
-              <a:buNone/>
-            </a:pPr>
-            <a:r>
-              <a:rPr/>
-              <a:t>When it’s not being used, the gastrostomy tube can be hidden underneath clothing.</a:t>
-            </a:r>
-          </a:p>
-          <a:p>
-            <a:pPr lvl="0" indent="0" marL="0">
-              <a:buNone/>
-            </a:pPr>
-            <a:r>
-              <a:rPr/>
-              <a:t>For patient who later need surgery on the esophagus, it will be necessary to remove the</a:t>
-            </a:r>
-          </a:p>
-          <a:p>
-            <a:pPr lvl="0" indent="0" marL="0">
-              <a:buNone/>
-            </a:pPr>
-            <a:r>
-              <a:rPr/>
-              <a:t>gastrostomy tube and place a jejunostomy tube, as the stomach frequently used to create a new</a:t>
-            </a:r>
-          </a:p>
-          <a:p>
-            <a:pPr lvl="0" indent="0" marL="0">
-              <a:buNone/>
-            </a:pPr>
-            <a:r>
-              <a:rPr/>
-              <a:t>esophagus</a:t>
-            </a:r>
-          </a:p>
-        </p:txBody>
-      </p:sp>
-    </p:spTree>
-  </p:cSld>
-</p:sld>
-</file>
-
-<file path=ppt/slides/slide7.xml><?xml version="1.0" encoding="utf-8"?>
-<p:sld xmlns:a="http://schemas.openxmlformats.org/drawingml/2006/main" xmlns:r="http://schemas.openxmlformats.org/officeDocument/2006/relationships" xmlns:p="http://schemas.openxmlformats.org/presentationml/2006/main">
-  <p:cSld>
-    <p:spTree>
-      <p:nvGrpSpPr>
-        <p:cNvPr id="1" name=""/>
-        <p:cNvGrpSpPr/>
-        <p:nvPr/>
-      </p:nvGrpSpPr>
-      <p:grpSpPr>
-        <a:xfrm>
-          <a:off x="0" y="0"/>
-          <a:ext cx="0" cy="0"/>
-          <a:chOff x="0" y="0"/>
-          <a:chExt cx="0" cy="0"/>
-        </a:xfrm>
-      </p:grpSpPr>
-      <p:sp>
-        <p:nvSpPr>
-          <p:cNvPr id="2" name="Title 1"/>
-          <p:cNvSpPr>
-            <a:spLocks noGrp="1"/>
-          </p:cNvSpPr>
-          <p:nvPr>
-            <p:ph type="title"/>
-          </p:nvPr>
-        </p:nvSpPr>
-        <p:spPr/>
-        <p:txBody>
-          <a:bodyPr/>
-          <a:lstStyle/>
-          <a:p>
-            <a:pPr lvl="0" indent="0" marL="0">
-              <a:buNone/>
-            </a:pPr>
-            <a:r>
-              <a:rPr/>
-              <a:t>Gastrostomy Tube Methods</a:t>
-            </a:r>
-          </a:p>
-        </p:txBody>
-      </p:sp>
-      <p:sp>
-        <p:nvSpPr>
-          <p:cNvPr id="3" name="Content Placeholder 2"/>
-          <p:cNvSpPr>
-            <a:spLocks noGrp="1"/>
-          </p:cNvSpPr>
-          <p:nvPr>
-            <p:ph idx="1"/>
-          </p:nvPr>
-        </p:nvSpPr>
-        <p:spPr/>
-        <p:txBody>
-          <a:bodyPr/>
-          <a:lstStyle/>
-          <a:p>
-            <a:pPr lvl="0" indent="0" marL="0">
-              <a:buNone/>
-            </a:pPr>
-            <a:r>
-              <a:rPr/>
-              <a:t>A gastrostomy tube can be placed either by endoscopy, which is called a PEG tube</a:t>
-            </a:r>
-          </a:p>
-          <a:p>
-            <a:pPr lvl="0" indent="0" marL="0">
-              <a:buNone/>
-            </a:pPr>
-            <a:r>
-              <a:rPr/>
-              <a:t>A gastrostomy tube can also be placed by laparoscopy, which is usually preferred if surgery on the esophagus is planned in the future.</a:t>
-            </a:r>
-          </a:p>
-          <a:p>
-            <a:pPr lvl="0" indent="0" marL="0">
-              <a:buNone/>
-            </a:pPr>
-            <a:r>
-              <a:rPr/>
-              <a:t>Your surgeon will help you decide which kind of tube is best for you. This is especially important if you will need esophageal surgery in the future, as the stomach is frequently used to make a new esophagus</a:t>
-            </a:r>
-          </a:p>
-        </p:txBody>
-      </p:sp>
-    </p:spTree>
-  </p:cSld>
-</p:sld>
-</file>
-
-<file path=ppt/slides/slide8.xml><?xml version="1.0" encoding="utf-8"?>
-<p:sld xmlns:a="http://schemas.openxmlformats.org/drawingml/2006/main" xmlns:r="http://schemas.openxmlformats.org/officeDocument/2006/relationships" xmlns:p="http://schemas.openxmlformats.org/presentationml/2006/main">
-  <p:cSld>
-    <p:spTree>
-      <p:nvGrpSpPr>
-        <p:cNvPr id="1" name=""/>
-        <p:cNvGrpSpPr/>
-        <p:nvPr/>
-      </p:nvGrpSpPr>
-      <p:grpSpPr>
-        <a:xfrm>
-          <a:off x="0" y="0"/>
-          <a:ext cx="0" cy="0"/>
-          <a:chOff x="0" y="0"/>
-          <a:chExt cx="0" cy="0"/>
-        </a:xfrm>
-      </p:grpSpPr>
-      <p:sp>
-        <p:nvSpPr>
-          <p:cNvPr id="2" name="Title 1"/>
-          <p:cNvSpPr>
-            <a:spLocks noGrp="1"/>
-          </p:cNvSpPr>
-          <p:nvPr>
-            <p:ph type="title"/>
-          </p:nvPr>
-        </p:nvSpPr>
-        <p:spPr/>
-        <p:txBody>
-          <a:bodyPr/>
-          <a:lstStyle/>
-          <a:p>
-            <a:pPr lvl="0" indent="0" marL="0">
-              <a:buNone/>
-            </a:pPr>
-            <a:r>
-              <a:rPr/>
-              <a:t>Gastrostomy Tube</a:t>
-            </a:r>
-          </a:p>
-        </p:txBody>
-      </p:sp>
-      <p:sp>
-        <p:nvSpPr>
-          <p:cNvPr id="3" name="Content Placeholder 2"/>
-          <p:cNvSpPr>
-            <a:spLocks noGrp="1"/>
-          </p:cNvSpPr>
-          <p:nvPr>
-            <p:ph idx="1"/>
-          </p:nvPr>
-        </p:nvSpPr>
-        <p:spPr/>
-        <p:txBody>
-          <a:bodyPr/>
-          <a:lstStyle/>
-          <a:p>
-            <a:pPr lvl="0"/>
-            <a:r>
-              <a:rPr/>
-              <a:t>Outpatient Placement (go home the same day)</a:t>
-            </a:r>
-          </a:p>
-          <a:p>
-            <a:pPr lvl="0"/>
-            <a:r>
-              <a:rPr/>
-              <a:t>Central venous port can be placed at the same time (if needed)</a:t>
-            </a:r>
-          </a:p>
-        </p:txBody>
-      </p:sp>
-    </p:spTree>
-  </p:cSld>
-</p:sld>
-</file>
-
-<file path=ppt/slides/slide9.xml><?xml version="1.0" encoding="utf-8"?>
-<p:sld xmlns:a="http://schemas.openxmlformats.org/drawingml/2006/main" xmlns:r="http://schemas.openxmlformats.org/officeDocument/2006/relationships" xmlns:p="http://schemas.openxmlformats.org/presentationml/2006/main">
-  <p:cSld>
-    <p:spTree>
-      <p:nvGrpSpPr>
-        <p:cNvPr id="1" name=""/>
-        <p:cNvGrpSpPr/>
-        <p:nvPr/>
-      </p:nvGrpSpPr>
-      <p:grpSpPr>
-        <a:xfrm>
-          <a:off x="0" y="0"/>
-          <a:ext cx="0" cy="0"/>
-          <a:chOff x="0" y="0"/>
-          <a:chExt cx="0" cy="0"/>
-        </a:xfrm>
-      </p:grpSpPr>
-      <p:sp>
-        <p:nvSpPr>
-          <p:cNvPr id="2" name="Title 1"/>
-          <p:cNvSpPr>
-            <a:spLocks noGrp="1"/>
-          </p:cNvSpPr>
-          <p:nvPr>
-            <p:ph type="title"/>
-          </p:nvPr>
-        </p:nvSpPr>
-        <p:spPr/>
-        <p:txBody>
-          <a:bodyPr/>
-          <a:lstStyle/>
-          <a:p>
-            <a:pPr lvl="0" indent="0" marL="0">
-              <a:buNone/>
-            </a:pPr>
-            <a:r>
-              <a:rPr/>
-              <a:t>Jejunostomy tube</a:t>
-            </a:r>
-          </a:p>
-        </p:txBody>
-      </p:sp>
-      <p:sp>
-        <p:nvSpPr>
-          <p:cNvPr id="3" name="Content Placeholder 2"/>
-          <p:cNvSpPr>
-            <a:spLocks noGrp="1"/>
-          </p:cNvSpPr>
-          <p:nvPr>
-            <p:ph idx="1"/>
-          </p:nvPr>
-        </p:nvSpPr>
-        <p:spPr/>
-        <p:txBody>
-          <a:bodyPr/>
-          <a:lstStyle/>
-          <a:p>
-            <a:pPr lvl="0" indent="0" marL="0">
-              <a:buNone/>
-            </a:pPr>
-            <a:r>
-              <a:rPr/>
-              <a:t>The other type of feeding tube is a jejunostomy.</a:t>
-            </a:r>
-          </a:p>
-          <a:p>
-            <a:pPr lvl="0" indent="0" marL="0">
-              <a:buNone/>
-            </a:pPr>
-            <a:r>
-              <a:rPr/>
-              <a:t>A jejunostomy tube tube is placed into the small intestines. Because the small intestine is used to receiving food in small quantities, a jejunostomy tube requires the use of a pump to deliver feedings gradually over a matter of hours.</a:t>
-            </a:r>
-          </a:p>
-          <a:p>
-            <a:pPr lvl="0" indent="0" marL="0">
-              <a:buNone/>
-            </a:pPr>
-            <a:r>
-              <a:rPr/>
-              <a:t>In general, feedings are done at night in order to allow you to be active during the day</a:t>
+              <a:t>{{ &lt; include lci_nutrition_guts.qmd &gt; }}</a:t>
             </a:r>
           </a:p>
         </p:txBody>

--- a/lci_nutrition.pptx
+++ b/lci_nutrition.pptx
@@ -7,6 +7,14 @@
   <p:sldIdLst>
     <p:sldId id="256" r:id="rId2"/>
     <p:sldId id="257" r:id="rId3"/>
+    <p:sldId id="258" r:id="rId4"/>
+    <p:sldId id="259" r:id="rId5"/>
+    <p:sldId id="260" r:id="rId6"/>
+    <p:sldId id="261" r:id="rId7"/>
+    <p:sldId id="262" r:id="rId8"/>
+    <p:sldId id="263" r:id="rId9"/>
+    <p:sldId id="264" r:id="rId10"/>
+    <p:sldId id="265" r:id="rId11"/>
   </p:sldIdLst>
   <p:sldSz cx="9144000" cy="5143500" type="screen16x9"/>
   <p:notesSz cx="6858000" cy="9144000"/>
@@ -3509,6 +3517,103 @@
 </p:sld>
 </file>
 
+<file path=ppt/slides/slide10.xml><?xml version="1.0" encoding="utf-8"?>
+<p:sld xmlns:a="http://schemas.openxmlformats.org/drawingml/2006/main" xmlns:r="http://schemas.openxmlformats.org/officeDocument/2006/relationships" xmlns:p="http://schemas.openxmlformats.org/presentationml/2006/main">
+  <p:cSld>
+    <p:spTree>
+      <p:nvGrpSpPr>
+        <p:cNvPr id="1" name=""/>
+        <p:cNvGrpSpPr/>
+        <p:nvPr/>
+      </p:nvGrpSpPr>
+      <p:grpSpPr>
+        <a:xfrm>
+          <a:off x="0" y="0"/>
+          <a:ext cx="0" cy="0"/>
+          <a:chOff x="0" y="0"/>
+          <a:chExt cx="0" cy="0"/>
+        </a:xfrm>
+      </p:grpSpPr>
+      <p:sp>
+        <p:nvSpPr>
+          <p:cNvPr id="2" name="Title 1"/>
+          <p:cNvSpPr>
+            <a:spLocks noGrp="1"/>
+          </p:cNvSpPr>
+          <p:nvPr>
+            <p:ph type="title"/>
+          </p:nvPr>
+        </p:nvSpPr>
+        <p:spPr/>
+        <p:txBody>
+          <a:bodyPr/>
+          <a:lstStyle/>
+          <a:p>
+            <a:pPr lvl="0" indent="0" marL="0">
+              <a:buNone/>
+            </a:pPr>
+            <a:r>
+              <a:rPr/>
+              <a:t>Jejunostomy Video</a:t>
+            </a:r>
+          </a:p>
+        </p:txBody>
+      </p:sp>
+      <p:sp>
+        <p:nvSpPr>
+          <p:cNvPr id="3" name="Content Placeholder 2"/>
+          <p:cNvSpPr>
+            <a:spLocks noGrp="1"/>
+          </p:cNvSpPr>
+          <p:nvPr>
+            <p:ph idx="1" sz="half"/>
+          </p:nvPr>
+        </p:nvSpPr>
+        <p:spPr/>
+        <p:txBody>
+          <a:bodyPr/>
+          <a:lstStyle/>
+          <a:p>
+            <a:pPr lvl="0" indent="0" marL="0">
+              <a:buNone/>
+            </a:pPr>
+            <a:r>
+              <a:rPr/>
+              <a:t>A video is available to help become familiar with the feeding jejunostomy</a:t>
+            </a:r>
+          </a:p>
+        </p:txBody>
+      </p:sp>
+      <p:sp>
+        <p:nvSpPr>
+          <p:cNvPr id="4" name="Content Placeholder 3"/>
+          <p:cNvSpPr>
+            <a:spLocks noGrp="1"/>
+          </p:cNvSpPr>
+          <p:nvPr>
+            <p:ph idx="2" sz="half"/>
+          </p:nvPr>
+        </p:nvSpPr>
+        <p:spPr/>
+        <p:txBody>
+          <a:bodyPr/>
+          <a:lstStyle/>
+          <a:p>
+            <a:pPr lvl="0" indent="0" marL="0">
+              <a:buNone/>
+            </a:pPr>
+            <a:r>
+              <a:rPr/>
+              <a:t>Gastrostomy = Stomach </a:t>
+            </a:r>
+          </a:p>
+        </p:txBody>
+      </p:sp>
+    </p:spTree>
+  </p:cSld>
+</p:sld>
+</file>
+
 <file path=ppt/slides/slide2.xml><?xml version="1.0" encoding="utf-8"?>
 <p:sld xmlns:a="http://schemas.openxmlformats.org/drawingml/2006/main" xmlns:r="http://schemas.openxmlformats.org/officeDocument/2006/relationships" xmlns:p="http://schemas.openxmlformats.org/presentationml/2006/main">
   <p:cSld>
@@ -3528,11 +3633,150 @@
       </p:grpSpPr>
       <p:sp>
         <p:nvSpPr>
+          <p:cNvPr id="2" name="Title 1"/>
+          <p:cNvSpPr>
+            <a:spLocks noGrp="1"/>
+          </p:cNvSpPr>
+          <p:nvPr>
+            <p:ph type="title"/>
+          </p:nvPr>
+        </p:nvSpPr>
+        <p:spPr/>
+        <p:txBody>
+          <a:bodyPr/>
+          <a:lstStyle/>
+          <a:p>
+            <a:pPr lvl="0" indent="0" marL="0">
+              <a:buNone/>
+            </a:pPr>
+            <a:r>
+              <a:rPr/>
+              <a:t>GI Tract Anatomy</a:t>
+            </a:r>
+          </a:p>
+        </p:txBody>
+      </p:sp>
+      <p:sp>
+        <p:nvSpPr>
           <p:cNvPr id="3" name="Content Placeholder 2"/>
           <p:cNvSpPr>
             <a:spLocks noGrp="1"/>
           </p:cNvSpPr>
           <p:nvPr>
+            <p:ph idx="1" sz="half"/>
+          </p:nvPr>
+        </p:nvSpPr>
+        <p:spPr/>
+        <p:txBody>
+          <a:bodyPr/>
+          <a:lstStyle/>
+          <a:p>
+            <a:pPr lvl="0"/>
+            <a:r>
+              <a:rPr/>
+              <a:t>Esophagus delivers food to the stomach</a:t>
+            </a:r>
+          </a:p>
+          <a:p>
+            <a:pPr lvl="0"/>
+            <a:r>
+              <a:rPr/>
+              <a:t>Stomach stores food and delivers it in small quantities to the jejunum</a:t>
+            </a:r>
+          </a:p>
+          <a:p>
+            <a:pPr lvl="0"/>
+            <a:r>
+              <a:rPr/>
+              <a:t>Jejunum begins digestion in the small intestines</a:t>
+            </a:r>
+          </a:p>
+        </p:txBody>
+      </p:sp>
+      <p:pic>
+        <p:nvPicPr>
+          <p:cNvPr descr="https://deidt7p41jzcy.cloudfront.net/Eso_Anatomy_Labels.png" id="0" name="Picture 1"/>
+          <p:cNvPicPr>
+            <a:picLocks noGrp="1" noChangeAspect="1"/>
+          </p:cNvPicPr>
+          <p:nvPr/>
+        </p:nvPicPr>
+        <p:blipFill>
+          <a:blip r:embed="rId2"/>
+          <a:stretch>
+            <a:fillRect/>
+          </a:stretch>
+        </p:blipFill>
+        <p:spPr bwMode="auto">
+          <a:xfrm>
+            <a:off x="5016500" y="1193800"/>
+            <a:ext cx="3302000" cy="3390900"/>
+          </a:xfrm>
+          <a:prstGeom prst="rect">
+            <a:avLst/>
+          </a:prstGeom>
+          <a:noFill/>
+          <a:ln w="9525">
+            <a:noFill/>
+            <a:headEnd/>
+            <a:tailEnd/>
+          </a:ln>
+        </p:spPr>
+      </p:pic>
+    </p:spTree>
+  </p:cSld>
+</p:sld>
+</file>
+
+<file path=ppt/slides/slide3.xml><?xml version="1.0" encoding="utf-8"?>
+<p:sld xmlns:a="http://schemas.openxmlformats.org/drawingml/2006/main" xmlns:r="http://schemas.openxmlformats.org/officeDocument/2006/relationships" xmlns:p="http://schemas.openxmlformats.org/presentationml/2006/main">
+  <p:cSld>
+    <p:spTree>
+      <p:nvGrpSpPr>
+        <p:cNvPr id="1" name=""/>
+        <p:cNvGrpSpPr/>
+        <p:nvPr/>
+      </p:nvGrpSpPr>
+      <p:grpSpPr>
+        <a:xfrm>
+          <a:off x="0" y="0"/>
+          <a:ext cx="0" cy="0"/>
+          <a:chOff x="0" y="0"/>
+          <a:chExt cx="0" cy="0"/>
+        </a:xfrm>
+      </p:grpSpPr>
+      <p:sp>
+        <p:nvSpPr>
+          <p:cNvPr id="2" name="Title 1"/>
+          <p:cNvSpPr>
+            <a:spLocks noGrp="1"/>
+          </p:cNvSpPr>
+          <p:nvPr>
+            <p:ph type="title"/>
+          </p:nvPr>
+        </p:nvSpPr>
+        <p:spPr/>
+        <p:txBody>
+          <a:bodyPr/>
+          <a:lstStyle/>
+          <a:p>
+            <a:pPr lvl="0" indent="0" marL="0">
+              <a:buNone/>
+            </a:pPr>
+            <a:r>
+              <a:rPr/>
+              <a:t>Protein Needs</a:t>
+            </a:r>
+          </a:p>
+        </p:txBody>
+      </p:sp>
+      <p:sp>
+        <p:nvSpPr>
+          <p:cNvPr id="3" name="Content Placeholder 2"/>
+          <p:cNvSpPr>
+            <a:spLocks noGrp="1"/>
+          </p:cNvSpPr>
+          <p:nvPr>
             <p:ph idx="1"/>
           </p:nvPr>
         </p:nvSpPr>
@@ -3541,12 +3785,568 @@
           <a:bodyPr/>
           <a:lstStyle/>
           <a:p>
+            <a:pPr lvl="0"/>
+            <a:r>
+              <a:rPr/>
+              <a:t>Men: Average 75 grams/day</a:t>
+            </a:r>
+          </a:p>
+          <a:p>
+            <a:pPr lvl="0"/>
+            <a:r>
+              <a:rPr/>
+              <a:t>Women: Average 60 grams/day</a:t>
+            </a:r>
+          </a:p>
+        </p:txBody>
+      </p:sp>
+    </p:spTree>
+  </p:cSld>
+</p:sld>
+</file>
+
+<file path=ppt/slides/slide4.xml><?xml version="1.0" encoding="utf-8"?>
+<p:sld xmlns:a="http://schemas.openxmlformats.org/drawingml/2006/main" xmlns:r="http://schemas.openxmlformats.org/officeDocument/2006/relationships" xmlns:p="http://schemas.openxmlformats.org/presentationml/2006/main">
+  <p:cSld>
+    <p:spTree>
+      <p:nvGrpSpPr>
+        <p:cNvPr id="1" name=""/>
+        <p:cNvGrpSpPr/>
+        <p:nvPr/>
+      </p:nvGrpSpPr>
+      <p:grpSpPr>
+        <a:xfrm>
+          <a:off x="0" y="0"/>
+          <a:ext cx="0" cy="0"/>
+          <a:chOff x="0" y="0"/>
+          <a:chExt cx="0" cy="0"/>
+        </a:xfrm>
+      </p:grpSpPr>
+      <p:sp>
+        <p:nvSpPr>
+          <p:cNvPr id="2" name="Title 1"/>
+          <p:cNvSpPr>
+            <a:spLocks noGrp="1"/>
+          </p:cNvSpPr>
+          <p:nvPr>
+            <p:ph type="title"/>
+          </p:nvPr>
+        </p:nvSpPr>
+        <p:spPr/>
+        <p:txBody>
+          <a:bodyPr/>
+          <a:lstStyle/>
+          <a:p>
             <a:pPr lvl="0" indent="0" marL="0">
               <a:buNone/>
             </a:pPr>
             <a:r>
               <a:rPr/>
-              <a:t>{{ &lt; include lci_nutrition_guts.qmd &gt; }}</a:t>
+              <a:t>Protein Shakes</a:t>
+            </a:r>
+          </a:p>
+        </p:txBody>
+      </p:sp>
+      <p:sp>
+        <p:nvSpPr>
+          <p:cNvPr id="3" name="Content Placeholder 2"/>
+          <p:cNvSpPr>
+            <a:spLocks noGrp="1"/>
+          </p:cNvSpPr>
+          <p:nvPr>
+            <p:ph idx="1" sz="half"/>
+          </p:nvPr>
+        </p:nvSpPr>
+        <p:spPr/>
+        <p:txBody>
+          <a:bodyPr/>
+          <a:lstStyle/>
+          <a:p>
+            <a:pPr lvl="0" indent="0" marL="0">
+              <a:buNone/>
+            </a:pPr>
+            <a:r>
+              <a:rPr/>
+              <a:t>Protein Shakes can provide protein with minimal sugar</a:t>
+            </a:r>
+          </a:p>
+        </p:txBody>
+      </p:sp>
+      <p:sp>
+        <p:nvSpPr>
+          <p:cNvPr id="4" name="Content Placeholder 3"/>
+          <p:cNvSpPr>
+            <a:spLocks noGrp="1"/>
+          </p:cNvSpPr>
+          <p:nvPr>
+            <p:ph idx="2" sz="half"/>
+          </p:nvPr>
+        </p:nvSpPr>
+        <p:spPr/>
+        <p:txBody>
+          <a:bodyPr/>
+          <a:lstStyle/>
+          <a:p>
+            <a:pPr lvl="0" indent="0" marL="0">
+              <a:buNone/>
+            </a:pPr>
+            <a:r>
+              <a:rPr/>
+              <a:t>Protein Shakes </a:t>
+            </a:r>
+          </a:p>
+        </p:txBody>
+      </p:sp>
+    </p:spTree>
+  </p:cSld>
+</p:sld>
+</file>
+
+<file path=ppt/slides/slide5.xml><?xml version="1.0" encoding="utf-8"?>
+<p:sld xmlns:a="http://schemas.openxmlformats.org/drawingml/2006/main" xmlns:r="http://schemas.openxmlformats.org/officeDocument/2006/relationships" xmlns:p="http://schemas.openxmlformats.org/presentationml/2006/main">
+  <p:cSld>
+    <p:spTree>
+      <p:nvGrpSpPr>
+        <p:cNvPr id="1" name=""/>
+        <p:cNvGrpSpPr/>
+        <p:nvPr/>
+      </p:nvGrpSpPr>
+      <p:grpSpPr>
+        <a:xfrm>
+          <a:off x="0" y="0"/>
+          <a:ext cx="0" cy="0"/>
+          <a:chOff x="0" y="0"/>
+          <a:chExt cx="0" cy="0"/>
+        </a:xfrm>
+      </p:grpSpPr>
+      <p:sp>
+        <p:nvSpPr>
+          <p:cNvPr id="2" name="Title 1"/>
+          <p:cNvSpPr>
+            <a:spLocks noGrp="1"/>
+          </p:cNvSpPr>
+          <p:nvPr>
+            <p:ph type="title"/>
+          </p:nvPr>
+        </p:nvSpPr>
+        <p:spPr/>
+        <p:txBody>
+          <a:bodyPr/>
+          <a:lstStyle/>
+          <a:p>
+            <a:pPr lvl="0" indent="0" marL="0">
+              <a:buNone/>
+            </a:pPr>
+            <a:r>
+              <a:rPr/>
+              <a:t>Feeding Tubes</a:t>
+            </a:r>
+          </a:p>
+        </p:txBody>
+      </p:sp>
+      <p:sp>
+        <p:nvSpPr>
+          <p:cNvPr id="3" name="Content Placeholder 2"/>
+          <p:cNvSpPr>
+            <a:spLocks noGrp="1"/>
+          </p:cNvSpPr>
+          <p:nvPr>
+            <p:ph idx="1" sz="half"/>
+          </p:nvPr>
+        </p:nvSpPr>
+        <p:spPr/>
+        <p:txBody>
+          <a:bodyPr/>
+          <a:lstStyle/>
+          <a:p>
+            <a:pPr lvl="0" indent="0" marL="0">
+              <a:buNone/>
+            </a:pPr>
+            <a:r>
+              <a:rPr/>
+              <a:t>Jejunostomy = Small Intestine </a:t>
+            </a:r>
+          </a:p>
+        </p:txBody>
+      </p:sp>
+      <p:sp>
+        <p:nvSpPr>
+          <p:cNvPr id="4" name="Content Placeholder 3"/>
+          <p:cNvSpPr>
+            <a:spLocks noGrp="1"/>
+          </p:cNvSpPr>
+          <p:nvPr>
+            <p:ph idx="2" sz="half"/>
+          </p:nvPr>
+        </p:nvSpPr>
+        <p:spPr/>
+        <p:txBody>
+          <a:bodyPr/>
+          <a:lstStyle/>
+          <a:p>
+            <a:pPr lvl="0" indent="0" marL="0">
+              <a:buNone/>
+            </a:pPr>
+            <a:r>
+              <a:rPr/>
+              <a:t>Gastrostomy = Stomach </a:t>
+            </a:r>
+          </a:p>
+        </p:txBody>
+      </p:sp>
+    </p:spTree>
+  </p:cSld>
+</p:sld>
+</file>
+
+<file path=ppt/slides/slide6.xml><?xml version="1.0" encoding="utf-8"?>
+<p:sld xmlns:a="http://schemas.openxmlformats.org/drawingml/2006/main" xmlns:r="http://schemas.openxmlformats.org/officeDocument/2006/relationships" xmlns:p="http://schemas.openxmlformats.org/presentationml/2006/main">
+  <p:cSld>
+    <p:spTree>
+      <p:nvGrpSpPr>
+        <p:cNvPr id="1" name=""/>
+        <p:cNvGrpSpPr/>
+        <p:nvPr/>
+      </p:nvGrpSpPr>
+      <p:grpSpPr>
+        <a:xfrm>
+          <a:off x="0" y="0"/>
+          <a:ext cx="0" cy="0"/>
+          <a:chOff x="0" y="0"/>
+          <a:chExt cx="0" cy="0"/>
+        </a:xfrm>
+      </p:grpSpPr>
+      <p:sp>
+        <p:nvSpPr>
+          <p:cNvPr id="2" name="Title 1"/>
+          <p:cNvSpPr>
+            <a:spLocks noGrp="1"/>
+          </p:cNvSpPr>
+          <p:nvPr>
+            <p:ph type="title"/>
+          </p:nvPr>
+        </p:nvSpPr>
+        <p:spPr/>
+        <p:txBody>
+          <a:bodyPr/>
+          <a:lstStyle/>
+          <a:p>
+            <a:pPr lvl="0" indent="0" marL="0">
+              <a:buNone/>
+            </a:pPr>
+            <a:r>
+              <a:rPr/>
+              <a:t>Gastrostomy Tube</a:t>
+            </a:r>
+          </a:p>
+        </p:txBody>
+      </p:sp>
+      <p:sp>
+        <p:nvSpPr>
+          <p:cNvPr id="3" name="Content Placeholder 2"/>
+          <p:cNvSpPr>
+            <a:spLocks noGrp="1"/>
+          </p:cNvSpPr>
+          <p:nvPr>
+            <p:ph idx="1"/>
+          </p:nvPr>
+        </p:nvSpPr>
+        <p:spPr/>
+        <p:txBody>
+          <a:bodyPr/>
+          <a:lstStyle/>
+          <a:p>
+            <a:pPr lvl="0" indent="0" marL="0">
+              <a:buNone/>
+            </a:pPr>
+            <a:r>
+              <a:rPr/>
+              <a:t>Feeding Gastrostomy</a:t>
+            </a:r>
+          </a:p>
+          <a:p>
+            <a:pPr lvl="0"/>
+            <a:r>
+              <a:rPr/>
+              <a:t>Feeding with a syringe several times per day.</a:t>
+            </a:r>
+          </a:p>
+          <a:p>
+            <a:pPr lvl="0"/>
+            <a:r>
+              <a:rPr/>
+              <a:t>Tube can be hidden underneath clothing</a:t>
+            </a:r>
+          </a:p>
+          <a:p>
+            <a:pPr lvl="0"/>
+            <a:r>
+              <a:rPr/>
+              <a:t>Tube does not interfere with eating by mouth</a:t>
+            </a:r>
+          </a:p>
+          <a:p>
+            <a:pPr lvl="0"/>
+            <a:r>
+              <a:rPr/>
+              <a:t>Removed easily in the office when no longer needed</a:t>
+            </a:r>
+          </a:p>
+        </p:txBody>
+      </p:sp>
+    </p:spTree>
+  </p:cSld>
+</p:sld>
+</file>
+
+<file path=ppt/slides/slide7.xml><?xml version="1.0" encoding="utf-8"?>
+<p:sld xmlns:a="http://schemas.openxmlformats.org/drawingml/2006/main" xmlns:r="http://schemas.openxmlformats.org/officeDocument/2006/relationships" xmlns:p="http://schemas.openxmlformats.org/presentationml/2006/main">
+  <p:cSld>
+    <p:spTree>
+      <p:nvGrpSpPr>
+        <p:cNvPr id="1" name=""/>
+        <p:cNvGrpSpPr/>
+        <p:nvPr/>
+      </p:nvGrpSpPr>
+      <p:grpSpPr>
+        <a:xfrm>
+          <a:off x="0" y="0"/>
+          <a:ext cx="0" cy="0"/>
+          <a:chOff x="0" y="0"/>
+          <a:chExt cx="0" cy="0"/>
+        </a:xfrm>
+      </p:grpSpPr>
+      <p:sp>
+        <p:nvSpPr>
+          <p:cNvPr id="2" name="Title 1"/>
+          <p:cNvSpPr>
+            <a:spLocks noGrp="1"/>
+          </p:cNvSpPr>
+          <p:nvPr>
+            <p:ph type="title"/>
+          </p:nvPr>
+        </p:nvSpPr>
+        <p:spPr/>
+        <p:txBody>
+          <a:bodyPr/>
+          <a:lstStyle/>
+          <a:p>
+            <a:pPr lvl="0" indent="0" marL="0">
+              <a:buNone/>
+            </a:pPr>
+            <a:r>
+              <a:rPr/>
+              <a:t>Gastrostomy Tube Methods</a:t>
+            </a:r>
+          </a:p>
+        </p:txBody>
+      </p:sp>
+      <p:sp>
+        <p:nvSpPr>
+          <p:cNvPr id="3" name="Content Placeholder 2"/>
+          <p:cNvSpPr>
+            <a:spLocks noGrp="1"/>
+          </p:cNvSpPr>
+          <p:nvPr>
+            <p:ph idx="1"/>
+          </p:nvPr>
+        </p:nvSpPr>
+        <p:spPr/>
+        <p:txBody>
+          <a:bodyPr/>
+          <a:lstStyle/>
+          <a:p>
+            <a:pPr lvl="0" indent="0" marL="0">
+              <a:buNone/>
+            </a:pPr>
+            <a:r>
+              <a:rPr/>
+              <a:t>A gastrostomy tube can be placed either by endoscopy, which is called a PEG tube</a:t>
+            </a:r>
+          </a:p>
+          <a:p>
+            <a:pPr lvl="0" indent="0" marL="0">
+              <a:buNone/>
+            </a:pPr>
+            <a:r>
+              <a:rPr/>
+              <a:t>A gastrostomy tube can also be placed by laparoscopy, which is usually preferred if surgery on the esophagus is planned in the future.</a:t>
+            </a:r>
+          </a:p>
+          <a:p>
+            <a:pPr lvl="0" indent="0" marL="0">
+              <a:buNone/>
+            </a:pPr>
+            <a:r>
+              <a:rPr/>
+              <a:t>Your surgeon will help you decide which kind of tube is best for you. This is especially important if you will need esophageal surgery in the future, as the stomach is frequently used to make a new esophagus</a:t>
+            </a:r>
+          </a:p>
+        </p:txBody>
+      </p:sp>
+    </p:spTree>
+  </p:cSld>
+</p:sld>
+</file>
+
+<file path=ppt/slides/slide8.xml><?xml version="1.0" encoding="utf-8"?>
+<p:sld xmlns:a="http://schemas.openxmlformats.org/drawingml/2006/main" xmlns:r="http://schemas.openxmlformats.org/officeDocument/2006/relationships" xmlns:p="http://schemas.openxmlformats.org/presentationml/2006/main">
+  <p:cSld>
+    <p:spTree>
+      <p:nvGrpSpPr>
+        <p:cNvPr id="1" name=""/>
+        <p:cNvGrpSpPr/>
+        <p:nvPr/>
+      </p:nvGrpSpPr>
+      <p:grpSpPr>
+        <a:xfrm>
+          <a:off x="0" y="0"/>
+          <a:ext cx="0" cy="0"/>
+          <a:chOff x="0" y="0"/>
+          <a:chExt cx="0" cy="0"/>
+        </a:xfrm>
+      </p:grpSpPr>
+      <p:sp>
+        <p:nvSpPr>
+          <p:cNvPr id="2" name="Title 1"/>
+          <p:cNvSpPr>
+            <a:spLocks noGrp="1"/>
+          </p:cNvSpPr>
+          <p:nvPr>
+            <p:ph type="title"/>
+          </p:nvPr>
+        </p:nvSpPr>
+        <p:spPr/>
+        <p:txBody>
+          <a:bodyPr/>
+          <a:lstStyle/>
+          <a:p>
+            <a:pPr lvl="0" indent="0" marL="0">
+              <a:buNone/>
+            </a:pPr>
+            <a:r>
+              <a:rPr/>
+              <a:t>Gastrostomy Tube</a:t>
+            </a:r>
+          </a:p>
+        </p:txBody>
+      </p:sp>
+      <p:sp>
+        <p:nvSpPr>
+          <p:cNvPr id="3" name="Content Placeholder 2"/>
+          <p:cNvSpPr>
+            <a:spLocks noGrp="1"/>
+          </p:cNvSpPr>
+          <p:nvPr>
+            <p:ph idx="1"/>
+          </p:nvPr>
+        </p:nvSpPr>
+        <p:spPr/>
+        <p:txBody>
+          <a:bodyPr/>
+          <a:lstStyle/>
+          <a:p>
+            <a:pPr lvl="0"/>
+            <a:r>
+              <a:rPr/>
+              <a:t>Outpatient Placement (go home the same day)</a:t>
+            </a:r>
+          </a:p>
+          <a:p>
+            <a:pPr lvl="0"/>
+            <a:r>
+              <a:rPr/>
+              <a:t>Central venous port can be placed at the same time (if needed)</a:t>
+            </a:r>
+          </a:p>
+        </p:txBody>
+      </p:sp>
+    </p:spTree>
+  </p:cSld>
+</p:sld>
+</file>
+
+<file path=ppt/slides/slide9.xml><?xml version="1.0" encoding="utf-8"?>
+<p:sld xmlns:a="http://schemas.openxmlformats.org/drawingml/2006/main" xmlns:r="http://schemas.openxmlformats.org/officeDocument/2006/relationships" xmlns:p="http://schemas.openxmlformats.org/presentationml/2006/main">
+  <p:cSld>
+    <p:spTree>
+      <p:nvGrpSpPr>
+        <p:cNvPr id="1" name=""/>
+        <p:cNvGrpSpPr/>
+        <p:nvPr/>
+      </p:nvGrpSpPr>
+      <p:grpSpPr>
+        <a:xfrm>
+          <a:off x="0" y="0"/>
+          <a:ext cx="0" cy="0"/>
+          <a:chOff x="0" y="0"/>
+          <a:chExt cx="0" cy="0"/>
+        </a:xfrm>
+      </p:grpSpPr>
+      <p:sp>
+        <p:nvSpPr>
+          <p:cNvPr id="2" name="Title 1"/>
+          <p:cNvSpPr>
+            <a:spLocks noGrp="1"/>
+          </p:cNvSpPr>
+          <p:nvPr>
+            <p:ph type="title"/>
+          </p:nvPr>
+        </p:nvSpPr>
+        <p:spPr/>
+        <p:txBody>
+          <a:bodyPr/>
+          <a:lstStyle/>
+          <a:p>
+            <a:pPr lvl="0" indent="0" marL="0">
+              <a:buNone/>
+            </a:pPr>
+            <a:r>
+              <a:rPr/>
+              <a:t>Jejunostomy tube</a:t>
+            </a:r>
+          </a:p>
+        </p:txBody>
+      </p:sp>
+      <p:sp>
+        <p:nvSpPr>
+          <p:cNvPr id="3" name="Content Placeholder 2"/>
+          <p:cNvSpPr>
+            <a:spLocks noGrp="1"/>
+          </p:cNvSpPr>
+          <p:nvPr>
+            <p:ph idx="1"/>
+          </p:nvPr>
+        </p:nvSpPr>
+        <p:spPr/>
+        <p:txBody>
+          <a:bodyPr/>
+          <a:lstStyle/>
+          <a:p>
+            <a:pPr lvl="0" indent="0" marL="0">
+              <a:buNone/>
+            </a:pPr>
+            <a:r>
+              <a:rPr/>
+              <a:t>The other type of feeding tube is a jejunostomy.</a:t>
+            </a:r>
+          </a:p>
+          <a:p>
+            <a:pPr lvl="0" indent="0" marL="0">
+              <a:buNone/>
+            </a:pPr>
+            <a:r>
+              <a:rPr/>
+              <a:t>A jejunostomy tube tube is placed into the small intestines. Because the small intestine is used to receiving food in small quantities, a jejunostomy tube requires the use of a pump to deliver feedings gradually over a matter of hours.</a:t>
+            </a:r>
+          </a:p>
+          <a:p>
+            <a:pPr lvl="0" indent="0" marL="0">
+              <a:buNone/>
+            </a:pPr>
+            <a:r>
+              <a:rPr/>
+              <a:t>In general, feedings are done at night in order to allow you to be active during the day</a:t>
             </a:r>
           </a:p>
         </p:txBody>

--- a/lci_nutrition.pptx
+++ b/lci_nutrition.pptx
@@ -3584,31 +3584,36 @@
           </a:p>
         </p:txBody>
       </p:sp>
-      <p:sp>
-        <p:nvSpPr>
-          <p:cNvPr id="4" name="Content Placeholder 3"/>
-          <p:cNvSpPr>
-            <a:spLocks noGrp="1"/>
-          </p:cNvSpPr>
-          <p:nvPr>
-            <p:ph idx="2" sz="half"/>
-          </p:nvPr>
-        </p:nvSpPr>
-        <p:spPr/>
-        <p:txBody>
-          <a:bodyPr/>
-          <a:lstStyle/>
-          <a:p>
-            <a:pPr lvl="0" indent="0" marL="0">
-              <a:buNone/>
-            </a:pPr>
-            <a:r>
-              <a:rPr/>
-              <a:t>Gastrostomy = Stomach </a:t>
-            </a:r>
-          </a:p>
-        </p:txBody>
-      </p:sp>
+      <p:pic>
+        <p:nvPicPr>
+          <p:cNvPr descr="https://deidt7p41jzcy.cloudfront.net/jejunostomy_qrcode.png" id="0" name="Picture 1"/>
+          <p:cNvPicPr>
+            <a:picLocks noGrp="1" noChangeAspect="1"/>
+          </p:cNvPicPr>
+          <p:nvPr/>
+        </p:nvPicPr>
+        <p:blipFill>
+          <a:blip r:embed="rId2"/>
+          <a:stretch>
+            <a:fillRect/>
+          </a:stretch>
+        </p:blipFill>
+        <p:spPr bwMode="auto">
+          <a:xfrm>
+            <a:off x="5156200" y="1193800"/>
+            <a:ext cx="3022600" cy="3390900"/>
+          </a:xfrm>
+          <a:prstGeom prst="rect">
+            <a:avLst/>
+          </a:prstGeom>
+          <a:noFill/>
+          <a:ln w="9525">
+            <a:noFill/>
+            <a:headEnd/>
+            <a:tailEnd/>
+          </a:ln>
+        </p:spPr>
+      </p:pic>
     </p:spTree>
   </p:cSld>
 </p:sld>

--- a/lci_nutrition.pptx
+++ b/lci_nutrition.pptx
@@ -311,7 +311,7 @@
           <a:p>
             <a:fld id="{241EB5C9-1307-BA42-ABA2-0BC069CD8E7F}" type="datetimeFigureOut">
               <a:rPr lang="en-US" smtClean="0"/>
-              <a:t>1/8/25</a:t>
+              <a:t>1/11/25</a:t>
             </a:fld>
             <a:endParaRPr lang="en-US"/>
           </a:p>
@@ -479,7 +479,7 @@
           <a:p>
             <a:fld id="{241EB5C9-1307-BA42-ABA2-0BC069CD8E7F}" type="datetimeFigureOut">
               <a:rPr lang="en-US" smtClean="0"/>
-              <a:t>1/8/25</a:t>
+              <a:t>1/11/25</a:t>
             </a:fld>
             <a:endParaRPr lang="en-US"/>
           </a:p>
@@ -657,7 +657,7 @@
           <a:p>
             <a:fld id="{241EB5C9-1307-BA42-ABA2-0BC069CD8E7F}" type="datetimeFigureOut">
               <a:rPr lang="en-US" smtClean="0"/>
-              <a:t>1/8/25</a:t>
+              <a:t>1/11/25</a:t>
             </a:fld>
             <a:endParaRPr lang="en-US"/>
           </a:p>
@@ -835,7 +835,7 @@
           <a:p>
             <a:fld id="{241EB5C9-1307-BA42-ABA2-0BC069CD8E7F}" type="datetimeFigureOut">
               <a:rPr lang="en-US" smtClean="0"/>
-              <a:t>1/8/25</a:t>
+              <a:t>1/11/25</a:t>
             </a:fld>
             <a:endParaRPr lang="en-US"/>
           </a:p>
@@ -1054,7 +1054,12 @@
             <p:ph type="title"/>
           </p:nvPr>
         </p:nvSpPr>
-        <p:spPr/>
+        <p:spPr>
+          <a:xfrm>
+            <a:off x="284309" y="205979"/>
+            <a:ext cx="8552330" cy="857250"/>
+          </a:xfrm>
+        </p:spPr>
         <p:txBody>
           <a:bodyPr/>
           <a:lstStyle/>
@@ -1076,7 +1081,12 @@
             <p:ph idx="1"/>
           </p:nvPr>
         </p:nvSpPr>
-        <p:spPr/>
+        <p:spPr>
+          <a:xfrm>
+            <a:off x="284309" y="1200151"/>
+            <a:ext cx="8552330" cy="3737370"/>
+          </a:xfrm>
+        </p:spPr>
         <p:txBody>
           <a:bodyPr/>
           <a:lstStyle>
@@ -1125,71 +1135,6 @@
               <a:rPr lang="en-US" dirty="0"/>
               <a:t>Fifth level</a:t>
             </a:r>
-          </a:p>
-        </p:txBody>
-      </p:sp>
-      <p:sp>
-        <p:nvSpPr>
-          <p:cNvPr id="4" name="Date Placeholder 3"/>
-          <p:cNvSpPr>
-            <a:spLocks noGrp="1"/>
-          </p:cNvSpPr>
-          <p:nvPr>
-            <p:ph type="dt" sz="half" idx="10"/>
-          </p:nvPr>
-        </p:nvSpPr>
-        <p:spPr/>
-        <p:txBody>
-          <a:bodyPr/>
-          <a:lstStyle/>
-          <a:p>
-            <a:fld id="{241EB5C9-1307-BA42-ABA2-0BC069CD8E7F}" type="datetimeFigureOut">
-              <a:rPr lang="en-US" smtClean="0"/>
-              <a:t>1/8/25</a:t>
-            </a:fld>
-            <a:endParaRPr lang="en-US"/>
-          </a:p>
-        </p:txBody>
-      </p:sp>
-      <p:sp>
-        <p:nvSpPr>
-          <p:cNvPr id="5" name="Footer Placeholder 4"/>
-          <p:cNvSpPr>
-            <a:spLocks noGrp="1"/>
-          </p:cNvSpPr>
-          <p:nvPr>
-            <p:ph type="ftr" sz="quarter" idx="11"/>
-          </p:nvPr>
-        </p:nvSpPr>
-        <p:spPr/>
-        <p:txBody>
-          <a:bodyPr/>
-          <a:lstStyle/>
-          <a:p>
-            <a:endParaRPr lang="en-US"/>
-          </a:p>
-        </p:txBody>
-      </p:sp>
-      <p:sp>
-        <p:nvSpPr>
-          <p:cNvPr id="6" name="Slide Number Placeholder 5"/>
-          <p:cNvSpPr>
-            <a:spLocks noGrp="1"/>
-          </p:cNvSpPr>
-          <p:nvPr>
-            <p:ph type="sldNum" sz="quarter" idx="12"/>
-          </p:nvPr>
-        </p:nvSpPr>
-        <p:spPr/>
-        <p:txBody>
-          <a:bodyPr/>
-          <a:lstStyle/>
-          <a:p>
-            <a:fld id="{C5EF2332-01BF-834F-8236-50238282D533}" type="slidenum">
-              <a:rPr lang="en-US" smtClean="0"/>
-              <a:t>‹#›</a:t>
-            </a:fld>
-            <a:endParaRPr lang="en-US"/>
           </a:p>
         </p:txBody>
       </p:sp>
@@ -1406,7 +1351,7 @@
           <a:p>
             <a:fld id="{241EB5C9-1307-BA42-ABA2-0BC069CD8E7F}" type="datetimeFigureOut">
               <a:rPr lang="en-US" smtClean="0"/>
-              <a:t>1/8/25</a:t>
+              <a:t>1/11/25</a:t>
             </a:fld>
             <a:endParaRPr lang="en-US"/>
           </a:p>
@@ -1494,32 +1439,37 @@
             <p:ph type="title"/>
           </p:nvPr>
         </p:nvSpPr>
-        <p:spPr/>
-        <p:txBody>
-          <a:bodyPr/>
-          <a:lstStyle/>
-          <a:p>
-            <a:r>
-              <a:rPr lang="en-US"/>
-              <a:t>Click to edit Master title style</a:t>
-            </a:r>
-          </a:p>
-        </p:txBody>
-      </p:sp>
-      <p:sp>
-        <p:nvSpPr>
-          <p:cNvPr id="3" name="Content Placeholder 2"/>
-          <p:cNvSpPr>
-            <a:spLocks noGrp="1"/>
-          </p:cNvSpPr>
-          <p:nvPr>
-            <p:ph sz="half" idx="1"/>
-          </p:nvPr>
-        </p:nvSpPr>
         <p:spPr>
           <a:xfrm>
-            <a:off x="457200" y="1200151"/>
-            <a:ext cx="4038600" cy="3394472"/>
+            <a:off x="315045" y="205979"/>
+            <a:ext cx="8529278" cy="857250"/>
+          </a:xfrm>
+        </p:spPr>
+        <p:txBody>
+          <a:bodyPr/>
+          <a:lstStyle/>
+          <a:p>
+            <a:r>
+              <a:rPr lang="en-US"/>
+              <a:t>Click to edit Master title style</a:t>
+            </a:r>
+          </a:p>
+        </p:txBody>
+      </p:sp>
+      <p:sp>
+        <p:nvSpPr>
+          <p:cNvPr id="3" name="Content Placeholder 2"/>
+          <p:cNvSpPr>
+            <a:spLocks noGrp="1"/>
+          </p:cNvSpPr>
+          <p:nvPr>
+            <p:ph sz="half" idx="1"/>
+          </p:nvPr>
+        </p:nvSpPr>
+        <p:spPr>
+          <a:xfrm>
+            <a:off x="315045" y="1200151"/>
+            <a:ext cx="4180755" cy="3737370"/>
           </a:xfrm>
         </p:spPr>
         <p:txBody>
@@ -1603,8 +1553,8 @@
         </p:nvSpPr>
         <p:spPr>
           <a:xfrm>
-            <a:off x="4648200" y="1200151"/>
-            <a:ext cx="4038600" cy="3394472"/>
+            <a:off x="4648199" y="1200151"/>
+            <a:ext cx="4196123" cy="3737370"/>
           </a:xfrm>
         </p:spPr>
         <p:txBody>
@@ -1676,71 +1626,6 @@
           </a:p>
         </p:txBody>
       </p:sp>
-      <p:sp>
-        <p:nvSpPr>
-          <p:cNvPr id="5" name="Date Placeholder 4"/>
-          <p:cNvSpPr>
-            <a:spLocks noGrp="1"/>
-          </p:cNvSpPr>
-          <p:nvPr>
-            <p:ph type="dt" sz="half" idx="10"/>
-          </p:nvPr>
-        </p:nvSpPr>
-        <p:spPr/>
-        <p:txBody>
-          <a:bodyPr/>
-          <a:lstStyle/>
-          <a:p>
-            <a:fld id="{241EB5C9-1307-BA42-ABA2-0BC069CD8E7F}" type="datetimeFigureOut">
-              <a:rPr lang="en-US" smtClean="0"/>
-              <a:t>1/8/25</a:t>
-            </a:fld>
-            <a:endParaRPr lang="en-US"/>
-          </a:p>
-        </p:txBody>
-      </p:sp>
-      <p:sp>
-        <p:nvSpPr>
-          <p:cNvPr id="6" name="Footer Placeholder 5"/>
-          <p:cNvSpPr>
-            <a:spLocks noGrp="1"/>
-          </p:cNvSpPr>
-          <p:nvPr>
-            <p:ph type="ftr" sz="quarter" idx="11"/>
-          </p:nvPr>
-        </p:nvSpPr>
-        <p:spPr/>
-        <p:txBody>
-          <a:bodyPr/>
-          <a:lstStyle/>
-          <a:p>
-            <a:endParaRPr lang="en-US"/>
-          </a:p>
-        </p:txBody>
-      </p:sp>
-      <p:sp>
-        <p:nvSpPr>
-          <p:cNvPr id="7" name="Slide Number Placeholder 6"/>
-          <p:cNvSpPr>
-            <a:spLocks noGrp="1"/>
-          </p:cNvSpPr>
-          <p:nvPr>
-            <p:ph type="sldNum" sz="quarter" idx="12"/>
-          </p:nvPr>
-        </p:nvSpPr>
-        <p:spPr/>
-        <p:txBody>
-          <a:bodyPr/>
-          <a:lstStyle/>
-          <a:p>
-            <a:fld id="{C5EF2332-01BF-834F-8236-50238282D533}" type="slidenum">
-              <a:rPr lang="en-US" smtClean="0"/>
-              <a:t>‹#›</a:t>
-            </a:fld>
-            <a:endParaRPr lang="en-US"/>
-          </a:p>
-        </p:txBody>
-      </p:sp>
     </p:spTree>
     <p:extLst>
       <p:ext uri="{BB962C8B-B14F-4D97-AF65-F5344CB8AC3E}">
@@ -2112,7 +1997,7 @@
           <a:p>
             <a:fld id="{241EB5C9-1307-BA42-ABA2-0BC069CD8E7F}" type="datetimeFigureOut">
               <a:rPr lang="en-US" smtClean="0"/>
-              <a:t>1/8/25</a:t>
+              <a:t>1/11/25</a:t>
             </a:fld>
             <a:endParaRPr lang="en-US"/>
           </a:p>
@@ -2229,7 +2114,7 @@
           <a:p>
             <a:fld id="{241EB5C9-1307-BA42-ABA2-0BC069CD8E7F}" type="datetimeFigureOut">
               <a:rPr lang="en-US" smtClean="0"/>
-              <a:t>1/8/25</a:t>
+              <a:t>1/11/25</a:t>
             </a:fld>
             <a:endParaRPr lang="en-US"/>
           </a:p>
@@ -2324,7 +2209,7 @@
           <a:p>
             <a:fld id="{241EB5C9-1307-BA42-ABA2-0BC069CD8E7F}" type="datetimeFigureOut">
               <a:rPr lang="en-US" smtClean="0"/>
-              <a:t>1/8/25</a:t>
+              <a:t>1/11/25</a:t>
             </a:fld>
             <a:endParaRPr lang="en-US"/>
           </a:p>
@@ -2599,7 +2484,7 @@
           <a:p>
             <a:fld id="{241EB5C9-1307-BA42-ABA2-0BC069CD8E7F}" type="datetimeFigureOut">
               <a:rPr lang="en-US" smtClean="0"/>
-              <a:t>1/8/25</a:t>
+              <a:t>1/11/25</a:t>
             </a:fld>
             <a:endParaRPr lang="en-US"/>
           </a:p>
@@ -2851,7 +2736,7 @@
           <a:p>
             <a:fld id="{241EB5C9-1307-BA42-ABA2-0BC069CD8E7F}" type="datetimeFigureOut">
               <a:rPr lang="en-US" smtClean="0"/>
-              <a:t>1/8/25</a:t>
+              <a:t>1/11/25</a:t>
             </a:fld>
             <a:endParaRPr lang="en-US"/>
           </a:p>
@@ -3062,7 +2947,7 @@
           <a:p>
             <a:fld id="{241EB5C9-1307-BA42-ABA2-0BC069CD8E7F}" type="datetimeFigureOut">
               <a:rPr lang="en-US" smtClean="0"/>
-              <a:t>1/8/25</a:t>
+              <a:t>1/11/25</a:t>
             </a:fld>
             <a:endParaRPr lang="en-US"/>
           </a:p>
@@ -3544,7 +3429,12 @@
             <p:ph type="title"/>
           </p:nvPr>
         </p:nvSpPr>
-        <p:spPr/>
+        <p:spPr>
+          <a:xfrm>
+            <a:off x="315045" y="205979"/>
+            <a:ext cx="8529278" cy="857250"/>
+          </a:xfrm>
+        </p:spPr>
         <p:txBody>
           <a:bodyPr/>
           <a:lstStyle/>
@@ -3600,8 +3490,8 @@
         </p:blipFill>
         <p:spPr bwMode="auto">
           <a:xfrm>
-            <a:off x="5156200" y="1193800"/>
-            <a:ext cx="3022600" cy="3390900"/>
+            <a:off x="5067300" y="1193800"/>
+            <a:ext cx="3327400" cy="3733800"/>
           </a:xfrm>
           <a:prstGeom prst="rect">
             <a:avLst/>
@@ -3646,7 +3536,12 @@
             <p:ph type="title"/>
           </p:nvPr>
         </p:nvSpPr>
-        <p:spPr/>
+        <p:spPr>
+          <a:xfrm>
+            <a:off x="315045" y="205979"/>
+            <a:ext cx="8529278" cy="857250"/>
+          </a:xfrm>
+        </p:spPr>
         <p:txBody>
           <a:bodyPr/>
           <a:lstStyle/>
@@ -3714,8 +3609,8 @@
         </p:blipFill>
         <p:spPr bwMode="auto">
           <a:xfrm>
-            <a:off x="5016500" y="1193800"/>
-            <a:ext cx="3302000" cy="3390900"/>
+            <a:off x="4914900" y="1193800"/>
+            <a:ext cx="3632200" cy="3733800"/>
           </a:xfrm>
           <a:prstGeom prst="rect">
             <a:avLst/>
@@ -3760,7 +3655,12 @@
             <p:ph type="title"/>
           </p:nvPr>
         </p:nvSpPr>
-        <p:spPr/>
+        <p:spPr>
+          <a:xfrm>
+            <a:off x="284309" y="205979"/>
+            <a:ext cx="8552330" cy="857250"/>
+          </a:xfrm>
+        </p:spPr>
         <p:txBody>
           <a:bodyPr/>
           <a:lstStyle/>
@@ -3837,7 +3737,12 @@
             <p:ph type="title"/>
           </p:nvPr>
         </p:nvSpPr>
-        <p:spPr/>
+        <p:spPr>
+          <a:xfrm>
+            <a:off x="315045" y="205979"/>
+            <a:ext cx="8529278" cy="857250"/>
+          </a:xfrm>
+        </p:spPr>
         <p:txBody>
           <a:bodyPr/>
           <a:lstStyle/>
@@ -3934,7 +3839,12 @@
             <p:ph type="title"/>
           </p:nvPr>
         </p:nvSpPr>
-        <p:spPr/>
+        <p:spPr>
+          <a:xfrm>
+            <a:off x="315045" y="205979"/>
+            <a:ext cx="8529278" cy="857250"/>
+          </a:xfrm>
+        </p:spPr>
         <p:txBody>
           <a:bodyPr/>
           <a:lstStyle/>
@@ -4031,7 +3941,12 @@
             <p:ph type="title"/>
           </p:nvPr>
         </p:nvSpPr>
-        <p:spPr/>
+        <p:spPr>
+          <a:xfrm>
+            <a:off x="284309" y="205979"/>
+            <a:ext cx="8552330" cy="857250"/>
+          </a:xfrm>
+        </p:spPr>
         <p:txBody>
           <a:bodyPr/>
           <a:lstStyle/>
@@ -4131,7 +4046,12 @@
             <p:ph type="title"/>
           </p:nvPr>
         </p:nvSpPr>
-        <p:spPr/>
+        <p:spPr>
+          <a:xfrm>
+            <a:off x="284309" y="205979"/>
+            <a:ext cx="8552330" cy="857250"/>
+          </a:xfrm>
+        </p:spPr>
         <p:txBody>
           <a:bodyPr/>
           <a:lstStyle/>
@@ -4221,7 +4141,12 @@
             <p:ph type="title"/>
           </p:nvPr>
         </p:nvSpPr>
-        <p:spPr/>
+        <p:spPr>
+          <a:xfrm>
+            <a:off x="284309" y="205979"/>
+            <a:ext cx="8552330" cy="857250"/>
+          </a:xfrm>
+        </p:spPr>
         <p:txBody>
           <a:bodyPr/>
           <a:lstStyle/>
@@ -4298,7 +4223,12 @@
             <p:ph type="title"/>
           </p:nvPr>
         </p:nvSpPr>
-        <p:spPr/>
+        <p:spPr>
+          <a:xfrm>
+            <a:off x="284309" y="205979"/>
+            <a:ext cx="8552330" cy="857250"/>
+          </a:xfrm>
+        </p:spPr>
         <p:txBody>
           <a:bodyPr/>
           <a:lstStyle/>

--- a/lci_nutrition.pptx
+++ b/lci_nutrition.pptx
@@ -167,10 +167,16 @@
         </p:spPr>
         <p:txBody>
           <a:bodyPr/>
-          <a:lstStyle/>
-          <a:p>
-            <a:r>
-              <a:rPr lang="en-US"/>
+          <a:lstStyle>
+            <a:lvl1pPr>
+              <a:defRPr baseline="0">
+                <a:latin typeface="Lato Semibold" panose="020F0502020204030203" pitchFamily="34" charset="0"/>
+              </a:defRPr>
+            </a:lvl1pPr>
+          </a:lstStyle>
+          <a:p>
+            <a:r>
+              <a:rPr lang="en-US" dirty="0"/>
               <a:t>Click to edit Master title style</a:t>
             </a:r>
           </a:p>
@@ -304,7 +310,15 @@
             <p:ph type="dt" sz="half" idx="10"/>
           </p:nvPr>
         </p:nvSpPr>
-        <p:spPr/>
+        <p:spPr>
+          <a:xfrm>
+            <a:off x="457200" y="4767263"/>
+            <a:ext cx="2133600" cy="273844"/>
+          </a:xfrm>
+          <a:prstGeom prst="rect">
+            <a:avLst/>
+          </a:prstGeom>
+        </p:spPr>
         <p:txBody>
           <a:bodyPr/>
           <a:lstStyle/>
@@ -327,7 +341,15 @@
             <p:ph type="ftr" sz="quarter" idx="11"/>
           </p:nvPr>
         </p:nvSpPr>
-        <p:spPr/>
+        <p:spPr>
+          <a:xfrm>
+            <a:off x="3124200" y="4767263"/>
+            <a:ext cx="2895600" cy="273844"/>
+          </a:xfrm>
+          <a:prstGeom prst="rect">
+            <a:avLst/>
+          </a:prstGeom>
+        </p:spPr>
         <p:txBody>
           <a:bodyPr/>
           <a:lstStyle/>
@@ -346,7 +368,15 @@
             <p:ph type="sldNum" sz="quarter" idx="12"/>
           </p:nvPr>
         </p:nvSpPr>
-        <p:spPr/>
+        <p:spPr>
+          <a:xfrm>
+            <a:off x="6553200" y="4767263"/>
+            <a:ext cx="2133600" cy="273844"/>
+          </a:xfrm>
+          <a:prstGeom prst="rect">
+            <a:avLst/>
+          </a:prstGeom>
+        </p:spPr>
         <p:txBody>
           <a:bodyPr/>
           <a:lstStyle/>
@@ -472,7 +502,15 @@
             <p:ph type="dt" sz="half" idx="10"/>
           </p:nvPr>
         </p:nvSpPr>
-        <p:spPr/>
+        <p:spPr>
+          <a:xfrm>
+            <a:off x="457200" y="4767263"/>
+            <a:ext cx="2133600" cy="273844"/>
+          </a:xfrm>
+          <a:prstGeom prst="rect">
+            <a:avLst/>
+          </a:prstGeom>
+        </p:spPr>
         <p:txBody>
           <a:bodyPr/>
           <a:lstStyle/>
@@ -495,7 +533,15 @@
             <p:ph type="ftr" sz="quarter" idx="11"/>
           </p:nvPr>
         </p:nvSpPr>
-        <p:spPr/>
+        <p:spPr>
+          <a:xfrm>
+            <a:off x="3124200" y="4767263"/>
+            <a:ext cx="2895600" cy="273844"/>
+          </a:xfrm>
+          <a:prstGeom prst="rect">
+            <a:avLst/>
+          </a:prstGeom>
+        </p:spPr>
         <p:txBody>
           <a:bodyPr/>
           <a:lstStyle/>
@@ -514,7 +560,15 @@
             <p:ph type="sldNum" sz="quarter" idx="12"/>
           </p:nvPr>
         </p:nvSpPr>
-        <p:spPr/>
+        <p:spPr>
+          <a:xfrm>
+            <a:off x="6553200" y="4767263"/>
+            <a:ext cx="2133600" cy="273844"/>
+          </a:xfrm>
+          <a:prstGeom prst="rect">
+            <a:avLst/>
+          </a:prstGeom>
+        </p:spPr>
         <p:txBody>
           <a:bodyPr/>
           <a:lstStyle/>
@@ -650,7 +704,15 @@
             <p:ph type="dt" sz="half" idx="10"/>
           </p:nvPr>
         </p:nvSpPr>
-        <p:spPr/>
+        <p:spPr>
+          <a:xfrm>
+            <a:off x="457200" y="4767263"/>
+            <a:ext cx="2133600" cy="273844"/>
+          </a:xfrm>
+          <a:prstGeom prst="rect">
+            <a:avLst/>
+          </a:prstGeom>
+        </p:spPr>
         <p:txBody>
           <a:bodyPr/>
           <a:lstStyle/>
@@ -673,7 +735,15 @@
             <p:ph type="ftr" sz="quarter" idx="11"/>
           </p:nvPr>
         </p:nvSpPr>
-        <p:spPr/>
+        <p:spPr>
+          <a:xfrm>
+            <a:off x="3124200" y="4767263"/>
+            <a:ext cx="2895600" cy="273844"/>
+          </a:xfrm>
+          <a:prstGeom prst="rect">
+            <a:avLst/>
+          </a:prstGeom>
+        </p:spPr>
         <p:txBody>
           <a:bodyPr/>
           <a:lstStyle/>
@@ -692,7 +762,15 @@
             <p:ph type="sldNum" sz="quarter" idx="12"/>
           </p:nvPr>
         </p:nvSpPr>
-        <p:spPr/>
+        <p:spPr>
+          <a:xfrm>
+            <a:off x="6553200" y="4767263"/>
+            <a:ext cx="2133600" cy="273844"/>
+          </a:xfrm>
+          <a:prstGeom prst="rect">
+            <a:avLst/>
+          </a:prstGeom>
+        </p:spPr>
         <p:txBody>
           <a:bodyPr/>
           <a:lstStyle/>
@@ -828,7 +906,15 @@
             <p:ph type="dt" sz="half" idx="10"/>
           </p:nvPr>
         </p:nvSpPr>
-        <p:spPr/>
+        <p:spPr>
+          <a:xfrm>
+            <a:off x="457200" y="4767263"/>
+            <a:ext cx="2133600" cy="273844"/>
+          </a:xfrm>
+          <a:prstGeom prst="rect">
+            <a:avLst/>
+          </a:prstGeom>
+        </p:spPr>
         <p:txBody>
           <a:bodyPr/>
           <a:lstStyle/>
@@ -851,7 +937,15 @@
             <p:ph type="ftr" sz="quarter" idx="11"/>
           </p:nvPr>
         </p:nvSpPr>
-        <p:spPr/>
+        <p:spPr>
+          <a:xfrm>
+            <a:off x="3124200" y="4767263"/>
+            <a:ext cx="2895600" cy="273844"/>
+          </a:xfrm>
+          <a:prstGeom prst="rect">
+            <a:avLst/>
+          </a:prstGeom>
+        </p:spPr>
         <p:txBody>
           <a:bodyPr/>
           <a:lstStyle/>
@@ -870,7 +964,15 @@
             <p:ph type="sldNum" sz="quarter" idx="12"/>
           </p:nvPr>
         </p:nvSpPr>
-        <p:spPr/>
+        <p:spPr>
+          <a:xfrm>
+            <a:off x="6553200" y="4767263"/>
+            <a:ext cx="2133600" cy="273844"/>
+          </a:xfrm>
+          <a:prstGeom prst="rect">
+            <a:avLst/>
+          </a:prstGeom>
+        </p:spPr>
         <p:txBody>
           <a:bodyPr/>
           <a:lstStyle/>
@@ -1057,15 +1159,15 @@
         <p:spPr>
           <a:xfrm>
             <a:off x="284309" y="205979"/>
-            <a:ext cx="8552330" cy="857250"/>
-          </a:xfrm>
-        </p:spPr>
-        <p:txBody>
-          <a:bodyPr/>
-          <a:lstStyle/>
-          <a:p>
-            <a:r>
-              <a:rPr lang="en-US"/>
+            <a:ext cx="8552330" cy="662317"/>
+          </a:xfrm>
+        </p:spPr>
+        <p:txBody>
+          <a:bodyPr/>
+          <a:lstStyle/>
+          <a:p>
+            <a:r>
+              <a:rPr lang="en-US" dirty="0"/>
               <a:t>Click to edit Master title style</a:t>
             </a:r>
           </a:p>
@@ -1083,8 +1185,8 @@
         </p:nvSpPr>
         <p:spPr>
           <a:xfrm>
-            <a:off x="284309" y="1200151"/>
-            <a:ext cx="8552330" cy="3737370"/>
+            <a:off x="284309" y="960504"/>
+            <a:ext cx="8552330" cy="3977017"/>
           </a:xfrm>
         </p:spPr>
         <p:txBody>
@@ -1344,7 +1446,15 @@
             <p:ph type="dt" sz="half" idx="10"/>
           </p:nvPr>
         </p:nvSpPr>
-        <p:spPr/>
+        <p:spPr>
+          <a:xfrm>
+            <a:off x="457200" y="4767263"/>
+            <a:ext cx="2133600" cy="273844"/>
+          </a:xfrm>
+          <a:prstGeom prst="rect">
+            <a:avLst/>
+          </a:prstGeom>
+        </p:spPr>
         <p:txBody>
           <a:bodyPr/>
           <a:lstStyle/>
@@ -1367,7 +1477,15 @@
             <p:ph type="ftr" sz="quarter" idx="11"/>
           </p:nvPr>
         </p:nvSpPr>
-        <p:spPr/>
+        <p:spPr>
+          <a:xfrm>
+            <a:off x="3124200" y="4767263"/>
+            <a:ext cx="2895600" cy="273844"/>
+          </a:xfrm>
+          <a:prstGeom prst="rect">
+            <a:avLst/>
+          </a:prstGeom>
+        </p:spPr>
         <p:txBody>
           <a:bodyPr/>
           <a:lstStyle/>
@@ -1386,7 +1504,15 @@
             <p:ph type="sldNum" sz="quarter" idx="12"/>
           </p:nvPr>
         </p:nvSpPr>
-        <p:spPr/>
+        <p:spPr>
+          <a:xfrm>
+            <a:off x="6553200" y="4767263"/>
+            <a:ext cx="2133600" cy="273844"/>
+          </a:xfrm>
+          <a:prstGeom prst="rect">
+            <a:avLst/>
+          </a:prstGeom>
+        </p:spPr>
         <p:txBody>
           <a:bodyPr/>
           <a:lstStyle/>
@@ -1450,7 +1576,7 @@
           <a:lstStyle/>
           <a:p>
             <a:r>
-              <a:rPr lang="en-US"/>
+              <a:rPr lang="en-US" dirty="0"/>
               <a:t>Click to edit Master title style</a:t>
             </a:r>
           </a:p>
@@ -1477,7 +1603,9 @@
           <a:lstStyle>
             <a:lvl1pPr marL="174625" indent="-174625">
               <a:tabLst/>
-              <a:defRPr sz="2800"/>
+              <a:defRPr sz="2800" baseline="0">
+                <a:latin typeface="Lato Medium" panose="020F0502020204030203" pitchFamily="34" charset="0"/>
+              </a:defRPr>
             </a:lvl1pPr>
             <a:lvl2pPr>
               <a:defRPr sz="1800"/>
@@ -1562,7 +1690,9 @@
           <a:lstStyle>
             <a:lvl1pPr marL="174625" indent="-174625">
               <a:tabLst/>
-              <a:defRPr sz="2800"/>
+              <a:defRPr sz="2800" baseline="0">
+                <a:latin typeface="Lato Medium" panose="020F0502020204030203" pitchFamily="34" charset="0"/>
+              </a:defRPr>
             </a:lvl1pPr>
             <a:lvl2pPr>
               <a:defRPr sz="1800"/>
@@ -1990,7 +2120,15 @@
             <p:ph type="dt" sz="half" idx="10"/>
           </p:nvPr>
         </p:nvSpPr>
-        <p:spPr/>
+        <p:spPr>
+          <a:xfrm>
+            <a:off x="457200" y="4767263"/>
+            <a:ext cx="2133600" cy="273844"/>
+          </a:xfrm>
+          <a:prstGeom prst="rect">
+            <a:avLst/>
+          </a:prstGeom>
+        </p:spPr>
         <p:txBody>
           <a:bodyPr/>
           <a:lstStyle/>
@@ -2013,7 +2151,15 @@
             <p:ph type="ftr" sz="quarter" idx="11"/>
           </p:nvPr>
         </p:nvSpPr>
-        <p:spPr/>
+        <p:spPr>
+          <a:xfrm>
+            <a:off x="3124200" y="4767263"/>
+            <a:ext cx="2895600" cy="273844"/>
+          </a:xfrm>
+          <a:prstGeom prst="rect">
+            <a:avLst/>
+          </a:prstGeom>
+        </p:spPr>
         <p:txBody>
           <a:bodyPr/>
           <a:lstStyle/>
@@ -2032,7 +2178,15 @@
             <p:ph type="sldNum" sz="quarter" idx="12"/>
           </p:nvPr>
         </p:nvSpPr>
-        <p:spPr/>
+        <p:spPr>
+          <a:xfrm>
+            <a:off x="6553200" y="4767263"/>
+            <a:ext cx="2133600" cy="273844"/>
+          </a:xfrm>
+          <a:prstGeom prst="rect">
+            <a:avLst/>
+          </a:prstGeom>
+        </p:spPr>
         <p:txBody>
           <a:bodyPr/>
           <a:lstStyle/>
@@ -2088,10 +2242,16 @@
         <p:spPr/>
         <p:txBody>
           <a:bodyPr/>
-          <a:lstStyle/>
-          <a:p>
-            <a:r>
-              <a:rPr lang="en-US"/>
+          <a:lstStyle>
+            <a:lvl1pPr>
+              <a:defRPr baseline="0">
+                <a:latin typeface="Lato Semibold" panose="020F0502020204030203" pitchFamily="34" charset="0"/>
+              </a:defRPr>
+            </a:lvl1pPr>
+          </a:lstStyle>
+          <a:p>
+            <a:r>
+              <a:rPr lang="en-US" dirty="0"/>
               <a:t>Click to edit Master title style</a:t>
             </a:r>
           </a:p>
@@ -2107,7 +2267,15 @@
             <p:ph type="dt" sz="half" idx="10"/>
           </p:nvPr>
         </p:nvSpPr>
-        <p:spPr/>
+        <p:spPr>
+          <a:xfrm>
+            <a:off x="457200" y="4767263"/>
+            <a:ext cx="2133600" cy="273844"/>
+          </a:xfrm>
+          <a:prstGeom prst="rect">
+            <a:avLst/>
+          </a:prstGeom>
+        </p:spPr>
         <p:txBody>
           <a:bodyPr/>
           <a:lstStyle/>
@@ -2130,7 +2298,15 @@
             <p:ph type="ftr" sz="quarter" idx="11"/>
           </p:nvPr>
         </p:nvSpPr>
-        <p:spPr/>
+        <p:spPr>
+          <a:xfrm>
+            <a:off x="3124200" y="4767263"/>
+            <a:ext cx="2895600" cy="273844"/>
+          </a:xfrm>
+          <a:prstGeom prst="rect">
+            <a:avLst/>
+          </a:prstGeom>
+        </p:spPr>
         <p:txBody>
           <a:bodyPr/>
           <a:lstStyle/>
@@ -2149,7 +2325,15 @@
             <p:ph type="sldNum" sz="quarter" idx="12"/>
           </p:nvPr>
         </p:nvSpPr>
-        <p:spPr/>
+        <p:spPr>
+          <a:xfrm>
+            <a:off x="6553200" y="4767263"/>
+            <a:ext cx="2133600" cy="273844"/>
+          </a:xfrm>
+          <a:prstGeom prst="rect">
+            <a:avLst/>
+          </a:prstGeom>
+        </p:spPr>
         <p:txBody>
           <a:bodyPr/>
           <a:lstStyle/>
@@ -2202,7 +2386,15 @@
             <p:ph type="dt" sz="half" idx="10"/>
           </p:nvPr>
         </p:nvSpPr>
-        <p:spPr/>
+        <p:spPr>
+          <a:xfrm>
+            <a:off x="457200" y="4767263"/>
+            <a:ext cx="2133600" cy="273844"/>
+          </a:xfrm>
+          <a:prstGeom prst="rect">
+            <a:avLst/>
+          </a:prstGeom>
+        </p:spPr>
         <p:txBody>
           <a:bodyPr/>
           <a:lstStyle/>
@@ -2225,7 +2417,15 @@
             <p:ph type="ftr" sz="quarter" idx="11"/>
           </p:nvPr>
         </p:nvSpPr>
-        <p:spPr/>
+        <p:spPr>
+          <a:xfrm>
+            <a:off x="3124200" y="4767263"/>
+            <a:ext cx="2895600" cy="273844"/>
+          </a:xfrm>
+          <a:prstGeom prst="rect">
+            <a:avLst/>
+          </a:prstGeom>
+        </p:spPr>
         <p:txBody>
           <a:bodyPr/>
           <a:lstStyle/>
@@ -2244,7 +2444,15 @@
             <p:ph type="sldNum" sz="quarter" idx="12"/>
           </p:nvPr>
         </p:nvSpPr>
-        <p:spPr/>
+        <p:spPr>
+          <a:xfrm>
+            <a:off x="6553200" y="4767263"/>
+            <a:ext cx="2133600" cy="273844"/>
+          </a:xfrm>
+          <a:prstGeom prst="rect">
+            <a:avLst/>
+          </a:prstGeom>
+        </p:spPr>
         <p:txBody>
           <a:bodyPr/>
           <a:lstStyle/>
@@ -2477,7 +2685,15 @@
             <p:ph type="dt" sz="half" idx="10"/>
           </p:nvPr>
         </p:nvSpPr>
-        <p:spPr/>
+        <p:spPr>
+          <a:xfrm>
+            <a:off x="457200" y="4767263"/>
+            <a:ext cx="2133600" cy="273844"/>
+          </a:xfrm>
+          <a:prstGeom prst="rect">
+            <a:avLst/>
+          </a:prstGeom>
+        </p:spPr>
         <p:txBody>
           <a:bodyPr/>
           <a:lstStyle/>
@@ -2500,7 +2716,15 @@
             <p:ph type="ftr" sz="quarter" idx="11"/>
           </p:nvPr>
         </p:nvSpPr>
-        <p:spPr/>
+        <p:spPr>
+          <a:xfrm>
+            <a:off x="3124200" y="4767263"/>
+            <a:ext cx="2895600" cy="273844"/>
+          </a:xfrm>
+          <a:prstGeom prst="rect">
+            <a:avLst/>
+          </a:prstGeom>
+        </p:spPr>
         <p:txBody>
           <a:bodyPr/>
           <a:lstStyle/>
@@ -2519,7 +2743,15 @@
             <p:ph type="sldNum" sz="quarter" idx="12"/>
           </p:nvPr>
         </p:nvSpPr>
-        <p:spPr/>
+        <p:spPr>
+          <a:xfrm>
+            <a:off x="6553200" y="4767263"/>
+            <a:ext cx="2133600" cy="273844"/>
+          </a:xfrm>
+          <a:prstGeom prst="rect">
+            <a:avLst/>
+          </a:prstGeom>
+        </p:spPr>
         <p:txBody>
           <a:bodyPr/>
           <a:lstStyle/>
@@ -2729,7 +2961,15 @@
             <p:ph type="dt" sz="half" idx="10"/>
           </p:nvPr>
         </p:nvSpPr>
-        <p:spPr/>
+        <p:spPr>
+          <a:xfrm>
+            <a:off x="457200" y="4767263"/>
+            <a:ext cx="2133600" cy="273844"/>
+          </a:xfrm>
+          <a:prstGeom prst="rect">
+            <a:avLst/>
+          </a:prstGeom>
+        </p:spPr>
         <p:txBody>
           <a:bodyPr/>
           <a:lstStyle/>
@@ -2752,7 +2992,15 @@
             <p:ph type="ftr" sz="quarter" idx="11"/>
           </p:nvPr>
         </p:nvSpPr>
-        <p:spPr/>
+        <p:spPr>
+          <a:xfrm>
+            <a:off x="3124200" y="4767263"/>
+            <a:ext cx="2895600" cy="273844"/>
+          </a:xfrm>
+          <a:prstGeom prst="rect">
+            <a:avLst/>
+          </a:prstGeom>
+        </p:spPr>
         <p:txBody>
           <a:bodyPr/>
           <a:lstStyle/>
@@ -2771,7 +3019,15 @@
             <p:ph type="sldNum" sz="quarter" idx="12"/>
           </p:nvPr>
         </p:nvSpPr>
-        <p:spPr/>
+        <p:spPr>
+          <a:xfrm>
+            <a:off x="6553200" y="4767263"/>
+            <a:ext cx="2133600" cy="273844"/>
+          </a:xfrm>
+          <a:prstGeom prst="rect">
+            <a:avLst/>
+          </a:prstGeom>
+        </p:spPr>
         <p:txBody>
           <a:bodyPr/>
           <a:lstStyle/>
@@ -2832,7 +3088,7 @@
         <p:spPr>
           <a:xfrm>
             <a:off x="457200" y="205979"/>
-            <a:ext cx="8229600" cy="857250"/>
+            <a:ext cx="8229600" cy="716105"/>
           </a:xfrm>
           <a:prstGeom prst="rect">
             <a:avLst/>
@@ -2845,7 +3101,7 @@
           <a:lstStyle/>
           <a:p>
             <a:r>
-              <a:rPr lang="en-US"/>
+              <a:rPr dirty="0" lang="en-US"/>
               <a:t>Click to edit Master title style</a:t>
             </a:r>
           </a:p>
@@ -2863,8 +3119,8 @@
         </p:nvSpPr>
         <p:spPr>
           <a:xfrm>
-            <a:off x="457200" y="1200151"/>
-            <a:ext cx="8229600" cy="3394472"/>
+            <a:off x="457200" y="998924"/>
+            <a:ext cx="8229600" cy="3938597"/>
           </a:xfrm>
           <a:prstGeom prst="rect">
             <a:avLst/>
@@ -2878,156 +3134,37 @@
           <a:p>
             <a:pPr lvl="0"/>
             <a:r>
-              <a:rPr lang="en-US"/>
+              <a:rPr dirty="0" lang="en-US"/>
               <a:t>Click to edit Master text styles</a:t>
             </a:r>
           </a:p>
           <a:p>
             <a:pPr lvl="1"/>
             <a:r>
-              <a:rPr lang="en-US"/>
+              <a:rPr dirty="0" lang="en-US"/>
               <a:t>Second level</a:t>
             </a:r>
           </a:p>
           <a:p>
             <a:pPr lvl="2"/>
             <a:r>
-              <a:rPr lang="en-US"/>
+              <a:rPr dirty="0" lang="en-US"/>
               <a:t>Third level</a:t>
             </a:r>
           </a:p>
           <a:p>
             <a:pPr lvl="3"/>
             <a:r>
-              <a:rPr lang="en-US"/>
+              <a:rPr dirty="0" lang="en-US"/>
               <a:t>Fourth level</a:t>
             </a:r>
           </a:p>
           <a:p>
             <a:pPr lvl="4"/>
             <a:r>
-              <a:rPr lang="en-US"/>
+              <a:rPr dirty="0" lang="en-US"/>
               <a:t>Fifth level</a:t>
             </a:r>
-          </a:p>
-        </p:txBody>
-      </p:sp>
-      <p:sp>
-        <p:nvSpPr>
-          <p:cNvPr id="4" name="Date Placeholder 3"/>
-          <p:cNvSpPr>
-            <a:spLocks noGrp="1"/>
-          </p:cNvSpPr>
-          <p:nvPr>
-            <p:ph idx="2" sz="half" type="dt"/>
-          </p:nvPr>
-        </p:nvSpPr>
-        <p:spPr>
-          <a:xfrm>
-            <a:off x="457200" y="4767263"/>
-            <a:ext cx="2133600" cy="273844"/>
-          </a:xfrm>
-          <a:prstGeom prst="rect">
-            <a:avLst/>
-          </a:prstGeom>
-        </p:spPr>
-        <p:txBody>
-          <a:bodyPr anchor="ctr" bIns="45720" lIns="91440" rIns="91440" rtlCol="0" tIns="45720" vert="horz"/>
-          <a:lstStyle>
-            <a:lvl1pPr algn="l">
-              <a:defRPr sz="900">
-                <a:solidFill>
-                  <a:schemeClr val="tx1">
-                    <a:tint val="75000"/>
-                  </a:schemeClr>
-                </a:solidFill>
-              </a:defRPr>
-            </a:lvl1pPr>
-          </a:lstStyle>
-          <a:p>
-            <a:fld id="{241EB5C9-1307-BA42-ABA2-0BC069CD8E7F}" type="datetimeFigureOut">
-              <a:rPr lang="en-US" smtClean="0"/>
-              <a:t>1/11/25</a:t>
-            </a:fld>
-            <a:endParaRPr lang="en-US"/>
-          </a:p>
-        </p:txBody>
-      </p:sp>
-      <p:sp>
-        <p:nvSpPr>
-          <p:cNvPr id="5" name="Footer Placeholder 4"/>
-          <p:cNvSpPr>
-            <a:spLocks noGrp="1"/>
-          </p:cNvSpPr>
-          <p:nvPr>
-            <p:ph idx="3" sz="quarter" type="ftr"/>
-          </p:nvPr>
-        </p:nvSpPr>
-        <p:spPr>
-          <a:xfrm>
-            <a:off x="3124200" y="4767263"/>
-            <a:ext cx="2895600" cy="273844"/>
-          </a:xfrm>
-          <a:prstGeom prst="rect">
-            <a:avLst/>
-          </a:prstGeom>
-        </p:spPr>
-        <p:txBody>
-          <a:bodyPr anchor="ctr" bIns="45720" lIns="91440" rIns="91440" rtlCol="0" tIns="45720" vert="horz"/>
-          <a:lstStyle>
-            <a:lvl1pPr algn="ctr">
-              <a:defRPr sz="900">
-                <a:solidFill>
-                  <a:schemeClr val="tx1">
-                    <a:tint val="75000"/>
-                  </a:schemeClr>
-                </a:solidFill>
-              </a:defRPr>
-            </a:lvl1pPr>
-          </a:lstStyle>
-          <a:p>
-            <a:endParaRPr lang="en-US"/>
-          </a:p>
-        </p:txBody>
-      </p:sp>
-      <p:sp>
-        <p:nvSpPr>
-          <p:cNvPr id="6" name="Slide Number Placeholder 5"/>
-          <p:cNvSpPr>
-            <a:spLocks noGrp="1"/>
-          </p:cNvSpPr>
-          <p:nvPr>
-            <p:ph idx="4" sz="quarter" type="sldNum"/>
-          </p:nvPr>
-        </p:nvSpPr>
-        <p:spPr>
-          <a:xfrm>
-            <a:off x="6553200" y="4767263"/>
-            <a:ext cx="2133600" cy="273844"/>
-          </a:xfrm>
-          <a:prstGeom prst="rect">
-            <a:avLst/>
-          </a:prstGeom>
-        </p:spPr>
-        <p:txBody>
-          <a:bodyPr anchor="ctr" bIns="45720" lIns="91440" rIns="91440" rtlCol="0" tIns="45720" vert="horz"/>
-          <a:lstStyle>
-            <a:lvl1pPr algn="r">
-              <a:defRPr sz="900">
-                <a:solidFill>
-                  <a:schemeClr val="tx1">
-                    <a:tint val="75000"/>
-                  </a:schemeClr>
-                </a:solidFill>
-              </a:defRPr>
-            </a:lvl1pPr>
-          </a:lstStyle>
-          <a:p>
-            <a:fld id="{C5EF2332-01BF-834F-8236-50238282D533}" type="slidenum">
-              <a:rPr lang="en-US" smtClean="0"/>
-              <a:t>‹#›</a:t>
-            </a:fld>
-            <a:endParaRPr lang="en-US"/>
           </a:p>
         </p:txBody>
       </p:sp>
@@ -3060,11 +3197,11 @@
           <a:spcPct val="0"/>
         </a:spcBef>
         <a:buNone/>
-        <a:defRPr kern="1200" sz="3300">
+        <a:defRPr baseline="0" kern="1200" sz="3300">
           <a:solidFill>
             <a:schemeClr val="tx1"/>
           </a:solidFill>
-          <a:latin typeface="+mj-lt"/>
+          <a:latin charset="0" panose="020F0502020204030203" pitchFamily="34" typeface="Lato Semibold"/>
           <a:ea typeface="+mj-ea"/>
           <a:cs typeface="+mj-cs"/>
         </a:defRPr>
@@ -3077,11 +3214,11 @@
         </a:spcBef>
         <a:buFont typeface="Arial"/>
         <a:buChar char="•"/>
-        <a:defRPr kern="1200" sz="2400">
+        <a:defRPr baseline="0" kern="1200" sz="2400">
           <a:solidFill>
             <a:schemeClr val="tx1"/>
           </a:solidFill>
-          <a:latin typeface="+mn-lt"/>
+          <a:latin charset="0" panose="020F0502020204030203" pitchFamily="34" typeface="Lato Medium"/>
           <a:ea typeface="+mn-ea"/>
           <a:cs typeface="+mn-cs"/>
         </a:defRPr>
@@ -3092,11 +3229,11 @@
         </a:spcBef>
         <a:buFont typeface="Arial"/>
         <a:buChar char="–"/>
-        <a:defRPr kern="1200" sz="2100">
+        <a:defRPr baseline="0" kern="1200" sz="2100">
           <a:solidFill>
             <a:schemeClr val="tx1"/>
           </a:solidFill>
-          <a:latin typeface="+mn-lt"/>
+          <a:latin charset="0" panose="020F0502020204030203" pitchFamily="34" typeface="Lato Medium"/>
           <a:ea typeface="+mn-ea"/>
           <a:cs typeface="+mn-cs"/>
         </a:defRPr>
@@ -3658,7 +3795,7 @@
         <p:spPr>
           <a:xfrm>
             <a:off x="284309" y="205979"/>
-            <a:ext cx="8552330" cy="857250"/>
+            <a:ext cx="8552330" cy="662317"/>
           </a:xfrm>
         </p:spPr>
         <p:txBody>
@@ -3944,7 +4081,7 @@
         <p:spPr>
           <a:xfrm>
             <a:off x="284309" y="205979"/>
-            <a:ext cx="8552330" cy="857250"/>
+            <a:ext cx="8552330" cy="662317"/>
           </a:xfrm>
         </p:spPr>
         <p:txBody>
@@ -4049,7 +4186,7 @@
         <p:spPr>
           <a:xfrm>
             <a:off x="284309" y="205979"/>
-            <a:ext cx="8552330" cy="857250"/>
+            <a:ext cx="8552330" cy="662317"/>
           </a:xfrm>
         </p:spPr>
         <p:txBody>
@@ -4144,7 +4281,7 @@
         <p:spPr>
           <a:xfrm>
             <a:off x="284309" y="205979"/>
-            <a:ext cx="8552330" cy="857250"/>
+            <a:ext cx="8552330" cy="662317"/>
           </a:xfrm>
         </p:spPr>
         <p:txBody>
@@ -4226,7 +4363,7 @@
         <p:spPr>
           <a:xfrm>
             <a:off x="284309" y="205979"/>
-            <a:ext cx="8552330" cy="857250"/>
+            <a:ext cx="8552330" cy="662317"/>
           </a:xfrm>
         </p:spPr>
         <p:txBody>

--- a/lci_nutrition.pptx
+++ b/lci_nutrition.pptx
@@ -15,6 +15,7 @@
     <p:sldId id="263" r:id="rId9"/>
     <p:sldId id="264" r:id="rId10"/>
     <p:sldId id="265" r:id="rId11"/>
+    <p:sldId id="266" r:id="rId12"/>
   </p:sldIdLst>
   <p:sldSz cx="9144000" cy="5143500" type="screen16x9"/>
   <p:notesSz cx="6858000" cy="9144000"/>
@@ -3568,6 +3569,127 @@
         </p:nvSpPr>
         <p:spPr>
           <a:xfrm>
+            <a:off x="284309" y="205979"/>
+            <a:ext cx="8552330" cy="662317"/>
+          </a:xfrm>
+        </p:spPr>
+        <p:txBody>
+          <a:bodyPr/>
+          <a:lstStyle/>
+          <a:p>
+            <a:pPr lvl="0" indent="0" marL="0">
+              <a:buNone/>
+            </a:pPr>
+            <a:r>
+              <a:rPr/>
+              <a:t>Jejunostomy Feeds with Diabetes</a:t>
+            </a:r>
+          </a:p>
+        </p:txBody>
+      </p:sp>
+      <p:sp>
+        <p:nvSpPr>
+          <p:cNvPr id="3" name="Content Placeholder 2"/>
+          <p:cNvSpPr>
+            <a:spLocks noGrp="1"/>
+          </p:cNvSpPr>
+          <p:nvPr>
+            <p:ph idx="1"/>
+          </p:nvPr>
+        </p:nvSpPr>
+        <p:spPr/>
+        <p:txBody>
+          <a:bodyPr/>
+          <a:lstStyle/>
+          <a:p>
+            <a:pPr lvl="0" indent="0" marL="0">
+              <a:buNone/>
+            </a:pPr>
+            <a:r>
+              <a:rPr/>
+              <a:t>Jejunostomy feedings elevate blood sugars</a:t>
+            </a:r>
+          </a:p>
+          <a:p>
+            <a:pPr lvl="0"/>
+            <a:r>
+              <a:rPr/>
+              <a:t>Insulin may be required along with feeds</a:t>
+            </a:r>
+          </a:p>
+          <a:p>
+            <a:pPr lvl="0" indent="0" marL="0">
+              <a:buNone/>
+            </a:pPr>
+            <a:r>
+              <a:rPr/>
+              <a:t>Typical Pattern for tube feeds</a:t>
+            </a:r>
+          </a:p>
+          <a:p>
+            <a:pPr lvl="0"/>
+            <a:r>
+              <a:rPr/>
+              <a:t>Feeds run via pump from 6pm to 10am</a:t>
+            </a:r>
+          </a:p>
+          <a:p>
+            <a:pPr lvl="0"/>
+            <a:r>
+              <a:rPr/>
+              <a:t>Insulin at 6pm (70/30 insulin)</a:t>
+            </a:r>
+          </a:p>
+          <a:p>
+            <a:pPr lvl="0"/>
+            <a:r>
+              <a:rPr/>
+              <a:t>Insulin at Midnight (70/30 insulin)</a:t>
+            </a:r>
+          </a:p>
+          <a:p>
+            <a:pPr lvl="0"/>
+            <a:r>
+              <a:rPr/>
+              <a:t>No insulin if tube feedings are not run</a:t>
+            </a:r>
+          </a:p>
+        </p:txBody>
+      </p:sp>
+    </p:spTree>
+  </p:cSld>
+</p:sld>
+</file>
+
+<file path=ppt/slides/slide11.xml><?xml version="1.0" encoding="utf-8"?>
+<p:sld xmlns:a="http://schemas.openxmlformats.org/drawingml/2006/main" xmlns:r="http://schemas.openxmlformats.org/officeDocument/2006/relationships" xmlns:p="http://schemas.openxmlformats.org/presentationml/2006/main">
+  <p:cSld>
+    <p:spTree>
+      <p:nvGrpSpPr>
+        <p:cNvPr id="1" name=""/>
+        <p:cNvGrpSpPr/>
+        <p:nvPr/>
+      </p:nvGrpSpPr>
+      <p:grpSpPr>
+        <a:xfrm>
+          <a:off x="0" y="0"/>
+          <a:ext cx="0" cy="0"/>
+          <a:chOff x="0" y="0"/>
+          <a:chExt cx="0" cy="0"/>
+        </a:xfrm>
+      </p:grpSpPr>
+      <p:sp>
+        <p:nvSpPr>
+          <p:cNvPr id="2" name="Title 1"/>
+          <p:cNvSpPr>
+            <a:spLocks noGrp="1"/>
+          </p:cNvSpPr>
+          <p:nvPr>
+            <p:ph type="title"/>
+          </p:nvPr>
+        </p:nvSpPr>
+        <p:spPr>
+          <a:xfrm>
             <a:off x="315045" y="205979"/>
             <a:ext cx="8529278" cy="857250"/>
           </a:xfrm>
@@ -3794,8 +3916,8 @@
         </p:nvSpPr>
         <p:spPr>
           <a:xfrm>
-            <a:off x="284309" y="205979"/>
-            <a:ext cx="8552330" cy="662317"/>
+            <a:off x="315045" y="205979"/>
+            <a:ext cx="8529278" cy="857250"/>
           </a:xfrm>
         </p:spPr>
         <p:txBody>
@@ -3819,7 +3941,7 @@
             <a:spLocks noGrp="1"/>
           </p:cNvSpPr>
           <p:nvPr>
-            <p:ph idx="1"/>
+            <p:ph idx="1" sz="half"/>
           </p:nvPr>
         </p:nvSpPr>
         <p:spPr/>
@@ -3838,6 +3960,40 @@
             <a:r>
               <a:rPr/>
               <a:t>Women: Average 60 grams/day</a:t>
+            </a:r>
+          </a:p>
+          <a:p>
+            <a:pPr lvl="0" indent="0" marL="0">
+              <a:buNone/>
+            </a:pPr>
+            <a:r>
+              <a:rPr/>
+              <a:t>Protein Shakes can provide protein with minimal sugar</a:t>
+            </a:r>
+          </a:p>
+        </p:txBody>
+      </p:sp>
+      <p:sp>
+        <p:nvSpPr>
+          <p:cNvPr id="4" name="Content Placeholder 3"/>
+          <p:cNvSpPr>
+            <a:spLocks noGrp="1"/>
+          </p:cNvSpPr>
+          <p:nvPr>
+            <p:ph idx="2" sz="half"/>
+          </p:nvPr>
+        </p:nvSpPr>
+        <p:spPr/>
+        <p:txBody>
+          <a:bodyPr/>
+          <a:lstStyle/>
+          <a:p>
+            <a:pPr lvl="0" indent="0" marL="0">
+              <a:buNone/>
+            </a:pPr>
+            <a:r>
+              <a:rPr/>
+              <a:t>Protein Shakes </a:t>
             </a:r>
           </a:p>
         </p:txBody>
@@ -3889,7 +4045,7 @@
             </a:pPr>
             <a:r>
               <a:rPr/>
-              <a:t>Protein Shakes</a:t>
+              <a:t>Feeding Tubes</a:t>
             </a:r>
           </a:p>
         </p:txBody>
@@ -3914,7 +4070,7 @@
             </a:pPr>
             <a:r>
               <a:rPr/>
-              <a:t>Protein Shakes can provide protein with minimal sugar</a:t>
+              <a:t>Jejunostomy = Small Intestine </a:t>
             </a:r>
           </a:p>
         </p:txBody>
@@ -3939,7 +4095,7 @@
             </a:pPr>
             <a:r>
               <a:rPr/>
-              <a:t>Protein Shakes </a:t>
+              <a:t>Gastrostomy = Stomach </a:t>
             </a:r>
           </a:p>
         </p:txBody>
@@ -3978,8 +4134,8 @@
         </p:nvSpPr>
         <p:spPr>
           <a:xfrm>
-            <a:off x="315045" y="205979"/>
-            <a:ext cx="8529278" cy="857250"/>
+            <a:off x="284309" y="205979"/>
+            <a:ext cx="8552330" cy="662317"/>
           </a:xfrm>
         </p:spPr>
         <p:txBody>
@@ -3991,7 +4147,7 @@
             </a:pPr>
             <a:r>
               <a:rPr/>
-              <a:t>Feeding Tubes</a:t>
+              <a:t>Gastrostomy Tube</a:t>
             </a:r>
           </a:p>
         </p:txBody>
@@ -4003,7 +4159,7 @@
             <a:spLocks noGrp="1"/>
           </p:cNvSpPr>
           <p:nvPr>
-            <p:ph idx="1" sz="half"/>
+            <p:ph idx="1"/>
           </p:nvPr>
         </p:nvSpPr>
         <p:spPr/>
@@ -4016,32 +4172,35 @@
             </a:pPr>
             <a:r>
               <a:rPr/>
-              <a:t>Jejunostomy = Small Intestine </a:t>
-            </a:r>
-          </a:p>
-        </p:txBody>
-      </p:sp>
-      <p:sp>
-        <p:nvSpPr>
-          <p:cNvPr id="4" name="Content Placeholder 3"/>
-          <p:cNvSpPr>
-            <a:spLocks noGrp="1"/>
-          </p:cNvSpPr>
-          <p:nvPr>
-            <p:ph idx="2" sz="half"/>
-          </p:nvPr>
-        </p:nvSpPr>
-        <p:spPr/>
-        <p:txBody>
-          <a:bodyPr/>
-          <a:lstStyle/>
-          <a:p>
-            <a:pPr lvl="0" indent="0" marL="0">
-              <a:buNone/>
-            </a:pPr>
+              <a:t>Feeding Gastrostomy</a:t>
+            </a:r>
+          </a:p>
+          <a:p>
+            <a:pPr lvl="0"/>
             <a:r>
               <a:rPr/>
-              <a:t>Gastrostomy = Stomach </a:t>
+              <a:t>Feeding with a syringe several times per day.</a:t>
+            </a:r>
+          </a:p>
+          <a:p>
+            <a:pPr lvl="0"/>
+            <a:r>
+              <a:rPr/>
+              <a:t>Tube can be hidden underneath clothing</a:t>
+            </a:r>
+          </a:p>
+          <a:p>
+            <a:pPr lvl="0"/>
+            <a:r>
+              <a:rPr/>
+              <a:t>Tube does not interfere with eating by mouth</a:t>
+            </a:r>
+          </a:p>
+          <a:p>
+            <a:pPr lvl="0"/>
+            <a:r>
+              <a:rPr/>
+              <a:t>Removed easily in the office when no longer needed</a:t>
             </a:r>
           </a:p>
         </p:txBody>
@@ -4093,7 +4252,7 @@
             </a:pPr>
             <a:r>
               <a:rPr/>
-              <a:t>Gastrostomy Tube</a:t>
+              <a:t>Gastrostomy Tube Methods</a:t>
             </a:r>
           </a:p>
         </p:txBody>
@@ -4118,35 +4277,25 @@
             </a:pPr>
             <a:r>
               <a:rPr/>
-              <a:t>Feeding Gastrostomy</a:t>
-            </a:r>
-          </a:p>
-          <a:p>
-            <a:pPr lvl="0"/>
+              <a:t>A gastrostomy tube can be placed either by endoscopy, which is called a PEG tube</a:t>
+            </a:r>
+          </a:p>
+          <a:p>
+            <a:pPr lvl="0" indent="0" marL="0">
+              <a:buNone/>
+            </a:pPr>
             <a:r>
               <a:rPr/>
-              <a:t>Feeding with a syringe several times per day.</a:t>
-            </a:r>
-          </a:p>
-          <a:p>
-            <a:pPr lvl="0"/>
+              <a:t>A gastrostomy tube can also be placed by laparoscopy, which is usually preferred if surgery on the esophagus is planned in the future.</a:t>
+            </a:r>
+          </a:p>
+          <a:p>
+            <a:pPr lvl="0" indent="0" marL="0">
+              <a:buNone/>
+            </a:pPr>
             <a:r>
               <a:rPr/>
-              <a:t>Tube can be hidden underneath clothing</a:t>
-            </a:r>
-          </a:p>
-          <a:p>
-            <a:pPr lvl="0"/>
-            <a:r>
-              <a:rPr/>
-              <a:t>Tube does not interfere with eating by mouth</a:t>
-            </a:r>
-          </a:p>
-          <a:p>
-            <a:pPr lvl="0"/>
-            <a:r>
-              <a:rPr/>
-              <a:t>Removed easily in the office when no longer needed</a:t>
+              <a:t>Your surgeon will help you decide which kind of tube is best for you. This is especially important if you will need esophageal surgery in the future, as the stomach is frequently used to make a new esophagus</a:t>
             </a:r>
           </a:p>
         </p:txBody>
@@ -4198,7 +4347,7 @@
             </a:pPr>
             <a:r>
               <a:rPr/>
-              <a:t>Gastrostomy Tube Methods</a:t>
+              <a:t>Gastrostomy Tube</a:t>
             </a:r>
           </a:p>
         </p:txBody>
@@ -4218,30 +4367,17 @@
           <a:bodyPr/>
           <a:lstStyle/>
           <a:p>
-            <a:pPr lvl="0" indent="0" marL="0">
-              <a:buNone/>
-            </a:pPr>
+            <a:pPr lvl="0"/>
             <a:r>
               <a:rPr/>
-              <a:t>A gastrostomy tube can be placed either by endoscopy, which is called a PEG tube</a:t>
-            </a:r>
-          </a:p>
-          <a:p>
-            <a:pPr lvl="0" indent="0" marL="0">
-              <a:buNone/>
-            </a:pPr>
+              <a:t>Outpatient Placement (go home the same day)</a:t>
+            </a:r>
+          </a:p>
+          <a:p>
+            <a:pPr lvl="0"/>
             <a:r>
               <a:rPr/>
-              <a:t>A gastrostomy tube can also be placed by laparoscopy, which is usually preferred if surgery on the esophagus is planned in the future.</a:t>
-            </a:r>
-          </a:p>
-          <a:p>
-            <a:pPr lvl="0" indent="0" marL="0">
-              <a:buNone/>
-            </a:pPr>
-            <a:r>
-              <a:rPr/>
-              <a:t>Your surgeon will help you decide which kind of tube is best for you. This is especially important if you will need esophageal surgery in the future, as the stomach is frequently used to make a new esophagus</a:t>
+              <a:t>Central venous port can be placed at the same time (if needed)</a:t>
             </a:r>
           </a:p>
         </p:txBody>
@@ -4280,8 +4416,8 @@
         </p:nvSpPr>
         <p:spPr>
           <a:xfrm>
-            <a:off x="284309" y="205979"/>
-            <a:ext cx="8552330" cy="662317"/>
+            <a:off x="315045" y="205979"/>
+            <a:ext cx="8529278" cy="857250"/>
           </a:xfrm>
         </p:spPr>
         <p:txBody>
@@ -4293,7 +4429,7 @@
             </a:pPr>
             <a:r>
               <a:rPr/>
-              <a:t>Gastrostomy Tube</a:t>
+              <a:t>Jejunostomy Tube</a:t>
             </a:r>
           </a:p>
         </p:txBody>
@@ -4305,7 +4441,7 @@
             <a:spLocks noGrp="1"/>
           </p:cNvSpPr>
           <p:nvPr>
-            <p:ph idx="1"/>
+            <p:ph idx="1" sz="half"/>
           </p:nvPr>
         </p:nvSpPr>
         <p:spPr/>
@@ -4316,14 +4452,53 @@
             <a:pPr lvl="0"/>
             <a:r>
               <a:rPr/>
-              <a:t>Outpatient Placement (go home the same day)</a:t>
+              <a:t>Allows nutrition to bypass the esophagus and stomach</a:t>
             </a:r>
           </a:p>
           <a:p>
             <a:pPr lvl="0"/>
             <a:r>
               <a:rPr/>
-              <a:t>Central venous port can be placed at the same time (if needed)</a:t>
+              <a:t>Tube placed in small intestine</a:t>
+            </a:r>
+          </a:p>
+          <a:p>
+            <a:pPr lvl="0"/>
+            <a:r>
+              <a:rPr/>
+              <a:t>Requires a pump to adminster feedings slowly</a:t>
+            </a:r>
+          </a:p>
+          <a:p>
+            <a:pPr lvl="0"/>
+            <a:r>
+              <a:rPr/>
+              <a:t>Feeding usually done at night</a:t>
+            </a:r>
+          </a:p>
+        </p:txBody>
+      </p:sp>
+      <p:sp>
+        <p:nvSpPr>
+          <p:cNvPr id="4" name="Content Placeholder 3"/>
+          <p:cNvSpPr>
+            <a:spLocks noGrp="1"/>
+          </p:cNvSpPr>
+          <p:nvPr>
+            <p:ph idx="2" sz="half"/>
+          </p:nvPr>
+        </p:nvSpPr>
+        <p:spPr/>
+        <p:txBody>
+          <a:bodyPr/>
+          <a:lstStyle/>
+          <a:p>
+            <a:pPr lvl="0" indent="0" marL="0">
+              <a:buNone/>
+            </a:pPr>
+            <a:r>
+              <a:rPr/>
+              <a:t>Jejunostomy = Small Intestine </a:t>
             </a:r>
           </a:p>
         </p:txBody>
@@ -4375,7 +4550,7 @@
             </a:pPr>
             <a:r>
               <a:rPr/>
-              <a:t>Jejunostomy tube</a:t>
+              <a:t>Jejunostomy Typical Regimen</a:t>
             </a:r>
           </a:p>
         </p:txBody>
@@ -4395,30 +4570,40 @@
           <a:bodyPr/>
           <a:lstStyle/>
           <a:p>
+            <a:pPr lvl="0"/>
+            <a:r>
+              <a:rPr/>
+              <a:t>Jejunostomy tube feeds for 16 hours (6pm to 10am)</a:t>
+            </a:r>
+          </a:p>
+          <a:p>
+            <a:pPr lvl="1"/>
+            <a:r>
+              <a:rPr/>
+              <a:t>Men: 75mL/hour x 16 hours = 5 cartons</a:t>
+            </a:r>
+          </a:p>
+          <a:p>
+            <a:pPr lvl="1"/>
+            <a:r>
+              <a:rPr/>
+              <a:t>Women: 60mL/hour x 16 hours = 4 cartons</a:t>
+            </a:r>
+          </a:p>
+          <a:p>
+            <a:pPr lvl="0"/>
+            <a:r>
+              <a:rPr/>
+              <a:t>Water 240ml (8oz) via syringe 4x/day</a:t>
+            </a:r>
+          </a:p>
+          <a:p>
             <a:pPr lvl="0" indent="0" marL="0">
               <a:buNone/>
             </a:pPr>
             <a:r>
               <a:rPr/>
-              <a:t>The other type of feeding tube is a jejunostomy.</a:t>
-            </a:r>
-          </a:p>
-          <a:p>
-            <a:pPr lvl="0" indent="0" marL="0">
-              <a:buNone/>
-            </a:pPr>
-            <a:r>
-              <a:rPr/>
-              <a:t>A jejunostomy tube tube is placed into the small intestines. Because the small intestine is used to receiving food in small quantities, a jejunostomy tube requires the use of a pump to deliver feedings gradually over a matter of hours.</a:t>
-            </a:r>
-          </a:p>
-          <a:p>
-            <a:pPr lvl="0" indent="0" marL="0">
-              <a:buNone/>
-            </a:pPr>
-            <a:r>
-              <a:rPr/>
-              <a:t>In general, feedings are done at night in order to allow you to be active during the day</a:t>
+              <a:t>Hospital nurses will teach use of the feeding tube pump</a:t>
             </a:r>
           </a:p>
         </p:txBody>

--- a/lci_nutrition.pptx
+++ b/lci_nutrition.pptx
@@ -3968,36 +3968,41 @@
             </a:pPr>
             <a:r>
               <a:rPr/>
-              <a:t>Protein Shakes can provide protein with minimal sugar</a:t>
-            </a:r>
-          </a:p>
-        </p:txBody>
-      </p:sp>
-      <p:sp>
-        <p:nvSpPr>
-          <p:cNvPr id="4" name="Content Placeholder 3"/>
-          <p:cNvSpPr>
-            <a:spLocks noGrp="1"/>
-          </p:cNvSpPr>
-          <p:nvPr>
-            <p:ph idx="2" sz="half"/>
-          </p:nvPr>
-        </p:nvSpPr>
-        <p:spPr/>
-        <p:txBody>
-          <a:bodyPr/>
-          <a:lstStyle/>
-          <a:p>
-            <a:pPr lvl="0" indent="0" marL="0">
-              <a:buNone/>
-            </a:pPr>
-            <a:r>
-              <a:rPr/>
-              <a:t>Protein Shakes </a:t>
-            </a:r>
-          </a:p>
-        </p:txBody>
-      </p:sp>
+              <a:t>Protein Shakes provide protein with minimal sugar</a:t>
+            </a:r>
+          </a:p>
+        </p:txBody>
+      </p:sp>
+      <p:pic>
+        <p:nvPicPr>
+          <p:cNvPr descr="https://deidt7p41jzcy.cloudfront.net/protein_shakes.png" id="0" name="Picture 1"/>
+          <p:cNvPicPr>
+            <a:picLocks noGrp="1" noChangeAspect="1"/>
+          </p:cNvPicPr>
+          <p:nvPr/>
+        </p:nvPicPr>
+        <p:blipFill>
+          <a:blip r:embed="rId2"/>
+          <a:stretch>
+            <a:fillRect/>
+          </a:stretch>
+        </p:blipFill>
+        <p:spPr bwMode="auto">
+          <a:xfrm>
+            <a:off x="5067300" y="1193800"/>
+            <a:ext cx="3327400" cy="3733800"/>
+          </a:xfrm>
+          <a:prstGeom prst="rect">
+            <a:avLst/>
+          </a:prstGeom>
+          <a:noFill/>
+          <a:ln w="9525">
+            <a:noFill/>
+            <a:headEnd/>
+            <a:tailEnd/>
+          </a:ln>
+        </p:spPr>
+      </p:pic>
     </p:spTree>
   </p:cSld>
 </p:sld>
@@ -4050,56 +4055,66 @@
           </a:p>
         </p:txBody>
       </p:sp>
-      <p:sp>
-        <p:nvSpPr>
-          <p:cNvPr id="3" name="Content Placeholder 2"/>
-          <p:cNvSpPr>
-            <a:spLocks noGrp="1"/>
-          </p:cNvSpPr>
-          <p:nvPr>
-            <p:ph idx="1" sz="half"/>
-          </p:nvPr>
-        </p:nvSpPr>
-        <p:spPr/>
-        <p:txBody>
-          <a:bodyPr/>
-          <a:lstStyle/>
-          <a:p>
-            <a:pPr lvl="0" indent="0" marL="0">
-              <a:buNone/>
-            </a:pPr>
-            <a:r>
-              <a:rPr/>
-              <a:t>Jejunostomy = Small Intestine </a:t>
-            </a:r>
-          </a:p>
-        </p:txBody>
-      </p:sp>
-      <p:sp>
-        <p:nvSpPr>
-          <p:cNvPr id="4" name="Content Placeholder 3"/>
-          <p:cNvSpPr>
-            <a:spLocks noGrp="1"/>
-          </p:cNvSpPr>
-          <p:nvPr>
-            <p:ph idx="2" sz="half"/>
-          </p:nvPr>
-        </p:nvSpPr>
-        <p:spPr/>
-        <p:txBody>
-          <a:bodyPr/>
-          <a:lstStyle/>
-          <a:p>
-            <a:pPr lvl="0" indent="0" marL="0">
-              <a:buNone/>
-            </a:pPr>
-            <a:r>
-              <a:rPr/>
-              <a:t>Gastrostomy = Stomach </a:t>
-            </a:r>
-          </a:p>
-        </p:txBody>
-      </p:sp>
+      <p:pic>
+        <p:nvPicPr>
+          <p:cNvPr descr="https://deidt7p41jzcy.cloudfront.net/jtube_ai.png" id="0" name="Picture 1"/>
+          <p:cNvPicPr>
+            <a:picLocks noGrp="1" noChangeAspect="1"/>
+          </p:cNvPicPr>
+          <p:nvPr/>
+        </p:nvPicPr>
+        <p:blipFill>
+          <a:blip r:embed="rId2"/>
+          <a:stretch>
+            <a:fillRect/>
+          </a:stretch>
+        </p:blipFill>
+        <p:spPr bwMode="auto">
+          <a:xfrm>
+            <a:off x="571500" y="1193800"/>
+            <a:ext cx="3644900" cy="3733800"/>
+          </a:xfrm>
+          <a:prstGeom prst="rect">
+            <a:avLst/>
+          </a:prstGeom>
+          <a:noFill/>
+          <a:ln w="9525">
+            <a:noFill/>
+            <a:headEnd/>
+            <a:tailEnd/>
+          </a:ln>
+        </p:spPr>
+      </p:pic>
+      <p:pic>
+        <p:nvPicPr>
+          <p:cNvPr descr="https://deidt7p41jzcy.cloudfront.net/gtube_ai.png" id="0" name="Picture 1"/>
+          <p:cNvPicPr>
+            <a:picLocks noGrp="1" noChangeAspect="1"/>
+          </p:cNvPicPr>
+          <p:nvPr/>
+        </p:nvPicPr>
+        <p:blipFill>
+          <a:blip r:embed="rId3"/>
+          <a:stretch>
+            <a:fillRect/>
+          </a:stretch>
+        </p:blipFill>
+        <p:spPr bwMode="auto">
+          <a:xfrm>
+            <a:off x="4902200" y="1193800"/>
+            <a:ext cx="3644900" cy="3733800"/>
+          </a:xfrm>
+          <a:prstGeom prst="rect">
+            <a:avLst/>
+          </a:prstGeom>
+          <a:noFill/>
+          <a:ln w="9525">
+            <a:noFill/>
+            <a:headEnd/>
+            <a:tailEnd/>
+          </a:ln>
+        </p:spPr>
+      </p:pic>
     </p:spTree>
   </p:cSld>
 </p:sld>
@@ -4452,21 +4467,21 @@
             <a:pPr lvl="0"/>
             <a:r>
               <a:rPr/>
-              <a:t>Allows nutrition to bypass the esophagus and stomach</a:t>
+              <a:t>Nutrition to bypasses the esophagus and stomach</a:t>
             </a:r>
           </a:p>
           <a:p>
             <a:pPr lvl="0"/>
             <a:r>
               <a:rPr/>
-              <a:t>Tube placed in small intestine</a:t>
+              <a:t>Placed in small intestine</a:t>
             </a:r>
           </a:p>
           <a:p>
             <a:pPr lvl="0"/>
             <a:r>
               <a:rPr/>
-              <a:t>Requires a pump to adminster feedings slowly</a:t>
+              <a:t>Pump administers feedings slowly</a:t>
             </a:r>
           </a:p>
           <a:p>
@@ -4478,31 +4493,36 @@
           </a:p>
         </p:txBody>
       </p:sp>
-      <p:sp>
-        <p:nvSpPr>
-          <p:cNvPr id="4" name="Content Placeholder 3"/>
-          <p:cNvSpPr>
-            <a:spLocks noGrp="1"/>
-          </p:cNvSpPr>
-          <p:nvPr>
-            <p:ph idx="2" sz="half"/>
-          </p:nvPr>
-        </p:nvSpPr>
-        <p:spPr/>
-        <p:txBody>
-          <a:bodyPr/>
-          <a:lstStyle/>
-          <a:p>
-            <a:pPr lvl="0" indent="0" marL="0">
-              <a:buNone/>
-            </a:pPr>
-            <a:r>
-              <a:rPr/>
-              <a:t>Jejunostomy = Small Intestine </a:t>
-            </a:r>
-          </a:p>
-        </p:txBody>
-      </p:sp>
+      <p:pic>
+        <p:nvPicPr>
+          <p:cNvPr descr="https://deidt7p41jzcy.cloudfront.net/jtube_ai.png" id="0" name="Picture 1"/>
+          <p:cNvPicPr>
+            <a:picLocks noGrp="1" noChangeAspect="1"/>
+          </p:cNvPicPr>
+          <p:nvPr/>
+        </p:nvPicPr>
+        <p:blipFill>
+          <a:blip r:embed="rId2"/>
+          <a:stretch>
+            <a:fillRect/>
+          </a:stretch>
+        </p:blipFill>
+        <p:spPr bwMode="auto">
+          <a:xfrm>
+            <a:off x="4902200" y="1193800"/>
+            <a:ext cx="3644900" cy="3733800"/>
+          </a:xfrm>
+          <a:prstGeom prst="rect">
+            <a:avLst/>
+          </a:prstGeom>
+          <a:noFill/>
+          <a:ln w="9525">
+            <a:noFill/>
+            <a:headEnd/>
+            <a:tailEnd/>
+          </a:ln>
+        </p:spPr>
+      </p:pic>
     </p:spTree>
   </p:cSld>
 </p:sld>
@@ -4573,7 +4593,7 @@
             <a:pPr lvl="0"/>
             <a:r>
               <a:rPr/>
-              <a:t>Jejunostomy tube feeds for 16 hours (6pm to 10am)</a:t>
+              <a:t>Jejunostomy tube feeds for 16 hours (6pm-10am)</a:t>
             </a:r>
           </a:p>
           <a:p>
@@ -4603,7 +4623,7 @@
             </a:pPr>
             <a:r>
               <a:rPr/>
-              <a:t>Hospital nurses will teach use of the feeding tube pump</a:t>
+              <a:t>Hospital nurses will teach use of the feeding tube</a:t>
             </a:r>
           </a:p>
         </p:txBody>

--- a/lci_nutrition.pptx
+++ b/lci_nutrition.pptx
@@ -326,7 +326,7 @@
           <a:p>
             <a:fld id="{241EB5C9-1307-BA42-ABA2-0BC069CD8E7F}" type="datetimeFigureOut">
               <a:rPr lang="en-US" smtClean="0"/>
-              <a:t>1/11/25</a:t>
+              <a:t>2/24/25</a:t>
             </a:fld>
             <a:endParaRPr lang="en-US"/>
           </a:p>
@@ -518,7 +518,7 @@
           <a:p>
             <a:fld id="{241EB5C9-1307-BA42-ABA2-0BC069CD8E7F}" type="datetimeFigureOut">
               <a:rPr lang="en-US" smtClean="0"/>
-              <a:t>1/11/25</a:t>
+              <a:t>2/24/25</a:t>
             </a:fld>
             <a:endParaRPr lang="en-US"/>
           </a:p>
@@ -720,7 +720,7 @@
           <a:p>
             <a:fld id="{241EB5C9-1307-BA42-ABA2-0BC069CD8E7F}" type="datetimeFigureOut">
               <a:rPr lang="en-US" smtClean="0"/>
-              <a:t>1/11/25</a:t>
+              <a:t>2/24/25</a:t>
             </a:fld>
             <a:endParaRPr lang="en-US"/>
           </a:p>
@@ -922,7 +922,7 @@
           <a:p>
             <a:fld id="{241EB5C9-1307-BA42-ABA2-0BC069CD8E7F}" type="datetimeFigureOut">
               <a:rPr lang="en-US" smtClean="0"/>
-              <a:t>1/11/25</a:t>
+              <a:t>2/24/25</a:t>
             </a:fld>
             <a:endParaRPr lang="en-US"/>
           </a:p>
@@ -1462,7 +1462,7 @@
           <a:p>
             <a:fld id="{241EB5C9-1307-BA42-ABA2-0BC069CD8E7F}" type="datetimeFigureOut">
               <a:rPr lang="en-US" smtClean="0"/>
-              <a:t>1/11/25</a:t>
+              <a:t>2/24/25</a:t>
             </a:fld>
             <a:endParaRPr lang="en-US"/>
           </a:p>
@@ -2136,7 +2136,7 @@
           <a:p>
             <a:fld id="{241EB5C9-1307-BA42-ABA2-0BC069CD8E7F}" type="datetimeFigureOut">
               <a:rPr lang="en-US" smtClean="0"/>
-              <a:t>1/11/25</a:t>
+              <a:t>2/24/25</a:t>
             </a:fld>
             <a:endParaRPr lang="en-US"/>
           </a:p>
@@ -2283,7 +2283,7 @@
           <a:p>
             <a:fld id="{241EB5C9-1307-BA42-ABA2-0BC069CD8E7F}" type="datetimeFigureOut">
               <a:rPr lang="en-US" smtClean="0"/>
-              <a:t>1/11/25</a:t>
+              <a:t>2/24/25</a:t>
             </a:fld>
             <a:endParaRPr lang="en-US"/>
           </a:p>
@@ -2402,7 +2402,7 @@
           <a:p>
             <a:fld id="{241EB5C9-1307-BA42-ABA2-0BC069CD8E7F}" type="datetimeFigureOut">
               <a:rPr lang="en-US" smtClean="0"/>
-              <a:t>1/11/25</a:t>
+              <a:t>2/24/25</a:t>
             </a:fld>
             <a:endParaRPr lang="en-US"/>
           </a:p>
@@ -2701,7 +2701,7 @@
           <a:p>
             <a:fld id="{241EB5C9-1307-BA42-ABA2-0BC069CD8E7F}" type="datetimeFigureOut">
               <a:rPr lang="en-US" smtClean="0"/>
-              <a:t>1/11/25</a:t>
+              <a:t>2/24/25</a:t>
             </a:fld>
             <a:endParaRPr lang="en-US"/>
           </a:p>
@@ -2977,7 +2977,7 @@
           <a:p>
             <a:fld id="{241EB5C9-1307-BA42-ABA2-0BC069CD8E7F}" type="datetimeFigureOut">
               <a:rPr lang="en-US" smtClean="0"/>
-              <a:t>1/11/25</a:t>
+              <a:t>2/24/25</a:t>
             </a:fld>
             <a:endParaRPr lang="en-US"/>
           </a:p>
@@ -3230,7 +3230,7 @@
         </a:spcBef>
         <a:buFont typeface="Arial"/>
         <a:buChar char="–"/>
-        <a:defRPr baseline="0" kern="1200" sz="2100">
+        <a:defRPr baseline="0" kern="1200" sz="2400">
           <a:solidFill>
             <a:schemeClr val="tx1"/>
           </a:solidFill>
@@ -3245,7 +3245,7 @@
         </a:spcBef>
         <a:buFont typeface="Arial"/>
         <a:buChar char="•"/>
-        <a:defRPr kern="1200" sz="1800">
+        <a:defRPr kern="1200" sz="2400">
           <a:solidFill>
             <a:schemeClr val="tx1"/>
           </a:solidFill>
@@ -3260,7 +3260,7 @@
         </a:spcBef>
         <a:buFont typeface="Arial"/>
         <a:buChar char="–"/>
-        <a:defRPr kern="1200" sz="1500">
+        <a:defRPr kern="1200" sz="2400">
           <a:solidFill>
             <a:schemeClr val="tx1"/>
           </a:solidFill>

--- a/lci_nutrition.pptx
+++ b/lci_nutrition.pptx
@@ -4292,7 +4292,7 @@
             </a:pPr>
             <a:r>
               <a:rPr/>
-              <a:t>A gastrostomy tube can be placed either by endoscopy, which is called a PEG tube</a:t>
+              <a:t>PEG: Tube placed by endoscopy</a:t>
             </a:r>
           </a:p>
           <a:p>
@@ -4301,7 +4301,7 @@
             </a:pPr>
             <a:r>
               <a:rPr/>
-              <a:t>A gastrostomy tube can also be placed by laparoscopy, which is usually preferred if surgery on the esophagus is planned in the future.</a:t>
+              <a:t>Laparoscopic: Tube placed surgically by laparoscopy</a:t>
             </a:r>
           </a:p>
           <a:p>
@@ -4310,7 +4310,7 @@
             </a:pPr>
             <a:r>
               <a:rPr/>
-              <a:t>Your surgeon will help you decide which kind of tube is best for you. This is especially important if you will need esophageal surgery in the future, as the stomach is frequently used to make a new esophagus</a:t>
+              <a:t>Preferred method depends upon whether esophagectomy is planned</a:t>
             </a:r>
           </a:p>
         </p:txBody>

--- a/lci_nutrition.pptx
+++ b/lci_nutrition.pptx
@@ -4488,7 +4488,7 @@
             <a:pPr lvl="0"/>
             <a:r>
               <a:rPr/>
-              <a:t>Feeding usually done at night</a:t>
+              <a:t>Feeding done at night</a:t>
             </a:r>
           </a:p>
         </p:txBody>

--- a/lci_nutrition.pptx
+++ b/lci_nutrition.pptx
@@ -3228,8 +3228,8 @@
         <a:spcBef>
           <a:spcPct val="20000"/>
         </a:spcBef>
-        <a:buFont typeface="Arial"/>
-        <a:buChar char="–"/>
+        <a:buFont charset="0" panose="020B0604020202020204" pitchFamily="34" typeface="Arial"/>
+        <a:buChar char="•"/>
         <a:defRPr baseline="0" kern="1200" sz="2400">
           <a:solidFill>
             <a:schemeClr val="tx1"/>

--- a/lci_nutrition.pptx
+++ b/lci_nutrition.pptx
@@ -3735,7 +3735,7 @@
       </p:sp>
       <p:pic>
         <p:nvPicPr>
-          <p:cNvPr descr="https://deidt7p41jzcy.cloudfront.net/jejunostomy_qrcode.png" id="0" name="Picture 1"/>
+          <p:cNvPr descr="images/nutrition_jejunostomy_qrcode.png" id="0" name="Picture 1"/>
           <p:cNvPicPr>
             <a:picLocks noGrp="1" noChangeAspect="1"/>
           </p:cNvPicPr>
@@ -3854,7 +3854,7 @@
       </p:sp>
       <p:pic>
         <p:nvPicPr>
-          <p:cNvPr descr="https://deidt7p41jzcy.cloudfront.net/Eso_Anatomy_Labels.png" id="0" name="Picture 1"/>
+          <p:cNvPr descr="images/Eso_Anatomy_Labels.png" id="0" name="Picture 1"/>
           <p:cNvPicPr>
             <a:picLocks noGrp="1" noChangeAspect="1"/>
           </p:cNvPicPr>
@@ -3975,7 +3975,7 @@
       </p:sp>
       <p:pic>
         <p:nvPicPr>
-          <p:cNvPr descr="https://deidt7p41jzcy.cloudfront.net/protein_shakes.png" id="0" name="Picture 1"/>
+          <p:cNvPr descr="images/nutrition_protein_shakes.png" id="0" name="Picture 1"/>
           <p:cNvPicPr>
             <a:picLocks noGrp="1" noChangeAspect="1"/>
           </p:cNvPicPr>
@@ -4057,7 +4057,7 @@
       </p:sp>
       <p:pic>
         <p:nvPicPr>
-          <p:cNvPr descr="https://deidt7p41jzcy.cloudfront.net/jtube_ai.png" id="0" name="Picture 1"/>
+          <p:cNvPr descr="images/nutrition_jtube.png" id="0" name="Picture 1"/>
           <p:cNvPicPr>
             <a:picLocks noGrp="1" noChangeAspect="1"/>
           </p:cNvPicPr>
@@ -4087,7 +4087,7 @@
       </p:pic>
       <p:pic>
         <p:nvPicPr>
-          <p:cNvPr descr="https://deidt7p41jzcy.cloudfront.net/gtube_ai.png" id="0" name="Picture 1"/>
+          <p:cNvPr descr="images/nutrition_gtube.png" id="0" name="Picture 1"/>
           <p:cNvPicPr>
             <a:picLocks noGrp="1" noChangeAspect="1"/>
           </p:cNvPicPr>
@@ -4495,7 +4495,7 @@
       </p:sp>
       <p:pic>
         <p:nvPicPr>
-          <p:cNvPr descr="https://deidt7p41jzcy.cloudfront.net/jtube_ai.png" id="0" name="Picture 1"/>
+          <p:cNvPr descr="images/nutrition_jtube.png" id="0" name="Picture 1"/>
           <p:cNvPicPr>
             <a:picLocks noGrp="1" noChangeAspect="1"/>
           </p:cNvPicPr>

--- a/lci_nutrition.pptx
+++ b/lci_nutrition.pptx
@@ -3975,7 +3975,7 @@
       </p:sp>
       <p:pic>
         <p:nvPicPr>
-          <p:cNvPr descr="images/nutrition_protein_shakes.png" id="0" name="Picture 1"/>
+          <p:cNvPr descr="images/nutrition_protein_shakes900900.jpg" id="0" name="Picture 1"/>
           <p:cNvPicPr>
             <a:picLocks noGrp="1" noChangeAspect="1"/>
           </p:cNvPicPr>
@@ -3989,8 +3989,8 @@
         </p:blipFill>
         <p:spPr bwMode="auto">
           <a:xfrm>
-            <a:off x="5067300" y="1193800"/>
-            <a:ext cx="3327400" cy="3733800"/>
+            <a:off x="4864100" y="1193800"/>
+            <a:ext cx="3733800" cy="3733800"/>
           </a:xfrm>
           <a:prstGeom prst="rect">
             <a:avLst/>

--- a/lci_nutrition.pptx
+++ b/lci_nutrition.pptx
@@ -16,6 +16,8 @@
     <p:sldId id="264" r:id="rId10"/>
     <p:sldId id="265" r:id="rId11"/>
     <p:sldId id="266" r:id="rId12"/>
+    <p:sldId id="267" r:id="rId13"/>
+    <p:sldId id="268" r:id="rId14"/>
   </p:sldIdLst>
   <p:sldSz cx="9144000" cy="5143500" type="screen16x9"/>
   <p:notesSz cx="6858000" cy="9144000"/>
@@ -3763,6 +3765,249 @@
           </a:ln>
         </p:spPr>
       </p:pic>
+    </p:spTree>
+  </p:cSld>
+</p:sld>
+</file>
+
+<file path=ppt/slides/slide12.xml><?xml version="1.0" encoding="utf-8"?>
+<p:sld xmlns:a="http://schemas.openxmlformats.org/drawingml/2006/main" xmlns:r="http://schemas.openxmlformats.org/officeDocument/2006/relationships" xmlns:p="http://schemas.openxmlformats.org/presentationml/2006/main">
+  <p:cSld>
+    <p:spTree>
+      <p:nvGrpSpPr>
+        <p:cNvPr id="1" name=""/>
+        <p:cNvGrpSpPr/>
+        <p:nvPr/>
+      </p:nvGrpSpPr>
+      <p:grpSpPr>
+        <a:xfrm>
+          <a:off x="0" y="0"/>
+          <a:ext cx="0" cy="0"/>
+          <a:chOff x="0" y="0"/>
+          <a:chExt cx="0" cy="0"/>
+        </a:xfrm>
+      </p:grpSpPr>
+      <p:sp>
+        <p:nvSpPr>
+          <p:cNvPr id="2" name="Title 1"/>
+          <p:cNvSpPr>
+            <a:spLocks noGrp="1"/>
+          </p:cNvSpPr>
+          <p:nvPr>
+            <p:ph type="title"/>
+          </p:nvPr>
+        </p:nvSpPr>
+        <p:spPr>
+          <a:xfrm>
+            <a:off x="284309" y="205979"/>
+            <a:ext cx="8552330" cy="662317"/>
+          </a:xfrm>
+        </p:spPr>
+        <p:txBody>
+          <a:bodyPr/>
+          <a:lstStyle/>
+          <a:p>
+            <a:pPr lvl="0" indent="0" marL="0">
+              <a:buNone/>
+            </a:pPr>
+            <a:r>
+              <a:rPr/>
+              <a:t>Team Members - Physicians</a:t>
+            </a:r>
+          </a:p>
+        </p:txBody>
+      </p:sp>
+      <p:sp>
+        <p:nvSpPr>
+          <p:cNvPr id="3" name="Content Placeholder 2"/>
+          <p:cNvSpPr>
+            <a:spLocks noGrp="1"/>
+          </p:cNvSpPr>
+          <p:nvPr>
+            <p:ph idx="1"/>
+          </p:nvPr>
+        </p:nvSpPr>
+        <p:spPr/>
+        <p:txBody>
+          <a:bodyPr/>
+          <a:lstStyle/>
+          <a:p>
+            <a:pPr lvl="0" indent="0" marL="0">
+              <a:buNone/>
+            </a:pPr>
+            <a:r>
+              <a:rPr/>
+              <a:t>Primary Care Provider</a:t>
+            </a:r>
+          </a:p>
+          <a:p>
+            <a:pPr lvl="0" indent="0" marL="0">
+              <a:buNone/>
+            </a:pPr>
+            <a:r>
+              <a:rPr/>
+              <a:t>Gastroenterologist</a:t>
+            </a:r>
+          </a:p>
+          <a:p>
+            <a:pPr lvl="0" indent="0" marL="0">
+              <a:buNone/>
+            </a:pPr>
+            <a:r>
+              <a:rPr/>
+              <a:t>Medical Oncologist (chemotherapy)</a:t>
+            </a:r>
+          </a:p>
+          <a:p>
+            <a:pPr lvl="0" indent="0" marL="0">
+              <a:buNone/>
+            </a:pPr>
+            <a:r>
+              <a:rPr/>
+              <a:t>Radiation Oncologist (radiation)</a:t>
+            </a:r>
+          </a:p>
+          <a:p>
+            <a:pPr lvl="0" indent="0" marL="0">
+              <a:buNone/>
+            </a:pPr>
+            <a:r>
+              <a:rPr/>
+              <a:t>Surgeons</a:t>
+            </a:r>
+          </a:p>
+          <a:p>
+            <a:pPr lvl="0"/>
+            <a:r>
+              <a:rPr/>
+              <a:t>Jonathan Salo MD</a:t>
+            </a:r>
+          </a:p>
+          <a:p>
+            <a:pPr lvl="0"/>
+            <a:r>
+              <a:rPr/>
+              <a:t>Jeffrey Hagen MD</a:t>
+            </a:r>
+          </a:p>
+          <a:p>
+            <a:pPr lvl="0"/>
+            <a:r>
+              <a:rPr/>
+              <a:t>Michael Roach MD</a:t>
+            </a:r>
+          </a:p>
+        </p:txBody>
+      </p:sp>
+    </p:spTree>
+  </p:cSld>
+</p:sld>
+</file>
+
+<file path=ppt/slides/slide13.xml><?xml version="1.0" encoding="utf-8"?>
+<p:sld xmlns:a="http://schemas.openxmlformats.org/drawingml/2006/main" xmlns:r="http://schemas.openxmlformats.org/officeDocument/2006/relationships" xmlns:p="http://schemas.openxmlformats.org/presentationml/2006/main">
+  <p:cSld>
+    <p:spTree>
+      <p:nvGrpSpPr>
+        <p:cNvPr id="1" name=""/>
+        <p:cNvGrpSpPr/>
+        <p:nvPr/>
+      </p:nvGrpSpPr>
+      <p:grpSpPr>
+        <a:xfrm>
+          <a:off x="0" y="0"/>
+          <a:ext cx="0" cy="0"/>
+          <a:chOff x="0" y="0"/>
+          <a:chExt cx="0" cy="0"/>
+        </a:xfrm>
+      </p:grpSpPr>
+      <p:sp>
+        <p:nvSpPr>
+          <p:cNvPr id="2" name="Title 1"/>
+          <p:cNvSpPr>
+            <a:spLocks noGrp="1"/>
+          </p:cNvSpPr>
+          <p:nvPr>
+            <p:ph type="title"/>
+          </p:nvPr>
+        </p:nvSpPr>
+        <p:spPr>
+          <a:xfrm>
+            <a:off x="284309" y="205979"/>
+            <a:ext cx="8552330" cy="662317"/>
+          </a:xfrm>
+        </p:spPr>
+        <p:txBody>
+          <a:bodyPr/>
+          <a:lstStyle/>
+          <a:p>
+            <a:pPr lvl="0" indent="0" marL="0">
+              <a:buNone/>
+            </a:pPr>
+            <a:r>
+              <a:rPr/>
+              <a:t>Team Members - Support Staff</a:t>
+            </a:r>
+          </a:p>
+        </p:txBody>
+      </p:sp>
+      <p:sp>
+        <p:nvSpPr>
+          <p:cNvPr id="3" name="Content Placeholder 2"/>
+          <p:cNvSpPr>
+            <a:spLocks noGrp="1"/>
+          </p:cNvSpPr>
+          <p:nvPr>
+            <p:ph idx="1"/>
+          </p:nvPr>
+        </p:nvSpPr>
+        <p:spPr/>
+        <p:txBody>
+          <a:bodyPr/>
+          <a:lstStyle/>
+          <a:p>
+            <a:pPr lvl="0" indent="0" marL="0">
+              <a:buNone/>
+            </a:pPr>
+            <a:r>
+              <a:rPr/>
+              <a:t>Dietitian - Liz Koch</a:t>
+            </a:r>
+          </a:p>
+          <a:p>
+            <a:pPr lvl="0" indent="0" marL="0">
+              <a:buNone/>
+            </a:pPr>
+            <a:r>
+              <a:rPr/>
+              <a:t>Nurses</a:t>
+            </a:r>
+          </a:p>
+          <a:p>
+            <a:pPr lvl="0"/>
+            <a:r>
+              <a:rPr/>
+              <a:t>Matthew Carpenter RN</a:t>
+            </a:r>
+          </a:p>
+          <a:p>
+            <a:pPr lvl="0"/>
+            <a:r>
+              <a:rPr/>
+              <a:t>Brandon Galloway LPN</a:t>
+            </a:r>
+          </a:p>
+          <a:p>
+            <a:pPr lvl="0" indent="0" marL="0">
+              <a:buNone/>
+            </a:pPr>
+            <a:r>
+              <a:rPr/>
+              <a:t>Navigator - Laura Swift</a:t>
+            </a:r>
+          </a:p>
+        </p:txBody>
+      </p:sp>
     </p:spTree>
   </p:cSld>
 </p:sld>
